--- a/lectures/Simple Evolution.pptx
+++ b/lectures/Simple Evolution.pptx
@@ -218,7 +218,7 @@
           <a:p>
             <a:fld id="{ACBCE9EE-8D76-4ABF-B157-71B6E1555D24}" type="datetimeFigureOut">
               <a:rPr lang="en-GB" smtClean="0"/>
-              <a:t>17/05/2016</a:t>
+              <a:t>02/06/2019</a:t>
             </a:fld>
             <a:endParaRPr lang="en-GB"/>
           </a:p>
@@ -282,35 +282,35 @@
           <a:p>
             <a:pPr lvl="0"/>
             <a:r>
-              <a:rPr lang="en-US" smtClean="0"/>
+              <a:rPr lang="en-US"/>
               <a:t>Click to edit Master text styles</a:t>
             </a:r>
           </a:p>
           <a:p>
             <a:pPr lvl="1"/>
             <a:r>
-              <a:rPr lang="en-US" smtClean="0"/>
+              <a:rPr lang="en-US"/>
               <a:t>Second level</a:t>
             </a:r>
           </a:p>
           <a:p>
             <a:pPr lvl="2"/>
             <a:r>
-              <a:rPr lang="en-US" smtClean="0"/>
+              <a:rPr lang="en-US"/>
               <a:t>Third level</a:t>
             </a:r>
           </a:p>
           <a:p>
             <a:pPr lvl="3"/>
             <a:r>
-              <a:rPr lang="en-US" smtClean="0"/>
+              <a:rPr lang="en-US"/>
               <a:t>Fourth level</a:t>
             </a:r>
           </a:p>
           <a:p>
             <a:pPr lvl="4"/>
             <a:r>
-              <a:rPr lang="en-US" smtClean="0"/>
+              <a:rPr lang="en-US"/>
               <a:t>Fifth level</a:t>
             </a:r>
             <a:endParaRPr lang="en-GB"/>
@@ -524,7 +524,7 @@
           <a:lstStyle/>
           <a:p>
             <a:r>
-              <a:rPr lang="en-GB" smtClean="0"/>
+              <a:rPr lang="en-GB"/>
               <a:t>Click to edit Master title style</a:t>
             </a:r>
             <a:endParaRPr lang="en-US"/>
@@ -643,7 +643,7 @@
           </a:lstStyle>
           <a:p>
             <a:r>
-              <a:rPr lang="en-GB" smtClean="0"/>
+              <a:rPr lang="en-GB"/>
               <a:t>Click to edit Master subtitle style</a:t>
             </a:r>
             <a:endParaRPr lang="en-US"/>
@@ -667,7 +667,7 @@
           <a:p>
             <a:fld id="{6B06F7F7-D708-4C45-A30D-CC2D049B444D}" type="datetimeFigureOut">
               <a:rPr lang="en-US" smtClean="0"/>
-              <a:t>5/17/16</a:t>
+              <a:t>6/2/19</a:t>
             </a:fld>
             <a:endParaRPr lang="en-US"/>
           </a:p>
@@ -761,7 +761,7 @@
           <a:lstStyle/>
           <a:p>
             <a:r>
-              <a:rPr lang="en-GB" smtClean="0"/>
+              <a:rPr lang="en-GB"/>
               <a:t>Click to edit Master title style</a:t>
             </a:r>
             <a:endParaRPr lang="en-US"/>
@@ -785,35 +785,35 @@
           <a:p>
             <a:pPr lvl="0"/>
             <a:r>
-              <a:rPr lang="en-GB" smtClean="0"/>
+              <a:rPr lang="en-GB"/>
               <a:t>Click to edit Master text styles</a:t>
             </a:r>
           </a:p>
           <a:p>
             <a:pPr lvl="1"/>
             <a:r>
-              <a:rPr lang="en-GB" smtClean="0"/>
+              <a:rPr lang="en-GB"/>
               <a:t>Second level</a:t>
             </a:r>
           </a:p>
           <a:p>
             <a:pPr lvl="2"/>
             <a:r>
-              <a:rPr lang="en-GB" smtClean="0"/>
+              <a:rPr lang="en-GB"/>
               <a:t>Third level</a:t>
             </a:r>
           </a:p>
           <a:p>
             <a:pPr lvl="3"/>
             <a:r>
-              <a:rPr lang="en-GB" smtClean="0"/>
+              <a:rPr lang="en-GB"/>
               <a:t>Fourth level</a:t>
             </a:r>
           </a:p>
           <a:p>
             <a:pPr lvl="4"/>
             <a:r>
-              <a:rPr lang="en-GB" smtClean="0"/>
+              <a:rPr lang="en-GB"/>
               <a:t>Fifth level</a:t>
             </a:r>
             <a:endParaRPr lang="en-US"/>
@@ -837,7 +837,7 @@
           <a:p>
             <a:fld id="{6B06F7F7-D708-4C45-A30D-CC2D049B444D}" type="datetimeFigureOut">
               <a:rPr lang="en-US" smtClean="0"/>
-              <a:t>5/17/16</a:t>
+              <a:t>6/2/19</a:t>
             </a:fld>
             <a:endParaRPr lang="en-US"/>
           </a:p>
@@ -936,7 +936,7 @@
           <a:lstStyle/>
           <a:p>
             <a:r>
-              <a:rPr lang="en-GB" smtClean="0"/>
+              <a:rPr lang="en-GB"/>
               <a:t>Click to edit Master title style</a:t>
             </a:r>
             <a:endParaRPr lang="en-US"/>
@@ -965,35 +965,35 @@
           <a:p>
             <a:pPr lvl="0"/>
             <a:r>
-              <a:rPr lang="en-GB" smtClean="0"/>
+              <a:rPr lang="en-GB"/>
               <a:t>Click to edit Master text styles</a:t>
             </a:r>
           </a:p>
           <a:p>
             <a:pPr lvl="1"/>
             <a:r>
-              <a:rPr lang="en-GB" smtClean="0"/>
+              <a:rPr lang="en-GB"/>
               <a:t>Second level</a:t>
             </a:r>
           </a:p>
           <a:p>
             <a:pPr lvl="2"/>
             <a:r>
-              <a:rPr lang="en-GB" smtClean="0"/>
+              <a:rPr lang="en-GB"/>
               <a:t>Third level</a:t>
             </a:r>
           </a:p>
           <a:p>
             <a:pPr lvl="3"/>
             <a:r>
-              <a:rPr lang="en-GB" smtClean="0"/>
+              <a:rPr lang="en-GB"/>
               <a:t>Fourth level</a:t>
             </a:r>
           </a:p>
           <a:p>
             <a:pPr lvl="4"/>
             <a:r>
-              <a:rPr lang="en-GB" smtClean="0"/>
+              <a:rPr lang="en-GB"/>
               <a:t>Fifth level</a:t>
             </a:r>
             <a:endParaRPr lang="en-US"/>
@@ -1017,7 +1017,7 @@
           <a:p>
             <a:fld id="{6B06F7F7-D708-4C45-A30D-CC2D049B444D}" type="datetimeFigureOut">
               <a:rPr lang="en-US" smtClean="0"/>
-              <a:t>5/17/16</a:t>
+              <a:t>6/2/19</a:t>
             </a:fld>
             <a:endParaRPr lang="en-US"/>
           </a:p>
@@ -1111,7 +1111,7 @@
           <a:lstStyle/>
           <a:p>
             <a:r>
-              <a:rPr lang="en-GB" smtClean="0"/>
+              <a:rPr lang="en-GB"/>
               <a:t>Click to edit Master title style</a:t>
             </a:r>
             <a:endParaRPr lang="en-US"/>
@@ -1135,35 +1135,35 @@
           <a:p>
             <a:pPr lvl="0"/>
             <a:r>
-              <a:rPr lang="en-GB" smtClean="0"/>
+              <a:rPr lang="en-GB"/>
               <a:t>Click to edit Master text styles</a:t>
             </a:r>
           </a:p>
           <a:p>
             <a:pPr lvl="1"/>
             <a:r>
-              <a:rPr lang="en-GB" smtClean="0"/>
+              <a:rPr lang="en-GB"/>
               <a:t>Second level</a:t>
             </a:r>
           </a:p>
           <a:p>
             <a:pPr lvl="2"/>
             <a:r>
-              <a:rPr lang="en-GB" smtClean="0"/>
+              <a:rPr lang="en-GB"/>
               <a:t>Third level</a:t>
             </a:r>
           </a:p>
           <a:p>
             <a:pPr lvl="3"/>
             <a:r>
-              <a:rPr lang="en-GB" smtClean="0"/>
+              <a:rPr lang="en-GB"/>
               <a:t>Fourth level</a:t>
             </a:r>
           </a:p>
           <a:p>
             <a:pPr lvl="4"/>
             <a:r>
-              <a:rPr lang="en-GB" smtClean="0"/>
+              <a:rPr lang="en-GB"/>
               <a:t>Fifth level</a:t>
             </a:r>
             <a:endParaRPr lang="en-US"/>
@@ -1187,7 +1187,7 @@
           <a:p>
             <a:fld id="{6B06F7F7-D708-4C45-A30D-CC2D049B444D}" type="datetimeFigureOut">
               <a:rPr lang="en-US" smtClean="0"/>
-              <a:t>5/17/16</a:t>
+              <a:t>6/2/19</a:t>
             </a:fld>
             <a:endParaRPr lang="en-US"/>
           </a:p>
@@ -1290,7 +1290,7 @@
           </a:lstStyle>
           <a:p>
             <a:r>
-              <a:rPr lang="en-GB" smtClean="0"/>
+              <a:rPr lang="en-GB"/>
               <a:t>Click to edit Master title style</a:t>
             </a:r>
             <a:endParaRPr lang="en-US"/>
@@ -1410,7 +1410,7 @@
           <a:p>
             <a:pPr lvl="0"/>
             <a:r>
-              <a:rPr lang="en-GB" smtClean="0"/>
+              <a:rPr lang="en-GB"/>
               <a:t>Click to edit Master text styles</a:t>
             </a:r>
           </a:p>
@@ -1433,7 +1433,7 @@
           <a:p>
             <a:fld id="{6B06F7F7-D708-4C45-A30D-CC2D049B444D}" type="datetimeFigureOut">
               <a:rPr lang="en-US" smtClean="0"/>
-              <a:t>5/17/16</a:t>
+              <a:t>6/2/19</a:t>
             </a:fld>
             <a:endParaRPr lang="en-US"/>
           </a:p>
@@ -1527,7 +1527,7 @@
           <a:lstStyle/>
           <a:p>
             <a:r>
-              <a:rPr lang="en-GB" smtClean="0"/>
+              <a:rPr lang="en-GB"/>
               <a:t>Click to edit Master title style</a:t>
             </a:r>
             <a:endParaRPr lang="en-US"/>
@@ -1584,35 +1584,35 @@
           <a:p>
             <a:pPr lvl="0"/>
             <a:r>
-              <a:rPr lang="en-GB" smtClean="0"/>
+              <a:rPr lang="en-GB"/>
               <a:t>Click to edit Master text styles</a:t>
             </a:r>
           </a:p>
           <a:p>
             <a:pPr lvl="1"/>
             <a:r>
-              <a:rPr lang="en-GB" smtClean="0"/>
+              <a:rPr lang="en-GB"/>
               <a:t>Second level</a:t>
             </a:r>
           </a:p>
           <a:p>
             <a:pPr lvl="2"/>
             <a:r>
-              <a:rPr lang="en-GB" smtClean="0"/>
+              <a:rPr lang="en-GB"/>
               <a:t>Third level</a:t>
             </a:r>
           </a:p>
           <a:p>
             <a:pPr lvl="3"/>
             <a:r>
-              <a:rPr lang="en-GB" smtClean="0"/>
+              <a:rPr lang="en-GB"/>
               <a:t>Fourth level</a:t>
             </a:r>
           </a:p>
           <a:p>
             <a:pPr lvl="4"/>
             <a:r>
-              <a:rPr lang="en-GB" smtClean="0"/>
+              <a:rPr lang="en-GB"/>
               <a:t>Fifth level</a:t>
             </a:r>
             <a:endParaRPr lang="en-US"/>
@@ -1669,35 +1669,35 @@
           <a:p>
             <a:pPr lvl="0"/>
             <a:r>
-              <a:rPr lang="en-GB" smtClean="0"/>
+              <a:rPr lang="en-GB"/>
               <a:t>Click to edit Master text styles</a:t>
             </a:r>
           </a:p>
           <a:p>
             <a:pPr lvl="1"/>
             <a:r>
-              <a:rPr lang="en-GB" smtClean="0"/>
+              <a:rPr lang="en-GB"/>
               <a:t>Second level</a:t>
             </a:r>
           </a:p>
           <a:p>
             <a:pPr lvl="2"/>
             <a:r>
-              <a:rPr lang="en-GB" smtClean="0"/>
+              <a:rPr lang="en-GB"/>
               <a:t>Third level</a:t>
             </a:r>
           </a:p>
           <a:p>
             <a:pPr lvl="3"/>
             <a:r>
-              <a:rPr lang="en-GB" smtClean="0"/>
+              <a:rPr lang="en-GB"/>
               <a:t>Fourth level</a:t>
             </a:r>
           </a:p>
           <a:p>
             <a:pPr lvl="4"/>
             <a:r>
-              <a:rPr lang="en-GB" smtClean="0"/>
+              <a:rPr lang="en-GB"/>
               <a:t>Fifth level</a:t>
             </a:r>
             <a:endParaRPr lang="en-US"/>
@@ -1721,7 +1721,7 @@
           <a:p>
             <a:fld id="{6B06F7F7-D708-4C45-A30D-CC2D049B444D}" type="datetimeFigureOut">
               <a:rPr lang="en-US" smtClean="0"/>
-              <a:t>5/17/16</a:t>
+              <a:t>6/2/19</a:t>
             </a:fld>
             <a:endParaRPr lang="en-US"/>
           </a:p>
@@ -1819,7 +1819,7 @@
           </a:lstStyle>
           <a:p>
             <a:r>
-              <a:rPr lang="en-GB" smtClean="0"/>
+              <a:rPr lang="en-GB"/>
               <a:t>Click to edit Master title style</a:t>
             </a:r>
             <a:endParaRPr lang="en-US"/>
@@ -1885,7 +1885,7 @@
           <a:p>
             <a:pPr lvl="0"/>
             <a:r>
-              <a:rPr lang="en-GB" smtClean="0"/>
+              <a:rPr lang="en-GB"/>
               <a:t>Click to edit Master text styles</a:t>
             </a:r>
           </a:p>
@@ -1941,35 +1941,35 @@
           <a:p>
             <a:pPr lvl="0"/>
             <a:r>
-              <a:rPr lang="en-GB" smtClean="0"/>
+              <a:rPr lang="en-GB"/>
               <a:t>Click to edit Master text styles</a:t>
             </a:r>
           </a:p>
           <a:p>
             <a:pPr lvl="1"/>
             <a:r>
-              <a:rPr lang="en-GB" smtClean="0"/>
+              <a:rPr lang="en-GB"/>
               <a:t>Second level</a:t>
             </a:r>
           </a:p>
           <a:p>
             <a:pPr lvl="2"/>
             <a:r>
-              <a:rPr lang="en-GB" smtClean="0"/>
+              <a:rPr lang="en-GB"/>
               <a:t>Third level</a:t>
             </a:r>
           </a:p>
           <a:p>
             <a:pPr lvl="3"/>
             <a:r>
-              <a:rPr lang="en-GB" smtClean="0"/>
+              <a:rPr lang="en-GB"/>
               <a:t>Fourth level</a:t>
             </a:r>
           </a:p>
           <a:p>
             <a:pPr lvl="4"/>
             <a:r>
-              <a:rPr lang="en-GB" smtClean="0"/>
+              <a:rPr lang="en-GB"/>
               <a:t>Fifth level</a:t>
             </a:r>
             <a:endParaRPr lang="en-US"/>
@@ -2035,7 +2035,7 @@
           <a:p>
             <a:pPr lvl="0"/>
             <a:r>
-              <a:rPr lang="en-GB" smtClean="0"/>
+              <a:rPr lang="en-GB"/>
               <a:t>Click to edit Master text styles</a:t>
             </a:r>
           </a:p>
@@ -2091,35 +2091,35 @@
           <a:p>
             <a:pPr lvl="0"/>
             <a:r>
-              <a:rPr lang="en-GB" smtClean="0"/>
+              <a:rPr lang="en-GB"/>
               <a:t>Click to edit Master text styles</a:t>
             </a:r>
           </a:p>
           <a:p>
             <a:pPr lvl="1"/>
             <a:r>
-              <a:rPr lang="en-GB" smtClean="0"/>
+              <a:rPr lang="en-GB"/>
               <a:t>Second level</a:t>
             </a:r>
           </a:p>
           <a:p>
             <a:pPr lvl="2"/>
             <a:r>
-              <a:rPr lang="en-GB" smtClean="0"/>
+              <a:rPr lang="en-GB"/>
               <a:t>Third level</a:t>
             </a:r>
           </a:p>
           <a:p>
             <a:pPr lvl="3"/>
             <a:r>
-              <a:rPr lang="en-GB" smtClean="0"/>
+              <a:rPr lang="en-GB"/>
               <a:t>Fourth level</a:t>
             </a:r>
           </a:p>
           <a:p>
             <a:pPr lvl="4"/>
             <a:r>
-              <a:rPr lang="en-GB" smtClean="0"/>
+              <a:rPr lang="en-GB"/>
               <a:t>Fifth level</a:t>
             </a:r>
             <a:endParaRPr lang="en-US"/>
@@ -2143,7 +2143,7 @@
           <a:p>
             <a:fld id="{6B06F7F7-D708-4C45-A30D-CC2D049B444D}" type="datetimeFigureOut">
               <a:rPr lang="en-US" smtClean="0"/>
-              <a:t>5/17/16</a:t>
+              <a:t>6/2/19</a:t>
             </a:fld>
             <a:endParaRPr lang="en-US"/>
           </a:p>
@@ -2237,7 +2237,7 @@
           <a:lstStyle/>
           <a:p>
             <a:r>
-              <a:rPr lang="en-GB" smtClean="0"/>
+              <a:rPr lang="en-GB"/>
               <a:t>Click to edit Master title style</a:t>
             </a:r>
             <a:endParaRPr lang="en-US"/>
@@ -2261,7 +2261,7 @@
           <a:p>
             <a:fld id="{6B06F7F7-D708-4C45-A30D-CC2D049B444D}" type="datetimeFigureOut">
               <a:rPr lang="en-US" smtClean="0"/>
-              <a:t>5/17/16</a:t>
+              <a:t>6/2/19</a:t>
             </a:fld>
             <a:endParaRPr lang="en-US"/>
           </a:p>
@@ -2356,7 +2356,7 @@
           <a:p>
             <a:fld id="{6B06F7F7-D708-4C45-A30D-CC2D049B444D}" type="datetimeFigureOut">
               <a:rPr lang="en-US" smtClean="0"/>
-              <a:t>5/17/16</a:t>
+              <a:t>6/2/19</a:t>
             </a:fld>
             <a:endParaRPr lang="en-US"/>
           </a:p>
@@ -2459,7 +2459,7 @@
           </a:lstStyle>
           <a:p>
             <a:r>
-              <a:rPr lang="en-GB" smtClean="0"/>
+              <a:rPr lang="en-GB"/>
               <a:t>Click to edit Master title style</a:t>
             </a:r>
             <a:endParaRPr lang="en-US"/>
@@ -2516,35 +2516,35 @@
           <a:p>
             <a:pPr lvl="0"/>
             <a:r>
-              <a:rPr lang="en-GB" smtClean="0"/>
+              <a:rPr lang="en-GB"/>
               <a:t>Click to edit Master text styles</a:t>
             </a:r>
           </a:p>
           <a:p>
             <a:pPr lvl="1"/>
             <a:r>
-              <a:rPr lang="en-GB" smtClean="0"/>
+              <a:rPr lang="en-GB"/>
               <a:t>Second level</a:t>
             </a:r>
           </a:p>
           <a:p>
             <a:pPr lvl="2"/>
             <a:r>
-              <a:rPr lang="en-GB" smtClean="0"/>
+              <a:rPr lang="en-GB"/>
               <a:t>Third level</a:t>
             </a:r>
           </a:p>
           <a:p>
             <a:pPr lvl="3"/>
             <a:r>
-              <a:rPr lang="en-GB" smtClean="0"/>
+              <a:rPr lang="en-GB"/>
               <a:t>Fourth level</a:t>
             </a:r>
           </a:p>
           <a:p>
             <a:pPr lvl="4"/>
             <a:r>
-              <a:rPr lang="en-GB" smtClean="0"/>
+              <a:rPr lang="en-GB"/>
               <a:t>Fifth level</a:t>
             </a:r>
             <a:endParaRPr lang="en-US"/>
@@ -2610,7 +2610,7 @@
           <a:p>
             <a:pPr lvl="0"/>
             <a:r>
-              <a:rPr lang="en-GB" smtClean="0"/>
+              <a:rPr lang="en-GB"/>
               <a:t>Click to edit Master text styles</a:t>
             </a:r>
           </a:p>
@@ -2633,7 +2633,7 @@
           <a:p>
             <a:fld id="{6B06F7F7-D708-4C45-A30D-CC2D049B444D}" type="datetimeFigureOut">
               <a:rPr lang="en-US" smtClean="0"/>
-              <a:t>5/17/16</a:t>
+              <a:t>6/2/19</a:t>
             </a:fld>
             <a:endParaRPr lang="en-US"/>
           </a:p>
@@ -2736,7 +2736,7 @@
           </a:lstStyle>
           <a:p>
             <a:r>
-              <a:rPr lang="en-GB" smtClean="0"/>
+              <a:rPr lang="en-GB"/>
               <a:t>Click to edit Master title style</a:t>
             </a:r>
             <a:endParaRPr lang="en-US"/>
@@ -2863,7 +2863,7 @@
           <a:p>
             <a:pPr lvl="0"/>
             <a:r>
-              <a:rPr lang="en-GB" smtClean="0"/>
+              <a:rPr lang="en-GB"/>
               <a:t>Click to edit Master text styles</a:t>
             </a:r>
           </a:p>
@@ -2886,7 +2886,7 @@
           <a:p>
             <a:fld id="{6B06F7F7-D708-4C45-A30D-CC2D049B444D}" type="datetimeFigureOut">
               <a:rPr lang="en-US" smtClean="0"/>
-              <a:t>5/17/16</a:t>
+              <a:t>6/2/19</a:t>
             </a:fld>
             <a:endParaRPr lang="en-US"/>
           </a:p>
@@ -2995,7 +2995,7 @@
           <a:lstStyle/>
           <a:p>
             <a:r>
-              <a:rPr lang="en-GB" smtClean="0"/>
+              <a:rPr lang="en-GB"/>
               <a:t>Click to edit Master title style</a:t>
             </a:r>
             <a:endParaRPr lang="en-US"/>
@@ -3029,35 +3029,35 @@
           <a:p>
             <a:pPr lvl="0"/>
             <a:r>
-              <a:rPr lang="en-GB" smtClean="0"/>
+              <a:rPr lang="en-GB"/>
               <a:t>Click to edit Master text styles</a:t>
             </a:r>
           </a:p>
           <a:p>
             <a:pPr lvl="1"/>
             <a:r>
-              <a:rPr lang="en-GB" smtClean="0"/>
+              <a:rPr lang="en-GB"/>
               <a:t>Second level</a:t>
             </a:r>
           </a:p>
           <a:p>
             <a:pPr lvl="2"/>
             <a:r>
-              <a:rPr lang="en-GB" smtClean="0"/>
+              <a:rPr lang="en-GB"/>
               <a:t>Third level</a:t>
             </a:r>
           </a:p>
           <a:p>
             <a:pPr lvl="3"/>
             <a:r>
-              <a:rPr lang="en-GB" smtClean="0"/>
+              <a:rPr lang="en-GB"/>
               <a:t>Fourth level</a:t>
             </a:r>
           </a:p>
           <a:p>
             <a:pPr lvl="4"/>
             <a:r>
-              <a:rPr lang="en-GB" smtClean="0"/>
+              <a:rPr lang="en-GB"/>
               <a:t>Fifth level</a:t>
             </a:r>
             <a:endParaRPr lang="en-US"/>
@@ -3099,7 +3099,7 @@
           <a:p>
             <a:fld id="{6B06F7F7-D708-4C45-A30D-CC2D049B444D}" type="datetimeFigureOut">
               <a:rPr lang="en-US" smtClean="0"/>
-              <a:t>5/17/16</a:t>
+              <a:t>6/2/19</a:t>
             </a:fld>
             <a:endParaRPr lang="en-US"/>
           </a:p>
@@ -3492,17 +3492,16 @@
           <a:lstStyle/>
           <a:p>
             <a:r>
-              <a:rPr lang="en-US" dirty="0" smtClean="0"/>
+              <a:rPr lang="en-US" dirty="0"/>
               <a:t>A Simple Evolutionary Algorithm</a:t>
             </a:r>
             <a:br>
-              <a:rPr lang="en-US" dirty="0" smtClean="0"/>
+              <a:rPr lang="en-US" dirty="0"/>
             </a:br>
             <a:r>
-              <a:rPr lang="en-US" dirty="0" smtClean="0"/>
+              <a:rPr lang="en-US" dirty="0"/>
               <a:t>The Random Mutation Hill-Climber</a:t>
             </a:r>
-            <a:endParaRPr lang="en-US" dirty="0"/>
           </a:p>
         </p:txBody>
       </p:sp>
@@ -3522,10 +3521,9 @@
           <a:lstStyle/>
           <a:p>
             <a:r>
-              <a:rPr lang="en-US" dirty="0" smtClean="0"/>
+              <a:rPr lang="en-US" dirty="0"/>
               <a:t>Simon Lucas</a:t>
             </a:r>
-            <a:endParaRPr lang="en-US" dirty="0"/>
           </a:p>
         </p:txBody>
       </p:sp>
@@ -3539,13 +3537,6 @@
   <p:clrMapOvr>
     <a:masterClrMapping/>
   </p:clrMapOvr>
-  <p:timing>
-    <p:tnLst>
-      <p:par>
-        <p:cTn id="1" dur="indefinite" restart="never" nodeType="tmRoot"/>
-      </p:par>
-    </p:tnLst>
-  </p:timing>
 </p:sld>
 </file>
 
@@ -3582,10 +3573,9 @@
           <a:lstStyle/>
           <a:p>
             <a:r>
-              <a:rPr lang="en-GB" dirty="0" smtClean="0"/>
+              <a:rPr lang="en-GB" dirty="0"/>
               <a:t>Expected Hitting Time Exercise Hint</a:t>
             </a:r>
-            <a:endParaRPr lang="en-GB" dirty="0"/>
           </a:p>
         </p:txBody>
       </p:sp>
@@ -3605,43 +3595,42 @@
           <a:lstStyle/>
           <a:p>
             <a:r>
-              <a:rPr lang="en-GB" dirty="0" smtClean="0"/>
+              <a:rPr lang="en-GB" dirty="0"/>
               <a:t>Key hint:</a:t>
             </a:r>
           </a:p>
           <a:p>
             <a:r>
-              <a:rPr lang="en-GB" dirty="0" smtClean="0"/>
+              <a:rPr lang="en-GB" dirty="0"/>
               <a:t>If an event has a probability of </a:t>
             </a:r>
             <a:r>
-              <a:rPr lang="en-GB" b="1" dirty="0" smtClean="0"/>
+              <a:rPr lang="en-GB" b="1" dirty="0"/>
               <a:t>(1/N)</a:t>
             </a:r>
           </a:p>
           <a:p>
             <a:r>
-              <a:rPr lang="en-GB" dirty="0" smtClean="0"/>
+              <a:rPr lang="en-GB" dirty="0"/>
               <a:t>Then the expected number of samples before the event occurs is </a:t>
             </a:r>
             <a:r>
-              <a:rPr lang="en-GB" b="1" dirty="0" smtClean="0"/>
+              <a:rPr lang="en-GB" b="1" dirty="0"/>
               <a:t>N</a:t>
             </a:r>
-            <a:endParaRPr lang="en-GB" dirty="0" smtClean="0"/>
-          </a:p>
-          <a:p>
-            <a:r>
-              <a:rPr lang="en-GB" dirty="0" smtClean="0"/>
+            <a:endParaRPr lang="en-GB" dirty="0"/>
+          </a:p>
+          <a:p>
+            <a:r>
+              <a:rPr lang="en-GB" dirty="0"/>
               <a:t>Start by considering how long it takes to flip the final incorrect bit</a:t>
             </a:r>
           </a:p>
           <a:p>
             <a:r>
-              <a:rPr lang="en-GB" dirty="0" smtClean="0"/>
+              <a:rPr lang="en-GB" dirty="0"/>
               <a:t>Then develop an expression for the total time</a:t>
             </a:r>
-            <a:endParaRPr lang="en-GB" dirty="0"/>
           </a:p>
         </p:txBody>
       </p:sp>
@@ -3655,13 +3644,6 @@
   <p:clrMapOvr>
     <a:masterClrMapping/>
   </p:clrMapOvr>
-  <p:timing>
-    <p:tnLst>
-      <p:par>
-        <p:cTn id="1" dur="indefinite" restart="never" nodeType="tmRoot"/>
-      </p:par>
-    </p:tnLst>
-  </p:timing>
 </p:sld>
 </file>
 
@@ -3698,10 +3680,9 @@
           <a:lstStyle/>
           <a:p>
             <a:r>
-              <a:rPr lang="en-GB" dirty="0" smtClean="0"/>
+              <a:rPr lang="en-GB" dirty="0"/>
               <a:t>Evolutionary Game Design Exercise</a:t>
             </a:r>
-            <a:endParaRPr lang="en-GB" dirty="0"/>
           </a:p>
         </p:txBody>
       </p:sp>
@@ -3721,61 +3702,61 @@
           <a:lstStyle/>
           <a:p>
             <a:r>
-              <a:rPr lang="en-GB" dirty="0" smtClean="0"/>
+              <a:rPr lang="en-GB" dirty="0"/>
               <a:t>In a later lab session:</a:t>
             </a:r>
           </a:p>
           <a:p>
             <a:pPr lvl="1"/>
             <a:r>
-              <a:rPr lang="en-GB" dirty="0" smtClean="0"/>
+              <a:rPr lang="en-GB" dirty="0"/>
               <a:t>adapt the Random Mutation Hill Climber code to optimise some aspect of a game</a:t>
             </a:r>
           </a:p>
           <a:p>
             <a:r>
-              <a:rPr lang="en-GB" dirty="0" smtClean="0"/>
+              <a:rPr lang="en-GB" dirty="0"/>
               <a:t>Approach:</a:t>
             </a:r>
           </a:p>
           <a:p>
             <a:pPr lvl="1"/>
             <a:r>
-              <a:rPr lang="en-GB" dirty="0" smtClean="0"/>
+              <a:rPr lang="en-GB" dirty="0"/>
               <a:t>Implement a </a:t>
             </a:r>
             <a:r>
-              <a:rPr lang="en-GB" dirty="0" err="1" smtClean="0"/>
+              <a:rPr lang="en-GB" dirty="0" err="1"/>
               <a:t>GameParameter</a:t>
             </a:r>
             <a:r>
-              <a:rPr lang="en-GB" dirty="0" smtClean="0"/>
+              <a:rPr lang="en-GB" dirty="0"/>
               <a:t> class</a:t>
             </a:r>
           </a:p>
           <a:p>
             <a:pPr lvl="1"/>
             <a:r>
-              <a:rPr lang="en-GB" dirty="0" smtClean="0"/>
+              <a:rPr lang="en-GB" dirty="0"/>
               <a:t>Have this implement an </a:t>
             </a:r>
             <a:r>
-              <a:rPr lang="en-GB" b="1" dirty="0" smtClean="0"/>
+              <a:rPr lang="en-GB" b="1" dirty="0"/>
               <a:t>Evolvable</a:t>
             </a:r>
             <a:r>
-              <a:rPr lang="en-GB" dirty="0" smtClean="0"/>
+              <a:rPr lang="en-GB" dirty="0"/>
               <a:t> interface</a:t>
             </a:r>
           </a:p>
           <a:p>
             <a:pPr lvl="1"/>
             <a:r>
-              <a:rPr lang="en-GB" dirty="0" smtClean="0"/>
+              <a:rPr lang="en-GB" dirty="0"/>
               <a:t>Then adapt the RHMC </a:t>
             </a:r>
             <a:r>
-              <a:rPr lang="en-GB" smtClean="0"/>
+              <a:rPr lang="en-GB"/>
               <a:t>to evolve</a:t>
             </a:r>
             <a:endParaRPr lang="en-GB" dirty="0"/>
@@ -3792,13 +3773,6 @@
   <p:clrMapOvr>
     <a:masterClrMapping/>
   </p:clrMapOvr>
-  <p:timing>
-    <p:tnLst>
-      <p:par>
-        <p:cTn id="1" dur="indefinite" restart="never" nodeType="tmRoot"/>
-      </p:par>
-    </p:tnLst>
-  </p:timing>
 </p:sld>
 </file>
 
@@ -3837,17 +3811,16 @@
           <a:lstStyle/>
           <a:p>
             <a:r>
-              <a:rPr lang="en-GB" dirty="0" smtClean="0"/>
+              <a:rPr lang="en-GB" dirty="0"/>
               <a:t>My Favourite Evolutionary Algorithm</a:t>
             </a:r>
             <a:br>
-              <a:rPr lang="en-GB" dirty="0" smtClean="0"/>
+              <a:rPr lang="en-GB" dirty="0"/>
             </a:br>
             <a:r>
-              <a:rPr lang="en-GB" dirty="0" smtClean="0"/>
+              <a:rPr lang="en-GB" dirty="0"/>
               <a:t>Random Mutation Hill-Climber (RHMC)</a:t>
             </a:r>
-            <a:endParaRPr lang="en-GB" dirty="0"/>
           </a:p>
         </p:txBody>
       </p:sp>
@@ -3867,38 +3840,38 @@
           <a:lstStyle/>
           <a:p>
             <a:r>
-              <a:rPr lang="en-GB" dirty="0" smtClean="0"/>
+              <a:rPr lang="en-GB" dirty="0"/>
               <a:t>Ultra-simple</a:t>
             </a:r>
           </a:p>
           <a:p>
             <a:r>
-              <a:rPr lang="en-GB" dirty="0" smtClean="0"/>
+              <a:rPr lang="en-GB" dirty="0"/>
               <a:t>Performance very good across a range of problems</a:t>
             </a:r>
           </a:p>
           <a:p>
             <a:r>
-              <a:rPr lang="en-GB" dirty="0" smtClean="0"/>
+              <a:rPr lang="en-GB" dirty="0"/>
               <a:t>Prone to get stuck in local optima</a:t>
             </a:r>
           </a:p>
           <a:p>
             <a:r>
-              <a:rPr lang="en-GB" sz="4000" b="1" dirty="0" smtClean="0"/>
+              <a:rPr lang="en-GB" sz="4000" b="1" dirty="0"/>
               <a:t>So run with random restarts!!!</a:t>
             </a:r>
           </a:p>
           <a:p>
             <a:r>
-              <a:rPr lang="en-GB" dirty="0" smtClean="0"/>
+              <a:rPr lang="en-GB" dirty="0"/>
               <a:t>AKA: (1+1) ES</a:t>
             </a:r>
           </a:p>
           <a:p>
             <a:pPr lvl="1"/>
             <a:r>
-              <a:rPr lang="en-GB" dirty="0" smtClean="0"/>
+              <a:rPr lang="en-GB" dirty="0"/>
               <a:t>Especially when optimising a vector of real numbers</a:t>
             </a:r>
           </a:p>
@@ -3917,13 +3890,6 @@
   <p:clrMapOvr>
     <a:masterClrMapping/>
   </p:clrMapOvr>
-  <p:timing>
-    <p:tnLst>
-      <p:par>
-        <p:cTn id="1" dur="indefinite" restart="never" nodeType="tmRoot"/>
-      </p:par>
-    </p:tnLst>
-  </p:timing>
 </p:sld>
 </file>
 
@@ -3962,25 +3928,20 @@
           <a:lstStyle/>
           <a:p>
             <a:r>
-              <a:rPr lang="en-GB" dirty="0" smtClean="0"/>
+              <a:rPr lang="en-GB" dirty="0"/>
               <a:t>Visualisation: Demo Code for </a:t>
             </a:r>
             <a:r>
-              <a:rPr lang="en-GB" dirty="0" err="1" smtClean="0"/>
+              <a:rPr lang="en-GB" dirty="0" err="1"/>
               <a:t>OneMax</a:t>
             </a:r>
-            <a:r>
-              <a:rPr lang="en-GB" dirty="0" smtClean="0"/>
-              <a:t/>
-            </a:r>
             <a:br>
-              <a:rPr lang="en-GB" dirty="0" smtClean="0"/>
+              <a:rPr lang="en-GB" dirty="0"/>
             </a:br>
             <a:r>
-              <a:rPr lang="en-GB" dirty="0" smtClean="0"/>
+              <a:rPr lang="en-GB" dirty="0"/>
               <a:t>Problem solved when all grid is yellow</a:t>
             </a:r>
-            <a:endParaRPr lang="en-GB" dirty="0"/>
           </a:p>
         </p:txBody>
       </p:sp>
@@ -4037,13 +3998,6 @@
   <p:clrMapOvr>
     <a:masterClrMapping/>
   </p:clrMapOvr>
-  <p:timing>
-    <p:tnLst>
-      <p:par>
-        <p:cTn id="1" dur="indefinite" restart="never" nodeType="tmRoot"/>
-      </p:par>
-    </p:tnLst>
-  </p:timing>
 </p:sld>
 </file>
 
@@ -4080,10 +4034,9 @@
           <a:lstStyle/>
           <a:p>
             <a:r>
-              <a:rPr lang="en-GB" dirty="0" smtClean="0"/>
+              <a:rPr lang="en-GB" dirty="0"/>
               <a:t>The Algorithm</a:t>
             </a:r>
-            <a:endParaRPr lang="en-GB" dirty="0"/>
           </a:p>
         </p:txBody>
       </p:sp>
@@ -4105,114 +4058,114 @@
           <a:lstStyle/>
           <a:p>
             <a:r>
-              <a:rPr lang="en-GB" dirty="0" smtClean="0"/>
+              <a:rPr lang="en-GB" dirty="0"/>
               <a:t>Make a random solution – call it </a:t>
             </a:r>
             <a:r>
-              <a:rPr lang="en-GB" dirty="0" err="1" smtClean="0"/>
+              <a:rPr lang="en-GB" dirty="0" err="1"/>
               <a:t>bestYet</a:t>
             </a:r>
-            <a:endParaRPr lang="en-GB" dirty="0" smtClean="0"/>
-          </a:p>
-          <a:p>
-            <a:r>
-              <a:rPr lang="en-GB" dirty="0" smtClean="0"/>
+            <a:endParaRPr lang="en-GB" dirty="0"/>
+          </a:p>
+          <a:p>
+            <a:r>
+              <a:rPr lang="en-GB" dirty="0"/>
               <a:t>Repeat until termination</a:t>
             </a:r>
           </a:p>
           <a:p>
             <a:pPr lvl="1"/>
             <a:r>
-              <a:rPr lang="en-GB" dirty="0" err="1" smtClean="0"/>
+              <a:rPr lang="en-GB" dirty="0" err="1"/>
               <a:t>mutatedCopy</a:t>
             </a:r>
             <a:r>
-              <a:rPr lang="en-GB" dirty="0" smtClean="0"/>
+              <a:rPr lang="en-GB" dirty="0"/>
               <a:t> := </a:t>
             </a:r>
             <a:r>
-              <a:rPr lang="en-GB" dirty="0" err="1" smtClean="0"/>
+              <a:rPr lang="en-GB" dirty="0" err="1"/>
               <a:t>copyAndMutate</a:t>
             </a:r>
             <a:r>
-              <a:rPr lang="en-GB" dirty="0" smtClean="0"/>
+              <a:rPr lang="en-GB" dirty="0"/>
               <a:t>(</a:t>
             </a:r>
             <a:r>
-              <a:rPr lang="en-GB" dirty="0" err="1" smtClean="0"/>
+              <a:rPr lang="en-GB" dirty="0" err="1"/>
               <a:t>bestYet</a:t>
             </a:r>
             <a:r>
-              <a:rPr lang="en-GB" dirty="0" smtClean="0"/>
+              <a:rPr lang="en-GB" dirty="0"/>
               <a:t>)</a:t>
             </a:r>
           </a:p>
           <a:p>
             <a:pPr lvl="1"/>
             <a:r>
-              <a:rPr lang="en-GB" dirty="0" smtClean="0"/>
+              <a:rPr lang="en-GB" dirty="0"/>
               <a:t>If (</a:t>
             </a:r>
             <a:r>
-              <a:rPr lang="en-GB" dirty="0" err="1" smtClean="0"/>
+              <a:rPr lang="en-GB" dirty="0" err="1"/>
               <a:t>mutatedCopy</a:t>
             </a:r>
             <a:r>
-              <a:rPr lang="en-GB" dirty="0" smtClean="0"/>
+              <a:rPr lang="en-GB" dirty="0"/>
               <a:t> </a:t>
             </a:r>
             <a:r>
-              <a:rPr lang="en-GB" b="1" dirty="0" smtClean="0"/>
-              <a:t>is better than</a:t>
-            </a:r>
-            <a:r>
-              <a:rPr lang="en-GB" dirty="0" smtClean="0"/>
+              <a:rPr lang="en-GB" b="1" dirty="0"/>
+              <a:t>is better or equal to</a:t>
+            </a:r>
+            <a:r>
+              <a:rPr lang="en-GB" dirty="0"/>
               <a:t> </a:t>
             </a:r>
             <a:r>
-              <a:rPr lang="en-GB" dirty="0" err="1" smtClean="0"/>
+              <a:rPr lang="en-GB" dirty="0" err="1"/>
               <a:t>bestYet</a:t>
             </a:r>
             <a:r>
-              <a:rPr lang="en-GB" dirty="0" smtClean="0"/>
+              <a:rPr lang="en-GB" dirty="0"/>
               <a:t>)</a:t>
             </a:r>
           </a:p>
           <a:p>
             <a:pPr lvl="2"/>
             <a:r>
-              <a:rPr lang="en-GB" dirty="0" err="1" smtClean="0"/>
+              <a:rPr lang="en-GB" dirty="0" err="1"/>
               <a:t>bestYet</a:t>
             </a:r>
             <a:r>
-              <a:rPr lang="en-GB" dirty="0" smtClean="0"/>
+              <a:rPr lang="en-GB" dirty="0"/>
               <a:t> := </a:t>
             </a:r>
             <a:r>
-              <a:rPr lang="en-GB" dirty="0" err="1" smtClean="0"/>
+              <a:rPr lang="en-GB" dirty="0" err="1"/>
               <a:t>mutatedCopy</a:t>
             </a:r>
-            <a:endParaRPr lang="en-GB" dirty="0" smtClean="0"/>
+            <a:endParaRPr lang="en-GB" dirty="0"/>
           </a:p>
           <a:p>
             <a:pPr lvl="1"/>
             <a:r>
-              <a:rPr lang="en-GB" dirty="0" smtClean="0"/>
+              <a:rPr lang="en-GB" dirty="0"/>
               <a:t>Terminate if </a:t>
             </a:r>
             <a:r>
-              <a:rPr lang="en-GB" dirty="0" err="1" smtClean="0"/>
+              <a:rPr lang="en-GB" dirty="0" err="1"/>
               <a:t>bestYet</a:t>
             </a:r>
             <a:r>
-              <a:rPr lang="en-GB" dirty="0" smtClean="0"/>
+              <a:rPr lang="en-GB" dirty="0"/>
               <a:t> is good enough</a:t>
             </a:r>
           </a:p>
           <a:p>
             <a:pPr lvl="1"/>
             <a:r>
-              <a:rPr lang="en-GB" dirty="0" smtClean="0"/>
+              <a:rPr lang="en-GB" dirty="0"/>
               <a:t>OR we’ve run out of time</a:t>
             </a:r>
           </a:p>
@@ -4220,17 +4173,16 @@
             <a:pPr marL="0" indent="0">
               <a:buNone/>
             </a:pPr>
-            <a:endParaRPr lang="en-GB" dirty="0" smtClean="0"/>
+            <a:endParaRPr lang="en-GB" dirty="0"/>
           </a:p>
           <a:p>
             <a:pPr marL="0" indent="0">
               <a:buNone/>
             </a:pPr>
             <a:r>
-              <a:rPr lang="en-GB" dirty="0" smtClean="0"/>
+              <a:rPr lang="en-GB" dirty="0"/>
               <a:t>Question: where is the fitness evaluation done?</a:t>
             </a:r>
-            <a:endParaRPr lang="en-GB" dirty="0"/>
           </a:p>
         </p:txBody>
       </p:sp>
@@ -4244,13 +4196,6 @@
   <p:clrMapOvr>
     <a:masterClrMapping/>
   </p:clrMapOvr>
-  <p:timing>
-    <p:tnLst>
-      <p:par>
-        <p:cTn id="1" dur="indefinite" restart="never" nodeType="tmRoot"/>
-      </p:par>
-    </p:tnLst>
-  </p:timing>
 </p:sld>
 </file>
 
@@ -4289,17 +4234,16 @@
           <a:lstStyle/>
           <a:p>
             <a:r>
-              <a:rPr lang="en-GB" dirty="0" smtClean="0"/>
+              <a:rPr lang="en-GB" dirty="0"/>
               <a:t>RHMC Algorithm</a:t>
             </a:r>
             <a:br>
-              <a:rPr lang="en-GB" dirty="0" smtClean="0"/>
+              <a:rPr lang="en-GB" dirty="0"/>
             </a:br>
             <a:r>
-              <a:rPr lang="en-GB" dirty="0" smtClean="0"/>
+              <a:rPr lang="en-GB" dirty="0"/>
               <a:t>(for vector of real, co-evolution)</a:t>
             </a:r>
-            <a:endParaRPr lang="en-GB" dirty="0"/>
           </a:p>
         </p:txBody>
       </p:sp>
@@ -4369,7 +4313,7 @@
               <a:buNone/>
             </a:pPr>
             <a:r>
-              <a:rPr kumimoji="0" lang="en-US" altLang="en-US" sz="1400" b="1" i="0" u="none" strike="noStrike" cap="none" normalizeH="0" baseline="0" dirty="0" smtClean="0">
+              <a:rPr kumimoji="0" lang="en-US" altLang="en-US" sz="1400" b="1" i="0" u="none" strike="noStrike" cap="none" normalizeH="0" baseline="0" dirty="0">
                 <a:ln>
                   <a:noFill/>
                 </a:ln>
@@ -4383,7 +4327,7 @@
               <a:t>public double</a:t>
             </a:r>
             <a:r>
-              <a:rPr kumimoji="0" lang="en-US" altLang="en-US" sz="1400" b="0" i="0" u="none" strike="noStrike" cap="none" normalizeH="0" baseline="0" dirty="0" smtClean="0">
+              <a:rPr kumimoji="0" lang="en-US" altLang="en-US" sz="1400" b="0" i="0" u="none" strike="noStrike" cap="none" normalizeH="0" baseline="0" dirty="0">
                 <a:ln>
                   <a:noFill/>
                 </a:ln>
@@ -4397,7 +4341,7 @@
               <a:t>[] run(</a:t>
             </a:r>
             <a:r>
-              <a:rPr kumimoji="0" lang="en-US" altLang="en-US" sz="1400" b="1" i="0" u="none" strike="noStrike" cap="none" normalizeH="0" baseline="0" dirty="0" err="1" smtClean="0">
+              <a:rPr kumimoji="0" lang="en-US" altLang="en-US" sz="1400" b="1" i="0" u="none" strike="noStrike" cap="none" normalizeH="0" baseline="0" dirty="0" err="1">
                 <a:ln>
                   <a:noFill/>
                 </a:ln>
@@ -4411,7 +4355,7 @@
               <a:t>int</a:t>
             </a:r>
             <a:r>
-              <a:rPr kumimoji="0" lang="en-US" altLang="en-US" sz="1400" b="1" i="0" u="none" strike="noStrike" cap="none" normalizeH="0" baseline="0" dirty="0" smtClean="0">
+              <a:rPr kumimoji="0" lang="en-US" altLang="en-US" sz="1400" b="1" i="0" u="none" strike="noStrike" cap="none" normalizeH="0" baseline="0" dirty="0">
                 <a:ln>
                   <a:noFill/>
                 </a:ln>
@@ -4425,7 +4369,7 @@
               <a:t> </a:t>
             </a:r>
             <a:r>
-              <a:rPr kumimoji="0" lang="en-US" altLang="en-US" sz="1400" b="0" i="0" u="none" strike="noStrike" cap="none" normalizeH="0" baseline="0" dirty="0" err="1" smtClean="0">
+              <a:rPr kumimoji="0" lang="en-US" altLang="en-US" sz="1400" b="0" i="0" u="none" strike="noStrike" cap="none" normalizeH="0" baseline="0" dirty="0" err="1">
                 <a:ln>
                   <a:noFill/>
                 </a:ln>
@@ -4439,7 +4383,7 @@
               <a:t>nEvals</a:t>
             </a:r>
             <a:r>
-              <a:rPr kumimoji="0" lang="en-US" altLang="en-US" sz="1400" b="0" i="0" u="none" strike="noStrike" cap="none" normalizeH="0" baseline="0" dirty="0" smtClean="0">
+              <a:rPr kumimoji="0" lang="en-US" altLang="en-US" sz="1400" b="0" i="0" u="none" strike="noStrike" cap="none" normalizeH="0" baseline="0" dirty="0">
                 <a:ln>
                   <a:noFill/>
                 </a:ln>
@@ -4453,7 +4397,7 @@
               <a:t>) {</a:t>
             </a:r>
             <a:br>
-              <a:rPr kumimoji="0" lang="en-US" altLang="en-US" sz="1400" b="0" i="0" u="none" strike="noStrike" cap="none" normalizeH="0" baseline="0" dirty="0" smtClean="0">
+              <a:rPr kumimoji="0" lang="en-US" altLang="en-US" sz="1400" b="0" i="0" u="none" strike="noStrike" cap="none" normalizeH="0" baseline="0" dirty="0">
                 <a:ln>
                   <a:noFill/>
                 </a:ln>
@@ -4466,7 +4410,7 @@
               </a:rPr>
             </a:br>
             <a:r>
-              <a:rPr kumimoji="0" lang="en-US" altLang="en-US" sz="1400" b="0" i="0" u="none" strike="noStrike" cap="none" normalizeH="0" baseline="0" dirty="0" smtClean="0">
+              <a:rPr kumimoji="0" lang="en-US" altLang="en-US" sz="1400" b="0" i="0" u="none" strike="noStrike" cap="none" normalizeH="0" baseline="0" dirty="0">
                 <a:ln>
                   <a:noFill/>
                 </a:ln>
@@ -4480,7 +4424,7 @@
               <a:t>    </a:t>
             </a:r>
             <a:r>
-              <a:rPr kumimoji="0" lang="en-US" altLang="en-US" sz="1400" b="1" i="0" u="none" strike="noStrike" cap="none" normalizeH="0" baseline="0" dirty="0" smtClean="0">
+              <a:rPr kumimoji="0" lang="en-US" altLang="en-US" sz="1400" b="1" i="0" u="none" strike="noStrike" cap="none" normalizeH="0" baseline="0" dirty="0">
                 <a:ln>
                   <a:noFill/>
                 </a:ln>
@@ -4494,7 +4438,7 @@
               <a:t>for </a:t>
             </a:r>
             <a:r>
-              <a:rPr kumimoji="0" lang="en-US" altLang="en-US" sz="1400" b="0" i="0" u="none" strike="noStrike" cap="none" normalizeH="0" baseline="0" dirty="0" smtClean="0">
+              <a:rPr kumimoji="0" lang="en-US" altLang="en-US" sz="1400" b="0" i="0" u="none" strike="noStrike" cap="none" normalizeH="0" baseline="0" dirty="0">
                 <a:ln>
                   <a:noFill/>
                 </a:ln>
@@ -4508,7 +4452,7 @@
               <a:t>(</a:t>
             </a:r>
             <a:r>
-              <a:rPr kumimoji="0" lang="en-US" altLang="en-US" sz="1400" b="1" i="0" u="none" strike="noStrike" cap="none" normalizeH="0" baseline="0" dirty="0" err="1" smtClean="0">
+              <a:rPr kumimoji="0" lang="en-US" altLang="en-US" sz="1400" b="1" i="0" u="none" strike="noStrike" cap="none" normalizeH="0" baseline="0" dirty="0" err="1">
                 <a:ln>
                   <a:noFill/>
                 </a:ln>
@@ -4522,7 +4466,7 @@
               <a:t>int</a:t>
             </a:r>
             <a:r>
-              <a:rPr kumimoji="0" lang="en-US" altLang="en-US" sz="1400" b="1" i="0" u="none" strike="noStrike" cap="none" normalizeH="0" baseline="0" dirty="0" smtClean="0">
+              <a:rPr kumimoji="0" lang="en-US" altLang="en-US" sz="1400" b="1" i="0" u="none" strike="noStrike" cap="none" normalizeH="0" baseline="0" dirty="0">
                 <a:ln>
                   <a:noFill/>
                 </a:ln>
@@ -4536,7 +4480,7 @@
               <a:t> </a:t>
             </a:r>
             <a:r>
-              <a:rPr kumimoji="0" lang="en-US" altLang="en-US" sz="1400" b="0" i="0" u="none" strike="noStrike" cap="none" normalizeH="0" baseline="0" dirty="0" smtClean="0">
+              <a:rPr kumimoji="0" lang="en-US" altLang="en-US" sz="1400" b="0" i="0" u="none" strike="noStrike" cap="none" normalizeH="0" baseline="0" dirty="0">
                 <a:ln>
                   <a:noFill/>
                 </a:ln>
@@ -4550,7 +4494,7 @@
               <a:t>i=</a:t>
             </a:r>
             <a:r>
-              <a:rPr kumimoji="0" lang="en-US" altLang="en-US" sz="1400" b="0" i="0" u="none" strike="noStrike" cap="none" normalizeH="0" baseline="0" dirty="0" smtClean="0">
+              <a:rPr kumimoji="0" lang="en-US" altLang="en-US" sz="1400" b="0" i="0" u="none" strike="noStrike" cap="none" normalizeH="0" baseline="0" dirty="0">
                 <a:ln>
                   <a:noFill/>
                 </a:ln>
@@ -4564,7 +4508,7 @@
               <a:t>0</a:t>
             </a:r>
             <a:r>
-              <a:rPr kumimoji="0" lang="en-US" altLang="en-US" sz="1400" b="0" i="0" u="none" strike="noStrike" cap="none" normalizeH="0" baseline="0" dirty="0" smtClean="0">
+              <a:rPr kumimoji="0" lang="en-US" altLang="en-US" sz="1400" b="0" i="0" u="none" strike="noStrike" cap="none" normalizeH="0" baseline="0" dirty="0">
                 <a:ln>
                   <a:noFill/>
                 </a:ln>
@@ -4578,7 +4522,7 @@
               <a:t>; i&lt;</a:t>
             </a:r>
             <a:r>
-              <a:rPr kumimoji="0" lang="en-US" altLang="en-US" sz="1400" b="0" i="0" u="none" strike="noStrike" cap="none" normalizeH="0" baseline="0" dirty="0" err="1" smtClean="0">
+              <a:rPr kumimoji="0" lang="en-US" altLang="en-US" sz="1400" b="0" i="0" u="none" strike="noStrike" cap="none" normalizeH="0" baseline="0" dirty="0" err="1">
                 <a:ln>
                   <a:noFill/>
                 </a:ln>
@@ -4592,7 +4536,7 @@
               <a:t>nEvals</a:t>
             </a:r>
             <a:r>
-              <a:rPr kumimoji="0" lang="en-US" altLang="en-US" sz="1400" b="0" i="0" u="none" strike="noStrike" cap="none" normalizeH="0" baseline="0" dirty="0" smtClean="0">
+              <a:rPr kumimoji="0" lang="en-US" altLang="en-US" sz="1400" b="0" i="0" u="none" strike="noStrike" cap="none" normalizeH="0" baseline="0" dirty="0">
                 <a:ln>
                   <a:noFill/>
                 </a:ln>
@@ -4606,7 +4550,7 @@
               <a:t>; i++) {</a:t>
             </a:r>
             <a:br>
-              <a:rPr kumimoji="0" lang="en-US" altLang="en-US" sz="1400" b="0" i="0" u="none" strike="noStrike" cap="none" normalizeH="0" baseline="0" dirty="0" smtClean="0">
+              <a:rPr kumimoji="0" lang="en-US" altLang="en-US" sz="1400" b="0" i="0" u="none" strike="noStrike" cap="none" normalizeH="0" baseline="0" dirty="0">
                 <a:ln>
                   <a:noFill/>
                 </a:ln>
@@ -4619,7 +4563,7 @@
               </a:rPr>
             </a:br>
             <a:r>
-              <a:rPr kumimoji="0" lang="en-US" altLang="en-US" sz="1400" b="0" i="0" u="none" strike="noStrike" cap="none" normalizeH="0" baseline="0" dirty="0" smtClean="0">
+              <a:rPr kumimoji="0" lang="en-US" altLang="en-US" sz="1400" b="0" i="0" u="none" strike="noStrike" cap="none" normalizeH="0" baseline="0" dirty="0">
                 <a:ln>
                   <a:noFill/>
                 </a:ln>
@@ -4633,7 +4577,7 @@
               <a:t>        </a:t>
             </a:r>
             <a:r>
-              <a:rPr kumimoji="0" lang="en-US" altLang="en-US" sz="1400" b="0" i="1" u="none" strike="noStrike" cap="none" normalizeH="0" baseline="0" dirty="0" smtClean="0">
+              <a:rPr kumimoji="0" lang="en-US" altLang="en-US" sz="1400" b="0" i="1" u="none" strike="noStrike" cap="none" normalizeH="0" baseline="0" dirty="0">
                 <a:ln>
                   <a:noFill/>
                 </a:ln>
@@ -4647,7 +4591,7 @@
               <a:t>// randomly mutate the best yet</a:t>
             </a:r>
             <a:br>
-              <a:rPr kumimoji="0" lang="en-US" altLang="en-US" sz="1400" b="0" i="1" u="none" strike="noStrike" cap="none" normalizeH="0" baseline="0" dirty="0" smtClean="0">
+              <a:rPr kumimoji="0" lang="en-US" altLang="en-US" sz="1400" b="0" i="1" u="none" strike="noStrike" cap="none" normalizeH="0" baseline="0" dirty="0">
                 <a:ln>
                   <a:noFill/>
                 </a:ln>
@@ -4660,7 +4604,7 @@
               </a:rPr>
             </a:br>
             <a:r>
-              <a:rPr kumimoji="0" lang="en-US" altLang="en-US" sz="1400" b="0" i="1" u="none" strike="noStrike" cap="none" normalizeH="0" baseline="0" dirty="0" smtClean="0">
+              <a:rPr kumimoji="0" lang="en-US" altLang="en-US" sz="1400" b="0" i="1" u="none" strike="noStrike" cap="none" normalizeH="0" baseline="0" dirty="0">
                 <a:ln>
                   <a:noFill/>
                 </a:ln>
@@ -4674,7 +4618,7 @@
               <a:t>        </a:t>
             </a:r>
             <a:r>
-              <a:rPr kumimoji="0" lang="en-US" altLang="en-US" sz="1400" b="1" i="0" u="none" strike="noStrike" cap="none" normalizeH="0" baseline="0" dirty="0" smtClean="0">
+              <a:rPr kumimoji="0" lang="en-US" altLang="en-US" sz="1400" b="1" i="0" u="none" strike="noStrike" cap="none" normalizeH="0" baseline="0" dirty="0">
                 <a:ln>
                   <a:noFill/>
                 </a:ln>
@@ -4688,7 +4632,7 @@
               <a:t>double</a:t>
             </a:r>
             <a:r>
-              <a:rPr kumimoji="0" lang="en-US" altLang="en-US" sz="1400" b="0" i="0" u="none" strike="noStrike" cap="none" normalizeH="0" baseline="0" dirty="0" smtClean="0">
+              <a:rPr kumimoji="0" lang="en-US" altLang="en-US" sz="1400" b="0" i="0" u="none" strike="noStrike" cap="none" normalizeH="0" baseline="0" dirty="0">
                 <a:ln>
                   <a:noFill/>
                 </a:ln>
@@ -4702,7 +4646,7 @@
               <a:t>[] </a:t>
             </a:r>
             <a:r>
-              <a:rPr kumimoji="0" lang="en-US" altLang="en-US" sz="1400" b="0" i="0" u="none" strike="noStrike" cap="none" normalizeH="0" baseline="0" dirty="0" err="1" smtClean="0">
+              <a:rPr kumimoji="0" lang="en-US" altLang="en-US" sz="1400" b="0" i="0" u="none" strike="noStrike" cap="none" normalizeH="0" baseline="0" dirty="0" err="1">
                 <a:ln>
                   <a:noFill/>
                 </a:ln>
@@ -4716,7 +4660,7 @@
               <a:t>mut</a:t>
             </a:r>
             <a:r>
-              <a:rPr kumimoji="0" lang="en-US" altLang="en-US" sz="1400" b="0" i="0" u="none" strike="noStrike" cap="none" normalizeH="0" baseline="0" dirty="0" smtClean="0">
+              <a:rPr kumimoji="0" lang="en-US" altLang="en-US" sz="1400" b="0" i="0" u="none" strike="noStrike" cap="none" normalizeH="0" baseline="0" dirty="0">
                 <a:ln>
                   <a:noFill/>
                 </a:ln>
@@ -4730,7 +4674,7 @@
               <a:t> = </a:t>
             </a:r>
             <a:r>
-              <a:rPr kumimoji="0" lang="en-US" altLang="en-US" sz="1400" b="0" i="1" u="none" strike="noStrike" cap="none" normalizeH="0" baseline="0" dirty="0" err="1" smtClean="0">
+              <a:rPr kumimoji="0" lang="en-US" altLang="en-US" sz="1400" b="0" i="1" u="none" strike="noStrike" cap="none" normalizeH="0" baseline="0" dirty="0" err="1">
                 <a:ln>
                   <a:noFill/>
                 </a:ln>
@@ -4744,7 +4688,7 @@
               <a:t>randMut</a:t>
             </a:r>
             <a:r>
-              <a:rPr kumimoji="0" lang="en-US" altLang="en-US" sz="1400" b="0" i="0" u="none" strike="noStrike" cap="none" normalizeH="0" baseline="0" dirty="0" smtClean="0">
+              <a:rPr kumimoji="0" lang="en-US" altLang="en-US" sz="1400" b="0" i="0" u="none" strike="noStrike" cap="none" normalizeH="0" baseline="0" dirty="0">
                 <a:ln>
                   <a:noFill/>
                 </a:ln>
@@ -4758,7 +4702,7 @@
               <a:t>(</a:t>
             </a:r>
             <a:r>
-              <a:rPr kumimoji="0" lang="en-US" altLang="en-US" sz="1400" b="1" i="0" u="none" strike="noStrike" cap="none" normalizeH="0" baseline="0" dirty="0" err="1" smtClean="0">
+              <a:rPr kumimoji="0" lang="en-US" altLang="en-US" sz="1400" b="1" i="0" u="none" strike="noStrike" cap="none" normalizeH="0" baseline="0" dirty="0" err="1">
                 <a:ln>
                   <a:noFill/>
                 </a:ln>
@@ -4772,7 +4716,7 @@
               <a:t>bestYet</a:t>
             </a:r>
             <a:r>
-              <a:rPr kumimoji="0" lang="en-US" altLang="en-US" sz="1400" b="0" i="0" u="none" strike="noStrike" cap="none" normalizeH="0" baseline="0" dirty="0" smtClean="0">
+              <a:rPr kumimoji="0" lang="en-US" altLang="en-US" sz="1400" b="0" i="0" u="none" strike="noStrike" cap="none" normalizeH="0" baseline="0" dirty="0">
                 <a:ln>
                   <a:noFill/>
                 </a:ln>
@@ -4786,7 +4730,7 @@
               <a:t>, </a:t>
             </a:r>
             <a:r>
-              <a:rPr kumimoji="0" lang="en-US" altLang="en-US" sz="1400" b="1" i="0" u="none" strike="noStrike" cap="none" normalizeH="0" baseline="0" dirty="0" err="1" smtClean="0">
+              <a:rPr kumimoji="0" lang="en-US" altLang="en-US" sz="1400" b="1" i="0" u="none" strike="noStrike" cap="none" normalizeH="0" baseline="0" dirty="0" err="1">
                 <a:ln>
                   <a:noFill/>
                 </a:ln>
@@ -4800,7 +4744,7 @@
               <a:t>stepFac</a:t>
             </a:r>
             <a:r>
-              <a:rPr kumimoji="0" lang="en-US" altLang="en-US" sz="1400" b="0" i="0" u="none" strike="noStrike" cap="none" normalizeH="0" baseline="0" dirty="0" smtClean="0">
+              <a:rPr kumimoji="0" lang="en-US" altLang="en-US" sz="1400" b="0" i="0" u="none" strike="noStrike" cap="none" normalizeH="0" baseline="0" dirty="0">
                 <a:ln>
                   <a:noFill/>
                 </a:ln>
@@ -4814,7 +4758,7 @@
               <a:t>);</a:t>
             </a:r>
             <a:br>
-              <a:rPr kumimoji="0" lang="en-US" altLang="en-US" sz="1400" b="0" i="0" u="none" strike="noStrike" cap="none" normalizeH="0" baseline="0" dirty="0" smtClean="0">
+              <a:rPr kumimoji="0" lang="en-US" altLang="en-US" sz="1400" b="0" i="0" u="none" strike="noStrike" cap="none" normalizeH="0" baseline="0" dirty="0">
                 <a:ln>
                   <a:noFill/>
                 </a:ln>
@@ -4827,7 +4771,7 @@
               </a:rPr>
             </a:br>
             <a:r>
-              <a:rPr kumimoji="0" lang="en-US" altLang="en-US" sz="1400" b="0" i="0" u="none" strike="noStrike" cap="none" normalizeH="0" baseline="0" dirty="0" smtClean="0">
+              <a:rPr kumimoji="0" lang="en-US" altLang="en-US" sz="1400" b="0" i="0" u="none" strike="noStrike" cap="none" normalizeH="0" baseline="0" dirty="0">
                 <a:ln>
                   <a:noFill/>
                 </a:ln>
@@ -4841,7 +4785,7 @@
               <a:t>        </a:t>
             </a:r>
             <a:r>
-              <a:rPr kumimoji="0" lang="en-US" altLang="en-US" sz="1400" b="1" i="0" u="none" strike="noStrike" cap="none" normalizeH="0" baseline="0" dirty="0" smtClean="0">
+              <a:rPr kumimoji="0" lang="en-US" altLang="en-US" sz="1400" b="1" i="0" u="none" strike="noStrike" cap="none" normalizeH="0" baseline="0" dirty="0">
                 <a:ln>
                   <a:noFill/>
                 </a:ln>
@@ -4855,7 +4799,7 @@
               <a:t>double </a:t>
             </a:r>
             <a:r>
-              <a:rPr kumimoji="0" lang="en-US" altLang="en-US" sz="1400" b="0" i="0" u="none" strike="noStrike" cap="none" normalizeH="0" baseline="0" dirty="0" smtClean="0">
+              <a:rPr kumimoji="0" lang="en-US" altLang="en-US" sz="1400" b="0" i="0" u="none" strike="noStrike" cap="none" normalizeH="0" baseline="0" dirty="0">
                 <a:ln>
                   <a:noFill/>
                 </a:ln>
@@ -4869,7 +4813,7 @@
               <a:t>diff = </a:t>
             </a:r>
             <a:r>
-              <a:rPr kumimoji="0" lang="en-US" altLang="en-US" sz="1400" b="1" i="0" u="none" strike="noStrike" cap="none" normalizeH="0" baseline="0" dirty="0" err="1" smtClean="0">
+              <a:rPr kumimoji="0" lang="en-US" altLang="en-US" sz="1400" b="1" i="0" u="none" strike="noStrike" cap="none" normalizeH="0" baseline="0" dirty="0" err="1">
                 <a:ln>
                   <a:noFill/>
                 </a:ln>
@@ -4883,7 +4827,7 @@
               <a:t>eval</a:t>
             </a:r>
             <a:r>
-              <a:rPr kumimoji="0" lang="en-US" altLang="en-US" sz="1400" b="0" i="0" u="none" strike="noStrike" cap="none" normalizeH="0" baseline="0" dirty="0" err="1" smtClean="0">
+              <a:rPr kumimoji="0" lang="en-US" altLang="en-US" sz="1400" b="0" i="0" u="none" strike="noStrike" cap="none" normalizeH="0" baseline="0" dirty="0" err="1">
                 <a:ln>
                   <a:noFill/>
                 </a:ln>
@@ -4897,7 +4841,7 @@
               <a:t>.pointsDiff</a:t>
             </a:r>
             <a:r>
-              <a:rPr kumimoji="0" lang="en-US" altLang="en-US" sz="1400" b="0" i="0" u="none" strike="noStrike" cap="none" normalizeH="0" baseline="0" dirty="0" smtClean="0">
+              <a:rPr kumimoji="0" lang="en-US" altLang="en-US" sz="1400" b="0" i="0" u="none" strike="noStrike" cap="none" normalizeH="0" baseline="0" dirty="0">
                 <a:ln>
                   <a:noFill/>
                 </a:ln>
@@ -4911,7 +4855,7 @@
               <a:t>(</a:t>
             </a:r>
             <a:r>
-              <a:rPr kumimoji="0" lang="en-US" altLang="en-US" sz="1400" b="1" i="0" u="none" strike="noStrike" cap="none" normalizeH="0" baseline="0" dirty="0" err="1" smtClean="0">
+              <a:rPr kumimoji="0" lang="en-US" altLang="en-US" sz="1400" b="1" i="0" u="none" strike="noStrike" cap="none" normalizeH="0" baseline="0" dirty="0" err="1">
                 <a:ln>
                   <a:noFill/>
                 </a:ln>
@@ -4925,7 +4869,7 @@
               <a:t>bestYet</a:t>
             </a:r>
             <a:r>
-              <a:rPr kumimoji="0" lang="en-US" altLang="en-US" sz="1400" b="0" i="0" u="none" strike="noStrike" cap="none" normalizeH="0" baseline="0" dirty="0" smtClean="0">
+              <a:rPr kumimoji="0" lang="en-US" altLang="en-US" sz="1400" b="0" i="0" u="none" strike="noStrike" cap="none" normalizeH="0" baseline="0" dirty="0">
                 <a:ln>
                   <a:noFill/>
                 </a:ln>
@@ -4939,7 +4883,7 @@
               <a:t>, </a:t>
             </a:r>
             <a:r>
-              <a:rPr kumimoji="0" lang="en-US" altLang="en-US" sz="1400" b="0" i="0" u="none" strike="noStrike" cap="none" normalizeH="0" baseline="0" dirty="0" err="1" smtClean="0">
+              <a:rPr kumimoji="0" lang="en-US" altLang="en-US" sz="1400" b="0" i="0" u="none" strike="noStrike" cap="none" normalizeH="0" baseline="0" dirty="0" err="1">
                 <a:ln>
                   <a:noFill/>
                 </a:ln>
@@ -4953,7 +4897,7 @@
               <a:t>mut</a:t>
             </a:r>
             <a:r>
-              <a:rPr kumimoji="0" lang="en-US" altLang="en-US" sz="1400" b="0" i="0" u="none" strike="noStrike" cap="none" normalizeH="0" baseline="0" dirty="0" smtClean="0">
+              <a:rPr kumimoji="0" lang="en-US" altLang="en-US" sz="1400" b="0" i="0" u="none" strike="noStrike" cap="none" normalizeH="0" baseline="0" dirty="0">
                 <a:ln>
                   <a:noFill/>
                 </a:ln>
@@ -4967,7 +4911,7 @@
               <a:t>);</a:t>
             </a:r>
             <a:br>
-              <a:rPr kumimoji="0" lang="en-US" altLang="en-US" sz="1400" b="0" i="0" u="none" strike="noStrike" cap="none" normalizeH="0" baseline="0" dirty="0" smtClean="0">
+              <a:rPr kumimoji="0" lang="en-US" altLang="en-US" sz="1400" b="0" i="0" u="none" strike="noStrike" cap="none" normalizeH="0" baseline="0" dirty="0">
                 <a:ln>
                   <a:noFill/>
                 </a:ln>
@@ -4987,20 +4931,272 @@
                 <a:latin typeface="Courier New" panose="02070309020205020404" pitchFamily="49" charset="0"/>
                 <a:cs typeface="Courier New" panose="02070309020205020404" pitchFamily="49" charset="0"/>
               </a:rPr>
+              <a:t>        </a:t>
+            </a:r>
+            <a:r>
+              <a:rPr kumimoji="0" lang="en-US" altLang="en-US" sz="1400" b="1" i="0" u="none" strike="noStrike" cap="none" normalizeH="0" baseline="0" dirty="0">
+                <a:ln>
+                  <a:noFill/>
+                </a:ln>
+                <a:solidFill>
+                  <a:srgbClr val="000080"/>
+                </a:solidFill>
+                <a:effectLst/>
+                <a:latin typeface="Courier New" panose="02070309020205020404" pitchFamily="49" charset="0"/>
+                <a:cs typeface="Courier New" panose="02070309020205020404" pitchFamily="49" charset="0"/>
+              </a:rPr>
+              <a:t>if </a:t>
+            </a:r>
+            <a:r>
+              <a:rPr kumimoji="0" lang="en-US" altLang="en-US" sz="1400" b="0" i="0" u="none" strike="noStrike" cap="none" normalizeH="0" baseline="0" dirty="0">
+                <a:ln>
+                  <a:noFill/>
+                </a:ln>
+                <a:solidFill>
+                  <a:srgbClr val="000000"/>
+                </a:solidFill>
+                <a:effectLst/>
+                <a:latin typeface="Courier New" panose="02070309020205020404" pitchFamily="49" charset="0"/>
+                <a:cs typeface="Courier New" panose="02070309020205020404" pitchFamily="49" charset="0"/>
+              </a:rPr>
+              <a:t>(diff &gt;= </a:t>
+            </a:r>
+            <a:r>
+              <a:rPr kumimoji="0" lang="en-US" altLang="en-US" sz="1400" b="0" i="0" u="none" strike="noStrike" cap="none" normalizeH="0" baseline="0" dirty="0">
+                <a:ln>
+                  <a:noFill/>
+                </a:ln>
+                <a:solidFill>
+                  <a:srgbClr val="0000FF"/>
+                </a:solidFill>
+                <a:effectLst/>
+                <a:latin typeface="Courier New" panose="02070309020205020404" pitchFamily="49" charset="0"/>
+                <a:cs typeface="Courier New" panose="02070309020205020404" pitchFamily="49" charset="0"/>
+              </a:rPr>
+              <a:t>0</a:t>
+            </a:r>
+            <a:r>
+              <a:rPr kumimoji="0" lang="en-US" altLang="en-US" sz="1400" b="0" i="0" u="none" strike="noStrike" cap="none" normalizeH="0" baseline="0" dirty="0">
+                <a:ln>
+                  <a:noFill/>
+                </a:ln>
+                <a:solidFill>
+                  <a:srgbClr val="000000"/>
+                </a:solidFill>
+                <a:effectLst/>
+                <a:latin typeface="Courier New" panose="02070309020205020404" pitchFamily="49" charset="0"/>
+                <a:cs typeface="Courier New" panose="02070309020205020404" pitchFamily="49" charset="0"/>
+              </a:rPr>
+              <a:t>) {</a:t>
+            </a:r>
+            <a:br>
+              <a:rPr kumimoji="0" lang="en-US" altLang="en-US" sz="1400" b="0" i="0" u="none" strike="noStrike" cap="none" normalizeH="0" baseline="0" dirty="0">
+                <a:ln>
+                  <a:noFill/>
+                </a:ln>
+                <a:solidFill>
+                  <a:srgbClr val="000000"/>
+                </a:solidFill>
+                <a:effectLst/>
+                <a:latin typeface="Courier New" panose="02070309020205020404" pitchFamily="49" charset="0"/>
+                <a:cs typeface="Courier New" panose="02070309020205020404" pitchFamily="49" charset="0"/>
+              </a:rPr>
+            </a:br>
+            <a:r>
+              <a:rPr kumimoji="0" lang="en-US" altLang="en-US" sz="1400" b="0" i="0" u="none" strike="noStrike" cap="none" normalizeH="0" baseline="0" dirty="0">
+                <a:ln>
+                  <a:noFill/>
+                </a:ln>
+                <a:solidFill>
+                  <a:srgbClr val="000000"/>
+                </a:solidFill>
+                <a:effectLst/>
+                <a:latin typeface="Courier New" panose="02070309020205020404" pitchFamily="49" charset="0"/>
+                <a:cs typeface="Courier New" panose="02070309020205020404" pitchFamily="49" charset="0"/>
+              </a:rPr>
+              <a:t>            </a:t>
+            </a:r>
+            <a:r>
+              <a:rPr kumimoji="0" lang="en-US" altLang="en-US" sz="1400" b="1" i="0" u="none" strike="noStrike" cap="none" normalizeH="0" baseline="0" dirty="0" err="1">
+                <a:ln>
+                  <a:noFill/>
+                </a:ln>
+                <a:solidFill>
+                  <a:srgbClr val="660E7A"/>
+                </a:solidFill>
+                <a:effectLst/>
+                <a:latin typeface="Courier New" panose="02070309020205020404" pitchFamily="49" charset="0"/>
+                <a:cs typeface="Courier New" panose="02070309020205020404" pitchFamily="49" charset="0"/>
+              </a:rPr>
+              <a:t>bestYet</a:t>
+            </a:r>
+            <a:r>
+              <a:rPr kumimoji="0" lang="en-US" altLang="en-US" sz="1400" b="1" i="0" u="none" strike="noStrike" cap="none" normalizeH="0" baseline="0" dirty="0">
+                <a:ln>
+                  <a:noFill/>
+                </a:ln>
+                <a:solidFill>
+                  <a:srgbClr val="660E7A"/>
+                </a:solidFill>
+                <a:effectLst/>
+                <a:latin typeface="Courier New" panose="02070309020205020404" pitchFamily="49" charset="0"/>
+                <a:cs typeface="Courier New" panose="02070309020205020404" pitchFamily="49" charset="0"/>
+              </a:rPr>
               <a:t> </a:t>
             </a:r>
             <a:r>
-              <a:rPr lang="en-US" altLang="en-US" sz="1400" dirty="0" smtClean="0">
-                <a:solidFill>
-                  <a:srgbClr val="000000"/>
-                </a:solidFill>
-                <a:latin typeface="Courier New" panose="02070309020205020404" pitchFamily="49" charset="0"/>
-                <a:cs typeface="Courier New" panose="02070309020205020404" pitchFamily="49" charset="0"/>
-              </a:rPr>
-              <a:t>       </a:t>
-            </a:r>
-            <a:r>
-              <a:rPr kumimoji="0" lang="en-US" altLang="en-US" sz="1400" b="1" i="0" u="none" strike="noStrike" cap="none" normalizeH="0" baseline="0" dirty="0" smtClean="0">
+              <a:rPr kumimoji="0" lang="en-US" altLang="en-US" sz="1400" b="0" i="0" u="none" strike="noStrike" cap="none" normalizeH="0" baseline="0" dirty="0">
+                <a:ln>
+                  <a:noFill/>
+                </a:ln>
+                <a:solidFill>
+                  <a:srgbClr val="000000"/>
+                </a:solidFill>
+                <a:effectLst/>
+                <a:latin typeface="Courier New" panose="02070309020205020404" pitchFamily="49" charset="0"/>
+                <a:cs typeface="Courier New" panose="02070309020205020404" pitchFamily="49" charset="0"/>
+              </a:rPr>
+              <a:t>= </a:t>
+            </a:r>
+            <a:r>
+              <a:rPr kumimoji="0" lang="en-US" altLang="en-US" sz="1400" b="0" i="0" u="none" strike="noStrike" cap="none" normalizeH="0" baseline="0" dirty="0" err="1">
+                <a:ln>
+                  <a:noFill/>
+                </a:ln>
+                <a:solidFill>
+                  <a:srgbClr val="000000"/>
+                </a:solidFill>
+                <a:effectLst/>
+                <a:latin typeface="Courier New" panose="02070309020205020404" pitchFamily="49" charset="0"/>
+                <a:cs typeface="Courier New" panose="02070309020205020404" pitchFamily="49" charset="0"/>
+              </a:rPr>
+              <a:t>mut</a:t>
+            </a:r>
+            <a:r>
+              <a:rPr kumimoji="0" lang="en-US" altLang="en-US" sz="1400" b="0" i="0" u="none" strike="noStrike" cap="none" normalizeH="0" baseline="0" dirty="0">
+                <a:ln>
+                  <a:noFill/>
+                </a:ln>
+                <a:solidFill>
+                  <a:srgbClr val="000000"/>
+                </a:solidFill>
+                <a:effectLst/>
+                <a:latin typeface="Courier New" panose="02070309020205020404" pitchFamily="49" charset="0"/>
+                <a:cs typeface="Courier New" panose="02070309020205020404" pitchFamily="49" charset="0"/>
+              </a:rPr>
+              <a:t>;</a:t>
+            </a:r>
+            <a:br>
+              <a:rPr kumimoji="0" lang="en-US" altLang="en-US" sz="1400" b="0" i="0" u="none" strike="noStrike" cap="none" normalizeH="0" baseline="0" dirty="0">
+                <a:ln>
+                  <a:noFill/>
+                </a:ln>
+                <a:solidFill>
+                  <a:srgbClr val="000000"/>
+                </a:solidFill>
+                <a:effectLst/>
+                <a:latin typeface="Courier New" panose="02070309020205020404" pitchFamily="49" charset="0"/>
+                <a:cs typeface="Courier New" panose="02070309020205020404" pitchFamily="49" charset="0"/>
+              </a:rPr>
+            </a:br>
+            <a:r>
+              <a:rPr kumimoji="0" lang="en-US" altLang="en-US" sz="1400" b="0" i="0" u="none" strike="noStrike" cap="none" normalizeH="0" dirty="0">
+                <a:ln>
+                  <a:noFill/>
+                </a:ln>
+                <a:solidFill>
+                  <a:srgbClr val="000000"/>
+                </a:solidFill>
+                <a:effectLst/>
+                <a:latin typeface="Courier New" panose="02070309020205020404" pitchFamily="49" charset="0"/>
+                <a:cs typeface="Courier New" panose="02070309020205020404" pitchFamily="49" charset="0"/>
+              </a:rPr>
+              <a:t>        </a:t>
+            </a:r>
+            <a:r>
+              <a:rPr kumimoji="0" lang="en-US" altLang="en-US" sz="1400" b="0" i="0" u="none" strike="noStrike" cap="none" normalizeH="0" baseline="0" dirty="0">
+                <a:ln>
+                  <a:noFill/>
+                </a:ln>
+                <a:solidFill>
+                  <a:srgbClr val="000000"/>
+                </a:solidFill>
+                <a:effectLst/>
+                <a:latin typeface="Courier New" panose="02070309020205020404" pitchFamily="49" charset="0"/>
+                <a:cs typeface="Courier New" panose="02070309020205020404" pitchFamily="49" charset="0"/>
+              </a:rPr>
+              <a:t>}</a:t>
+            </a:r>
+            <a:br>
+              <a:rPr kumimoji="0" lang="en-US" altLang="en-US" sz="1400" b="0" i="0" u="none" strike="noStrike" cap="none" normalizeH="0" baseline="0" dirty="0">
+                <a:ln>
+                  <a:noFill/>
+                </a:ln>
+                <a:solidFill>
+                  <a:srgbClr val="000000"/>
+                </a:solidFill>
+                <a:effectLst/>
+                <a:latin typeface="Courier New" panose="02070309020205020404" pitchFamily="49" charset="0"/>
+                <a:cs typeface="Courier New" panose="02070309020205020404" pitchFamily="49" charset="0"/>
+              </a:rPr>
+            </a:br>
+            <a:r>
+              <a:rPr kumimoji="0" lang="en-US" altLang="en-US" sz="1400" b="0" i="0" u="none" strike="noStrike" cap="none" normalizeH="0" dirty="0">
+                <a:ln>
+                  <a:noFill/>
+                </a:ln>
+                <a:solidFill>
+                  <a:srgbClr val="000000"/>
+                </a:solidFill>
+                <a:effectLst/>
+                <a:latin typeface="Courier New" panose="02070309020205020404" pitchFamily="49" charset="0"/>
+                <a:cs typeface="Courier New" panose="02070309020205020404" pitchFamily="49" charset="0"/>
+              </a:rPr>
+              <a:t>    </a:t>
+            </a:r>
+            <a:r>
+              <a:rPr kumimoji="0" lang="en-US" altLang="en-US" sz="1400" b="0" i="0" u="none" strike="noStrike" cap="none" normalizeH="0" baseline="0" dirty="0">
+                <a:ln>
+                  <a:noFill/>
+                </a:ln>
+                <a:solidFill>
+                  <a:srgbClr val="000000"/>
+                </a:solidFill>
+                <a:effectLst/>
+                <a:latin typeface="Courier New" panose="02070309020205020404" pitchFamily="49" charset="0"/>
+                <a:cs typeface="Courier New" panose="02070309020205020404" pitchFamily="49" charset="0"/>
+              </a:rPr>
+              <a:t>}</a:t>
+            </a:r>
+            <a:br>
+              <a:rPr kumimoji="0" lang="en-US" altLang="en-US" sz="1400" b="0" i="0" u="none" strike="noStrike" cap="none" normalizeH="0" baseline="0" dirty="0">
+                <a:ln>
+                  <a:noFill/>
+                </a:ln>
+                <a:solidFill>
+                  <a:srgbClr val="000000"/>
+                </a:solidFill>
+                <a:effectLst/>
+                <a:latin typeface="Courier New" panose="02070309020205020404" pitchFamily="49" charset="0"/>
+                <a:cs typeface="Courier New" panose="02070309020205020404" pitchFamily="49" charset="0"/>
+              </a:rPr>
+            </a:br>
+            <a:r>
+              <a:rPr kumimoji="0" lang="en-US" altLang="en-US" sz="1400" b="0" i="0" u="none" strike="noStrike" cap="none" normalizeH="0" baseline="0" dirty="0">
+                <a:ln>
+                  <a:noFill/>
+                </a:ln>
+                <a:solidFill>
+                  <a:srgbClr val="000000"/>
+                </a:solidFill>
+                <a:effectLst/>
+                <a:latin typeface="Courier New" panose="02070309020205020404" pitchFamily="49" charset="0"/>
+                <a:cs typeface="Courier New" panose="02070309020205020404" pitchFamily="49" charset="0"/>
+              </a:rPr>
+              <a:t>    </a:t>
+            </a:r>
+            <a:r>
+              <a:rPr kumimoji="0" lang="en-US" altLang="en-US" sz="1400" b="1" i="0" u="none" strike="noStrike" cap="none" normalizeH="0" baseline="0" dirty="0">
                 <a:ln>
                   <a:noFill/>
                 </a:ln>
@@ -5011,52 +5207,38 @@
                 <a:latin typeface="Courier New" panose="02070309020205020404" pitchFamily="49" charset="0"/>
                 <a:cs typeface="Courier New" panose="02070309020205020404" pitchFamily="49" charset="0"/>
               </a:rPr>
-              <a:t>if </a:t>
-            </a:r>
-            <a:r>
-              <a:rPr kumimoji="0" lang="en-US" altLang="en-US" sz="1400" b="0" i="0" u="none" strike="noStrike" cap="none" normalizeH="0" baseline="0" dirty="0" smtClean="0">
-                <a:ln>
-                  <a:noFill/>
-                </a:ln>
-                <a:solidFill>
-                  <a:srgbClr val="000000"/>
-                </a:solidFill>
-                <a:effectLst/>
-                <a:latin typeface="Courier New" panose="02070309020205020404" pitchFamily="49" charset="0"/>
-                <a:cs typeface="Courier New" panose="02070309020205020404" pitchFamily="49" charset="0"/>
-              </a:rPr>
-              <a:t>(diff &gt;= </a:t>
-            </a:r>
-            <a:r>
-              <a:rPr kumimoji="0" lang="en-US" altLang="en-US" sz="1400" b="0" i="0" u="none" strike="noStrike" cap="none" normalizeH="0" baseline="0" dirty="0" smtClean="0">
-                <a:ln>
-                  <a:noFill/>
-                </a:ln>
-                <a:solidFill>
-                  <a:srgbClr val="0000FF"/>
-                </a:solidFill>
-                <a:effectLst/>
-                <a:latin typeface="Courier New" panose="02070309020205020404" pitchFamily="49" charset="0"/>
-                <a:cs typeface="Courier New" panose="02070309020205020404" pitchFamily="49" charset="0"/>
-              </a:rPr>
-              <a:t>0</a:t>
-            </a:r>
-            <a:r>
-              <a:rPr kumimoji="0" lang="en-US" altLang="en-US" sz="1400" b="0" i="0" u="none" strike="noStrike" cap="none" normalizeH="0" baseline="0" dirty="0" smtClean="0">
-                <a:ln>
-                  <a:noFill/>
-                </a:ln>
-                <a:solidFill>
-                  <a:srgbClr val="000000"/>
-                </a:solidFill>
-                <a:effectLst/>
-                <a:latin typeface="Courier New" panose="02070309020205020404" pitchFamily="49" charset="0"/>
-                <a:cs typeface="Courier New" panose="02070309020205020404" pitchFamily="49" charset="0"/>
-              </a:rPr>
-              <a:t>) {</a:t>
+              <a:t>return </a:t>
+            </a:r>
+            <a:r>
+              <a:rPr kumimoji="0" lang="en-US" altLang="en-US" sz="1400" b="1" i="0" u="none" strike="noStrike" cap="none" normalizeH="0" baseline="0" dirty="0" err="1">
+                <a:ln>
+                  <a:noFill/>
+                </a:ln>
+                <a:solidFill>
+                  <a:srgbClr val="660E7A"/>
+                </a:solidFill>
+                <a:effectLst/>
+                <a:latin typeface="Courier New" panose="02070309020205020404" pitchFamily="49" charset="0"/>
+                <a:cs typeface="Courier New" panose="02070309020205020404" pitchFamily="49" charset="0"/>
+              </a:rPr>
+              <a:t>bestYet</a:t>
+            </a:r>
+            <a:r>
+              <a:rPr kumimoji="0" lang="en-US" altLang="en-US" sz="1400" b="0" i="0" u="none" strike="noStrike" cap="none" normalizeH="0" baseline="0" dirty="0">
+                <a:ln>
+                  <a:noFill/>
+                </a:ln>
+                <a:solidFill>
+                  <a:srgbClr val="000000"/>
+                </a:solidFill>
+                <a:effectLst/>
+                <a:latin typeface="Courier New" panose="02070309020205020404" pitchFamily="49" charset="0"/>
+                <a:cs typeface="Courier New" panose="02070309020205020404" pitchFamily="49" charset="0"/>
+              </a:rPr>
+              <a:t>;</a:t>
             </a:r>
             <a:br>
-              <a:rPr kumimoji="0" lang="en-US" altLang="en-US" sz="1400" b="0" i="0" u="none" strike="noStrike" cap="none" normalizeH="0" baseline="0" dirty="0" smtClean="0">
+              <a:rPr kumimoji="0" lang="en-US" altLang="en-US" sz="1400" b="0" i="0" u="none" strike="noStrike" cap="none" normalizeH="0" baseline="0" dirty="0">
                 <a:ln>
                   <a:noFill/>
                 </a:ln>
@@ -5069,118 +5251,7 @@
               </a:rPr>
             </a:br>
             <a:r>
-              <a:rPr kumimoji="0" lang="en-US" altLang="en-US" sz="1400" b="0" i="0" u="none" strike="noStrike" cap="none" normalizeH="0" baseline="0" dirty="0" smtClean="0">
-                <a:ln>
-                  <a:noFill/>
-                </a:ln>
-                <a:solidFill>
-                  <a:srgbClr val="000000"/>
-                </a:solidFill>
-                <a:effectLst/>
-                <a:latin typeface="Courier New" panose="02070309020205020404" pitchFamily="49" charset="0"/>
-                <a:cs typeface="Courier New" panose="02070309020205020404" pitchFamily="49" charset="0"/>
-              </a:rPr>
-              <a:t>            </a:t>
-            </a:r>
-            <a:r>
-              <a:rPr kumimoji="0" lang="en-US" altLang="en-US" sz="1400" b="1" i="0" u="none" strike="noStrike" cap="none" normalizeH="0" baseline="0" dirty="0" err="1" smtClean="0">
-                <a:ln>
-                  <a:noFill/>
-                </a:ln>
-                <a:solidFill>
-                  <a:srgbClr val="660E7A"/>
-                </a:solidFill>
-                <a:effectLst/>
-                <a:latin typeface="Courier New" panose="02070309020205020404" pitchFamily="49" charset="0"/>
-                <a:cs typeface="Courier New" panose="02070309020205020404" pitchFamily="49" charset="0"/>
-              </a:rPr>
-              <a:t>bestYet</a:t>
-            </a:r>
-            <a:r>
-              <a:rPr kumimoji="0" lang="en-US" altLang="en-US" sz="1400" b="1" i="0" u="none" strike="noStrike" cap="none" normalizeH="0" baseline="0" dirty="0" smtClean="0">
-                <a:ln>
-                  <a:noFill/>
-                </a:ln>
-                <a:solidFill>
-                  <a:srgbClr val="660E7A"/>
-                </a:solidFill>
-                <a:effectLst/>
-                <a:latin typeface="Courier New" panose="02070309020205020404" pitchFamily="49" charset="0"/>
-                <a:cs typeface="Courier New" panose="02070309020205020404" pitchFamily="49" charset="0"/>
-              </a:rPr>
-              <a:t> </a:t>
-            </a:r>
-            <a:r>
-              <a:rPr kumimoji="0" lang="en-US" altLang="en-US" sz="1400" b="0" i="0" u="none" strike="noStrike" cap="none" normalizeH="0" baseline="0" dirty="0" smtClean="0">
-                <a:ln>
-                  <a:noFill/>
-                </a:ln>
-                <a:solidFill>
-                  <a:srgbClr val="000000"/>
-                </a:solidFill>
-                <a:effectLst/>
-                <a:latin typeface="Courier New" panose="02070309020205020404" pitchFamily="49" charset="0"/>
-                <a:cs typeface="Courier New" panose="02070309020205020404" pitchFamily="49" charset="0"/>
-              </a:rPr>
-              <a:t>= </a:t>
-            </a:r>
-            <a:r>
-              <a:rPr kumimoji="0" lang="en-US" altLang="en-US" sz="1400" b="0" i="0" u="none" strike="noStrike" cap="none" normalizeH="0" baseline="0" dirty="0" err="1" smtClean="0">
-                <a:ln>
-                  <a:noFill/>
-                </a:ln>
-                <a:solidFill>
-                  <a:srgbClr val="000000"/>
-                </a:solidFill>
-                <a:effectLst/>
-                <a:latin typeface="Courier New" panose="02070309020205020404" pitchFamily="49" charset="0"/>
-                <a:cs typeface="Courier New" panose="02070309020205020404" pitchFamily="49" charset="0"/>
-              </a:rPr>
-              <a:t>mut</a:t>
-            </a:r>
-            <a:r>
-              <a:rPr kumimoji="0" lang="en-US" altLang="en-US" sz="1400" b="0" i="0" u="none" strike="noStrike" cap="none" normalizeH="0" baseline="0" dirty="0" smtClean="0">
-                <a:ln>
-                  <a:noFill/>
-                </a:ln>
-                <a:solidFill>
-                  <a:srgbClr val="000000"/>
-                </a:solidFill>
-                <a:effectLst/>
-                <a:latin typeface="Courier New" panose="02070309020205020404" pitchFamily="49" charset="0"/>
-                <a:cs typeface="Courier New" panose="02070309020205020404" pitchFamily="49" charset="0"/>
-              </a:rPr>
-              <a:t>;</a:t>
-            </a:r>
-            <a:br>
-              <a:rPr kumimoji="0" lang="en-US" altLang="en-US" sz="1400" b="0" i="0" u="none" strike="noStrike" cap="none" normalizeH="0" baseline="0" dirty="0" smtClean="0">
-                <a:ln>
-                  <a:noFill/>
-                </a:ln>
-                <a:solidFill>
-                  <a:srgbClr val="000000"/>
-                </a:solidFill>
-                <a:effectLst/>
-                <a:latin typeface="Courier New" panose="02070309020205020404" pitchFamily="49" charset="0"/>
-                <a:cs typeface="Courier New" panose="02070309020205020404" pitchFamily="49" charset="0"/>
-              </a:rPr>
-            </a:br>
-            <a:r>
-              <a:rPr kumimoji="0" lang="en-US" altLang="en-US" sz="1400" b="0" i="0" u="none" strike="noStrike" cap="none" normalizeH="0" dirty="0" smtClean="0">
-                <a:ln>
-                  <a:noFill/>
-                </a:ln>
-                <a:solidFill>
-                  <a:srgbClr val="000000"/>
-                </a:solidFill>
-                <a:effectLst/>
-                <a:latin typeface="Courier New" panose="02070309020205020404" pitchFamily="49" charset="0"/>
-                <a:cs typeface="Courier New" panose="02070309020205020404" pitchFamily="49" charset="0"/>
-              </a:rPr>
-              <a:t>        </a:t>
-            </a:r>
-            <a:r>
-              <a:rPr kumimoji="0" lang="en-US" altLang="en-US" sz="1400" b="0" i="0" u="none" strike="noStrike" cap="none" normalizeH="0" baseline="0" dirty="0" smtClean="0">
+              <a:rPr kumimoji="0" lang="en-US" altLang="en-US" sz="1400" b="0" i="0" u="none" strike="noStrike" cap="none" normalizeH="0" baseline="0" dirty="0">
                 <a:ln>
                   <a:noFill/>
                 </a:ln>
@@ -5193,144 +5264,7 @@
               </a:rPr>
               <a:t>}</a:t>
             </a:r>
-            <a:br>
-              <a:rPr kumimoji="0" lang="en-US" altLang="en-US" sz="1400" b="0" i="0" u="none" strike="noStrike" cap="none" normalizeH="0" baseline="0" dirty="0" smtClean="0">
-                <a:ln>
-                  <a:noFill/>
-                </a:ln>
-                <a:solidFill>
-                  <a:srgbClr val="000000"/>
-                </a:solidFill>
-                <a:effectLst/>
-                <a:latin typeface="Courier New" panose="02070309020205020404" pitchFamily="49" charset="0"/>
-                <a:cs typeface="Courier New" panose="02070309020205020404" pitchFamily="49" charset="0"/>
-              </a:rPr>
-            </a:br>
-            <a:r>
-              <a:rPr kumimoji="0" lang="en-US" altLang="en-US" sz="1400" b="0" i="0" u="none" strike="noStrike" cap="none" normalizeH="0" dirty="0" smtClean="0">
-                <a:ln>
-                  <a:noFill/>
-                </a:ln>
-                <a:solidFill>
-                  <a:srgbClr val="000000"/>
-                </a:solidFill>
-                <a:effectLst/>
-                <a:latin typeface="Courier New" panose="02070309020205020404" pitchFamily="49" charset="0"/>
-                <a:cs typeface="Courier New" panose="02070309020205020404" pitchFamily="49" charset="0"/>
-              </a:rPr>
-              <a:t>    </a:t>
-            </a:r>
-            <a:r>
-              <a:rPr kumimoji="0" lang="en-US" altLang="en-US" sz="1400" b="0" i="0" u="none" strike="noStrike" cap="none" normalizeH="0" baseline="0" dirty="0" smtClean="0">
-                <a:ln>
-                  <a:noFill/>
-                </a:ln>
-                <a:solidFill>
-                  <a:srgbClr val="000000"/>
-                </a:solidFill>
-                <a:effectLst/>
-                <a:latin typeface="Courier New" panose="02070309020205020404" pitchFamily="49" charset="0"/>
-                <a:cs typeface="Courier New" panose="02070309020205020404" pitchFamily="49" charset="0"/>
-              </a:rPr>
-              <a:t>}</a:t>
-            </a:r>
-            <a:br>
-              <a:rPr kumimoji="0" lang="en-US" altLang="en-US" sz="1400" b="0" i="0" u="none" strike="noStrike" cap="none" normalizeH="0" baseline="0" dirty="0" smtClean="0">
-                <a:ln>
-                  <a:noFill/>
-                </a:ln>
-                <a:solidFill>
-                  <a:srgbClr val="000000"/>
-                </a:solidFill>
-                <a:effectLst/>
-                <a:latin typeface="Courier New" panose="02070309020205020404" pitchFamily="49" charset="0"/>
-                <a:cs typeface="Courier New" panose="02070309020205020404" pitchFamily="49" charset="0"/>
-              </a:rPr>
-            </a:br>
-            <a:r>
-              <a:rPr kumimoji="0" lang="en-US" altLang="en-US" sz="1400" b="0" i="0" u="none" strike="noStrike" cap="none" normalizeH="0" baseline="0" dirty="0" smtClean="0">
-                <a:ln>
-                  <a:noFill/>
-                </a:ln>
-                <a:solidFill>
-                  <a:srgbClr val="000000"/>
-                </a:solidFill>
-                <a:effectLst/>
-                <a:latin typeface="Courier New" panose="02070309020205020404" pitchFamily="49" charset="0"/>
-                <a:cs typeface="Courier New" panose="02070309020205020404" pitchFamily="49" charset="0"/>
-              </a:rPr>
-              <a:t>    </a:t>
-            </a:r>
-            <a:r>
-              <a:rPr kumimoji="0" lang="en-US" altLang="en-US" sz="1400" b="1" i="0" u="none" strike="noStrike" cap="none" normalizeH="0" baseline="0" dirty="0" smtClean="0">
-                <a:ln>
-                  <a:noFill/>
-                </a:ln>
-                <a:solidFill>
-                  <a:srgbClr val="000080"/>
-                </a:solidFill>
-                <a:effectLst/>
-                <a:latin typeface="Courier New" panose="02070309020205020404" pitchFamily="49" charset="0"/>
-                <a:cs typeface="Courier New" panose="02070309020205020404" pitchFamily="49" charset="0"/>
-              </a:rPr>
-              <a:t>return </a:t>
-            </a:r>
-            <a:r>
-              <a:rPr kumimoji="0" lang="en-US" altLang="en-US" sz="1400" b="1" i="0" u="none" strike="noStrike" cap="none" normalizeH="0" baseline="0" dirty="0" err="1" smtClean="0">
-                <a:ln>
-                  <a:noFill/>
-                </a:ln>
-                <a:solidFill>
-                  <a:srgbClr val="660E7A"/>
-                </a:solidFill>
-                <a:effectLst/>
-                <a:latin typeface="Courier New" panose="02070309020205020404" pitchFamily="49" charset="0"/>
-                <a:cs typeface="Courier New" panose="02070309020205020404" pitchFamily="49" charset="0"/>
-              </a:rPr>
-              <a:t>bestYet</a:t>
-            </a:r>
-            <a:r>
-              <a:rPr kumimoji="0" lang="en-US" altLang="en-US" sz="1400" b="0" i="0" u="none" strike="noStrike" cap="none" normalizeH="0" baseline="0" dirty="0" smtClean="0">
-                <a:ln>
-                  <a:noFill/>
-                </a:ln>
-                <a:solidFill>
-                  <a:srgbClr val="000000"/>
-                </a:solidFill>
-                <a:effectLst/>
-                <a:latin typeface="Courier New" panose="02070309020205020404" pitchFamily="49" charset="0"/>
-                <a:cs typeface="Courier New" panose="02070309020205020404" pitchFamily="49" charset="0"/>
-              </a:rPr>
-              <a:t>;</a:t>
-            </a:r>
-            <a:br>
-              <a:rPr kumimoji="0" lang="en-US" altLang="en-US" sz="1400" b="0" i="0" u="none" strike="noStrike" cap="none" normalizeH="0" baseline="0" dirty="0" smtClean="0">
-                <a:ln>
-                  <a:noFill/>
-                </a:ln>
-                <a:solidFill>
-                  <a:srgbClr val="000000"/>
-                </a:solidFill>
-                <a:effectLst/>
-                <a:latin typeface="Courier New" panose="02070309020205020404" pitchFamily="49" charset="0"/>
-                <a:cs typeface="Courier New" panose="02070309020205020404" pitchFamily="49" charset="0"/>
-              </a:rPr>
-            </a:br>
-            <a:r>
-              <a:rPr kumimoji="0" lang="en-US" altLang="en-US" sz="1400" b="0" i="0" u="none" strike="noStrike" cap="none" normalizeH="0" baseline="0" dirty="0" smtClean="0">
-                <a:ln>
-                  <a:noFill/>
-                </a:ln>
-                <a:solidFill>
-                  <a:srgbClr val="000000"/>
-                </a:solidFill>
-                <a:effectLst/>
-                <a:latin typeface="Courier New" panose="02070309020205020404" pitchFamily="49" charset="0"/>
-                <a:cs typeface="Courier New" panose="02070309020205020404" pitchFamily="49" charset="0"/>
-              </a:rPr>
-              <a:t>}</a:t>
-            </a:r>
-            <a:endParaRPr kumimoji="0" lang="en-US" altLang="en-US" sz="3600" b="0" i="0" u="none" strike="noStrike" cap="none" normalizeH="0" baseline="0" dirty="0" smtClean="0">
+            <a:endParaRPr kumimoji="0" lang="en-US" altLang="en-US" sz="3600" b="0" i="0" u="none" strike="noStrike" cap="none" normalizeH="0" baseline="0" dirty="0">
               <a:ln>
                 <a:noFill/>
               </a:ln>
@@ -5353,13 +5287,6 @@
   <p:clrMapOvr>
     <a:masterClrMapping/>
   </p:clrMapOvr>
-  <p:timing>
-    <p:tnLst>
-      <p:par>
-        <p:cTn id="1" dur="indefinite" restart="never" nodeType="tmRoot"/>
-      </p:par>
-    </p:tnLst>
-  </p:timing>
 </p:sld>
 </file>
 
@@ -5398,17 +5325,16 @@
           <a:lstStyle/>
           <a:p>
             <a:r>
-              <a:rPr lang="en-GB" dirty="0" smtClean="0"/>
+              <a:rPr lang="en-GB" dirty="0"/>
               <a:t>RHMC Algorithm</a:t>
             </a:r>
             <a:br>
-              <a:rPr lang="en-GB" dirty="0" smtClean="0"/>
+              <a:rPr lang="en-GB" dirty="0"/>
             </a:br>
             <a:r>
-              <a:rPr lang="en-GB" dirty="0" smtClean="0"/>
+              <a:rPr lang="en-GB" dirty="0"/>
               <a:t>And with adaptive step size</a:t>
             </a:r>
-            <a:endParaRPr lang="en-GB" dirty="0"/>
           </a:p>
         </p:txBody>
       </p:sp>
@@ -5478,7 +5404,7 @@
               <a:buNone/>
             </a:pPr>
             <a:r>
-              <a:rPr kumimoji="0" lang="en-US" altLang="en-US" sz="1400" b="1" i="0" u="none" strike="noStrike" cap="none" normalizeH="0" baseline="0" dirty="0" smtClean="0">
+              <a:rPr kumimoji="0" lang="en-US" altLang="en-US" sz="1400" b="1" i="0" u="none" strike="noStrike" cap="none" normalizeH="0" baseline="0" dirty="0">
                 <a:ln>
                   <a:noFill/>
                 </a:ln>
@@ -5492,7 +5418,7 @@
               <a:t>public double</a:t>
             </a:r>
             <a:r>
-              <a:rPr kumimoji="0" lang="en-US" altLang="en-US" sz="1400" b="0" i="0" u="none" strike="noStrike" cap="none" normalizeH="0" baseline="0" dirty="0" smtClean="0">
+              <a:rPr kumimoji="0" lang="en-US" altLang="en-US" sz="1400" b="0" i="0" u="none" strike="noStrike" cap="none" normalizeH="0" baseline="0" dirty="0">
                 <a:ln>
                   <a:noFill/>
                 </a:ln>
@@ -5506,7 +5432,7 @@
               <a:t>[] run(</a:t>
             </a:r>
             <a:r>
-              <a:rPr kumimoji="0" lang="en-US" altLang="en-US" sz="1400" b="1" i="0" u="none" strike="noStrike" cap="none" normalizeH="0" baseline="0" dirty="0" err="1" smtClean="0">
+              <a:rPr kumimoji="0" lang="en-US" altLang="en-US" sz="1400" b="1" i="0" u="none" strike="noStrike" cap="none" normalizeH="0" baseline="0" dirty="0" err="1">
                 <a:ln>
                   <a:noFill/>
                 </a:ln>
@@ -5520,7 +5446,7 @@
               <a:t>int</a:t>
             </a:r>
             <a:r>
-              <a:rPr kumimoji="0" lang="en-US" altLang="en-US" sz="1400" b="1" i="0" u="none" strike="noStrike" cap="none" normalizeH="0" baseline="0" dirty="0" smtClean="0">
+              <a:rPr kumimoji="0" lang="en-US" altLang="en-US" sz="1400" b="1" i="0" u="none" strike="noStrike" cap="none" normalizeH="0" baseline="0" dirty="0">
                 <a:ln>
                   <a:noFill/>
                 </a:ln>
@@ -5534,7 +5460,7 @@
               <a:t> </a:t>
             </a:r>
             <a:r>
-              <a:rPr kumimoji="0" lang="en-US" altLang="en-US" sz="1400" b="0" i="0" u="none" strike="noStrike" cap="none" normalizeH="0" baseline="0" dirty="0" err="1" smtClean="0">
+              <a:rPr kumimoji="0" lang="en-US" altLang="en-US" sz="1400" b="0" i="0" u="none" strike="noStrike" cap="none" normalizeH="0" baseline="0" dirty="0" err="1">
                 <a:ln>
                   <a:noFill/>
                 </a:ln>
@@ -5548,7 +5474,7 @@
               <a:t>nEvals</a:t>
             </a:r>
             <a:r>
-              <a:rPr kumimoji="0" lang="en-US" altLang="en-US" sz="1400" b="0" i="0" u="none" strike="noStrike" cap="none" normalizeH="0" baseline="0" dirty="0" smtClean="0">
+              <a:rPr kumimoji="0" lang="en-US" altLang="en-US" sz="1400" b="0" i="0" u="none" strike="noStrike" cap="none" normalizeH="0" baseline="0" dirty="0">
                 <a:ln>
                   <a:noFill/>
                 </a:ln>
@@ -5562,7 +5488,7 @@
               <a:t>) {</a:t>
             </a:r>
             <a:br>
-              <a:rPr kumimoji="0" lang="en-US" altLang="en-US" sz="1400" b="0" i="0" u="none" strike="noStrike" cap="none" normalizeH="0" baseline="0" dirty="0" smtClean="0">
+              <a:rPr kumimoji="0" lang="en-US" altLang="en-US" sz="1400" b="0" i="0" u="none" strike="noStrike" cap="none" normalizeH="0" baseline="0" dirty="0">
                 <a:ln>
                   <a:noFill/>
                 </a:ln>
@@ -5575,7 +5501,7 @@
               </a:rPr>
             </a:br>
             <a:r>
-              <a:rPr kumimoji="0" lang="en-US" altLang="en-US" sz="1400" b="0" i="0" u="none" strike="noStrike" cap="none" normalizeH="0" baseline="0" dirty="0" smtClean="0">
+              <a:rPr kumimoji="0" lang="en-US" altLang="en-US" sz="1400" b="0" i="0" u="none" strike="noStrike" cap="none" normalizeH="0" baseline="0" dirty="0">
                 <a:ln>
                   <a:noFill/>
                 </a:ln>
@@ -5589,7 +5515,7 @@
               <a:t>    </a:t>
             </a:r>
             <a:r>
-              <a:rPr kumimoji="0" lang="en-US" altLang="en-US" sz="1400" b="1" i="0" u="none" strike="noStrike" cap="none" normalizeH="0" baseline="0" dirty="0" smtClean="0">
+              <a:rPr kumimoji="0" lang="en-US" altLang="en-US" sz="1400" b="1" i="0" u="none" strike="noStrike" cap="none" normalizeH="0" baseline="0" dirty="0">
                 <a:ln>
                   <a:noFill/>
                 </a:ln>
@@ -5603,7 +5529,7 @@
               <a:t>for </a:t>
             </a:r>
             <a:r>
-              <a:rPr kumimoji="0" lang="en-US" altLang="en-US" sz="1400" b="0" i="0" u="none" strike="noStrike" cap="none" normalizeH="0" baseline="0" dirty="0" smtClean="0">
+              <a:rPr kumimoji="0" lang="en-US" altLang="en-US" sz="1400" b="0" i="0" u="none" strike="noStrike" cap="none" normalizeH="0" baseline="0" dirty="0">
                 <a:ln>
                   <a:noFill/>
                 </a:ln>
@@ -5617,7 +5543,7 @@
               <a:t>(</a:t>
             </a:r>
             <a:r>
-              <a:rPr kumimoji="0" lang="en-US" altLang="en-US" sz="1400" b="1" i="0" u="none" strike="noStrike" cap="none" normalizeH="0" baseline="0" dirty="0" err="1" smtClean="0">
+              <a:rPr kumimoji="0" lang="en-US" altLang="en-US" sz="1400" b="1" i="0" u="none" strike="noStrike" cap="none" normalizeH="0" baseline="0" dirty="0" err="1">
                 <a:ln>
                   <a:noFill/>
                 </a:ln>
@@ -5631,7 +5557,7 @@
               <a:t>int</a:t>
             </a:r>
             <a:r>
-              <a:rPr kumimoji="0" lang="en-US" altLang="en-US" sz="1400" b="1" i="0" u="none" strike="noStrike" cap="none" normalizeH="0" baseline="0" dirty="0" smtClean="0">
+              <a:rPr kumimoji="0" lang="en-US" altLang="en-US" sz="1400" b="1" i="0" u="none" strike="noStrike" cap="none" normalizeH="0" baseline="0" dirty="0">
                 <a:ln>
                   <a:noFill/>
                 </a:ln>
@@ -5645,7 +5571,7 @@
               <a:t> </a:t>
             </a:r>
             <a:r>
-              <a:rPr kumimoji="0" lang="en-US" altLang="en-US" sz="1400" b="0" i="0" u="none" strike="noStrike" cap="none" normalizeH="0" baseline="0" dirty="0" smtClean="0">
+              <a:rPr kumimoji="0" lang="en-US" altLang="en-US" sz="1400" b="0" i="0" u="none" strike="noStrike" cap="none" normalizeH="0" baseline="0" dirty="0">
                 <a:ln>
                   <a:noFill/>
                 </a:ln>
@@ -5659,7 +5585,7 @@
               <a:t>i=</a:t>
             </a:r>
             <a:r>
-              <a:rPr kumimoji="0" lang="en-US" altLang="en-US" sz="1400" b="0" i="0" u="none" strike="noStrike" cap="none" normalizeH="0" baseline="0" dirty="0" smtClean="0">
+              <a:rPr kumimoji="0" lang="en-US" altLang="en-US" sz="1400" b="0" i="0" u="none" strike="noStrike" cap="none" normalizeH="0" baseline="0" dirty="0">
                 <a:ln>
                   <a:noFill/>
                 </a:ln>
@@ -5673,7 +5599,7 @@
               <a:t>0</a:t>
             </a:r>
             <a:r>
-              <a:rPr kumimoji="0" lang="en-US" altLang="en-US" sz="1400" b="0" i="0" u="none" strike="noStrike" cap="none" normalizeH="0" baseline="0" dirty="0" smtClean="0">
+              <a:rPr kumimoji="0" lang="en-US" altLang="en-US" sz="1400" b="0" i="0" u="none" strike="noStrike" cap="none" normalizeH="0" baseline="0" dirty="0">
                 <a:ln>
                   <a:noFill/>
                 </a:ln>
@@ -5687,7 +5613,7 @@
               <a:t>; i&lt;</a:t>
             </a:r>
             <a:r>
-              <a:rPr kumimoji="0" lang="en-US" altLang="en-US" sz="1400" b="0" i="0" u="none" strike="noStrike" cap="none" normalizeH="0" baseline="0" dirty="0" err="1" smtClean="0">
+              <a:rPr kumimoji="0" lang="en-US" altLang="en-US" sz="1400" b="0" i="0" u="none" strike="noStrike" cap="none" normalizeH="0" baseline="0" dirty="0" err="1">
                 <a:ln>
                   <a:noFill/>
                 </a:ln>
@@ -5701,7 +5627,7 @@
               <a:t>nEvals</a:t>
             </a:r>
             <a:r>
-              <a:rPr kumimoji="0" lang="en-US" altLang="en-US" sz="1400" b="0" i="0" u="none" strike="noStrike" cap="none" normalizeH="0" baseline="0" dirty="0" smtClean="0">
+              <a:rPr kumimoji="0" lang="en-US" altLang="en-US" sz="1400" b="0" i="0" u="none" strike="noStrike" cap="none" normalizeH="0" baseline="0" dirty="0">
                 <a:ln>
                   <a:noFill/>
                 </a:ln>
@@ -5715,7 +5641,7 @@
               <a:t>; i++) {</a:t>
             </a:r>
             <a:br>
-              <a:rPr kumimoji="0" lang="en-US" altLang="en-US" sz="1400" b="0" i="0" u="none" strike="noStrike" cap="none" normalizeH="0" baseline="0" dirty="0" smtClean="0">
+              <a:rPr kumimoji="0" lang="en-US" altLang="en-US" sz="1400" b="0" i="0" u="none" strike="noStrike" cap="none" normalizeH="0" baseline="0" dirty="0">
                 <a:ln>
                   <a:noFill/>
                 </a:ln>
@@ -5728,7 +5654,7 @@
               </a:rPr>
             </a:br>
             <a:r>
-              <a:rPr kumimoji="0" lang="en-US" altLang="en-US" sz="1400" b="0" i="0" u="none" strike="noStrike" cap="none" normalizeH="0" baseline="0" dirty="0" smtClean="0">
+              <a:rPr kumimoji="0" lang="en-US" altLang="en-US" sz="1400" b="0" i="0" u="none" strike="noStrike" cap="none" normalizeH="0" baseline="0" dirty="0">
                 <a:ln>
                   <a:noFill/>
                 </a:ln>
@@ -5742,7 +5668,7 @@
               <a:t>        </a:t>
             </a:r>
             <a:r>
-              <a:rPr kumimoji="0" lang="en-US" altLang="en-US" sz="1400" b="0" i="1" u="none" strike="noStrike" cap="none" normalizeH="0" baseline="0" dirty="0" smtClean="0">
+              <a:rPr kumimoji="0" lang="en-US" altLang="en-US" sz="1400" b="0" i="1" u="none" strike="noStrike" cap="none" normalizeH="0" baseline="0" dirty="0">
                 <a:ln>
                   <a:noFill/>
                 </a:ln>
@@ -5756,7 +5682,7 @@
               <a:t>// randomly mutate the best yet</a:t>
             </a:r>
             <a:br>
-              <a:rPr kumimoji="0" lang="en-US" altLang="en-US" sz="1400" b="0" i="1" u="none" strike="noStrike" cap="none" normalizeH="0" baseline="0" dirty="0" smtClean="0">
+              <a:rPr kumimoji="0" lang="en-US" altLang="en-US" sz="1400" b="0" i="1" u="none" strike="noStrike" cap="none" normalizeH="0" baseline="0" dirty="0">
                 <a:ln>
                   <a:noFill/>
                 </a:ln>
@@ -5769,7 +5695,7 @@
               </a:rPr>
             </a:br>
             <a:r>
-              <a:rPr kumimoji="0" lang="en-US" altLang="en-US" sz="1400" b="0" i="1" u="none" strike="noStrike" cap="none" normalizeH="0" baseline="0" dirty="0" smtClean="0">
+              <a:rPr kumimoji="0" lang="en-US" altLang="en-US" sz="1400" b="0" i="1" u="none" strike="noStrike" cap="none" normalizeH="0" baseline="0" dirty="0">
                 <a:ln>
                   <a:noFill/>
                 </a:ln>
@@ -5783,7 +5709,7 @@
               <a:t>        </a:t>
             </a:r>
             <a:r>
-              <a:rPr kumimoji="0" lang="en-US" altLang="en-US" sz="1400" b="1" i="0" u="none" strike="noStrike" cap="none" normalizeH="0" baseline="0" dirty="0" smtClean="0">
+              <a:rPr kumimoji="0" lang="en-US" altLang="en-US" sz="1400" b="1" i="0" u="none" strike="noStrike" cap="none" normalizeH="0" baseline="0" dirty="0">
                 <a:ln>
                   <a:noFill/>
                 </a:ln>
@@ -5797,7 +5723,7 @@
               <a:t>double</a:t>
             </a:r>
             <a:r>
-              <a:rPr kumimoji="0" lang="en-US" altLang="en-US" sz="1400" b="0" i="0" u="none" strike="noStrike" cap="none" normalizeH="0" baseline="0" dirty="0" smtClean="0">
+              <a:rPr kumimoji="0" lang="en-US" altLang="en-US" sz="1400" b="0" i="0" u="none" strike="noStrike" cap="none" normalizeH="0" baseline="0" dirty="0">
                 <a:ln>
                   <a:noFill/>
                 </a:ln>
@@ -5811,7 +5737,7 @@
               <a:t>[] </a:t>
             </a:r>
             <a:r>
-              <a:rPr kumimoji="0" lang="en-US" altLang="en-US" sz="1400" b="0" i="0" u="none" strike="noStrike" cap="none" normalizeH="0" baseline="0" dirty="0" err="1" smtClean="0">
+              <a:rPr kumimoji="0" lang="en-US" altLang="en-US" sz="1400" b="0" i="0" u="none" strike="noStrike" cap="none" normalizeH="0" baseline="0" dirty="0" err="1">
                 <a:ln>
                   <a:noFill/>
                 </a:ln>
@@ -5825,7 +5751,7 @@
               <a:t>mut</a:t>
             </a:r>
             <a:r>
-              <a:rPr kumimoji="0" lang="en-US" altLang="en-US" sz="1400" b="0" i="0" u="none" strike="noStrike" cap="none" normalizeH="0" baseline="0" dirty="0" smtClean="0">
+              <a:rPr kumimoji="0" lang="en-US" altLang="en-US" sz="1400" b="0" i="0" u="none" strike="noStrike" cap="none" normalizeH="0" baseline="0" dirty="0">
                 <a:ln>
                   <a:noFill/>
                 </a:ln>
@@ -5839,7 +5765,7 @@
               <a:t> = </a:t>
             </a:r>
             <a:r>
-              <a:rPr kumimoji="0" lang="en-US" altLang="en-US" sz="1400" b="0" i="1" u="none" strike="noStrike" cap="none" normalizeH="0" baseline="0" dirty="0" err="1" smtClean="0">
+              <a:rPr kumimoji="0" lang="en-US" altLang="en-US" sz="1400" b="0" i="1" u="none" strike="noStrike" cap="none" normalizeH="0" baseline="0" dirty="0" err="1">
                 <a:ln>
                   <a:noFill/>
                 </a:ln>
@@ -5853,7 +5779,7 @@
               <a:t>randMut</a:t>
             </a:r>
             <a:r>
-              <a:rPr kumimoji="0" lang="en-US" altLang="en-US" sz="1400" b="0" i="0" u="none" strike="noStrike" cap="none" normalizeH="0" baseline="0" dirty="0" smtClean="0">
+              <a:rPr kumimoji="0" lang="en-US" altLang="en-US" sz="1400" b="0" i="0" u="none" strike="noStrike" cap="none" normalizeH="0" baseline="0" dirty="0">
                 <a:ln>
                   <a:noFill/>
                 </a:ln>
@@ -5867,7 +5793,7 @@
               <a:t>(</a:t>
             </a:r>
             <a:r>
-              <a:rPr kumimoji="0" lang="en-US" altLang="en-US" sz="1400" b="1" i="0" u="none" strike="noStrike" cap="none" normalizeH="0" baseline="0" dirty="0" err="1" smtClean="0">
+              <a:rPr kumimoji="0" lang="en-US" altLang="en-US" sz="1400" b="1" i="0" u="none" strike="noStrike" cap="none" normalizeH="0" baseline="0" dirty="0" err="1">
                 <a:ln>
                   <a:noFill/>
                 </a:ln>
@@ -5881,7 +5807,7 @@
               <a:t>bestYet</a:t>
             </a:r>
             <a:r>
-              <a:rPr kumimoji="0" lang="en-US" altLang="en-US" sz="1400" b="0" i="0" u="none" strike="noStrike" cap="none" normalizeH="0" baseline="0" dirty="0" smtClean="0">
+              <a:rPr kumimoji="0" lang="en-US" altLang="en-US" sz="1400" b="0" i="0" u="none" strike="noStrike" cap="none" normalizeH="0" baseline="0" dirty="0">
                 <a:ln>
                   <a:noFill/>
                 </a:ln>
@@ -5895,7 +5821,7 @@
               <a:t>, </a:t>
             </a:r>
             <a:r>
-              <a:rPr kumimoji="0" lang="en-US" altLang="en-US" sz="1400" b="1" i="0" u="none" strike="noStrike" cap="none" normalizeH="0" baseline="0" dirty="0" err="1" smtClean="0">
+              <a:rPr kumimoji="0" lang="en-US" altLang="en-US" sz="1400" b="1" i="0" u="none" strike="noStrike" cap="none" normalizeH="0" baseline="0" dirty="0" err="1">
                 <a:ln>
                   <a:noFill/>
                 </a:ln>
@@ -5909,7 +5835,7 @@
               <a:t>stepFac</a:t>
             </a:r>
             <a:r>
-              <a:rPr kumimoji="0" lang="en-US" altLang="en-US" sz="1400" b="0" i="0" u="none" strike="noStrike" cap="none" normalizeH="0" baseline="0" dirty="0" smtClean="0">
+              <a:rPr kumimoji="0" lang="en-US" altLang="en-US" sz="1400" b="0" i="0" u="none" strike="noStrike" cap="none" normalizeH="0" baseline="0" dirty="0">
                 <a:ln>
                   <a:noFill/>
                 </a:ln>
@@ -5923,7 +5849,7 @@
               <a:t>);</a:t>
             </a:r>
             <a:br>
-              <a:rPr kumimoji="0" lang="en-US" altLang="en-US" sz="1400" b="0" i="0" u="none" strike="noStrike" cap="none" normalizeH="0" baseline="0" dirty="0" smtClean="0">
+              <a:rPr kumimoji="0" lang="en-US" altLang="en-US" sz="1400" b="0" i="0" u="none" strike="noStrike" cap="none" normalizeH="0" baseline="0" dirty="0">
                 <a:ln>
                   <a:noFill/>
                 </a:ln>
@@ -5936,7 +5862,7 @@
               </a:rPr>
             </a:br>
             <a:r>
-              <a:rPr kumimoji="0" lang="en-US" altLang="en-US" sz="1400" b="0" i="0" u="none" strike="noStrike" cap="none" normalizeH="0" baseline="0" dirty="0" smtClean="0">
+              <a:rPr kumimoji="0" lang="en-US" altLang="en-US" sz="1400" b="0" i="0" u="none" strike="noStrike" cap="none" normalizeH="0" baseline="0" dirty="0">
                 <a:ln>
                   <a:noFill/>
                 </a:ln>
@@ -5950,7 +5876,7 @@
               <a:t>        </a:t>
             </a:r>
             <a:r>
-              <a:rPr kumimoji="0" lang="en-US" altLang="en-US" sz="1400" b="1" i="0" u="none" strike="noStrike" cap="none" normalizeH="0" baseline="0" dirty="0" smtClean="0">
+              <a:rPr kumimoji="0" lang="en-US" altLang="en-US" sz="1400" b="1" i="0" u="none" strike="noStrike" cap="none" normalizeH="0" baseline="0" dirty="0">
                 <a:ln>
                   <a:noFill/>
                 </a:ln>
@@ -5964,7 +5890,7 @@
               <a:t>double </a:t>
             </a:r>
             <a:r>
-              <a:rPr kumimoji="0" lang="en-US" altLang="en-US" sz="1400" b="0" i="0" u="none" strike="noStrike" cap="none" normalizeH="0" baseline="0" dirty="0" smtClean="0">
+              <a:rPr kumimoji="0" lang="en-US" altLang="en-US" sz="1400" b="0" i="0" u="none" strike="noStrike" cap="none" normalizeH="0" baseline="0" dirty="0">
                 <a:ln>
                   <a:noFill/>
                 </a:ln>
@@ -5978,7 +5904,7 @@
               <a:t>diff = </a:t>
             </a:r>
             <a:r>
-              <a:rPr kumimoji="0" lang="en-US" altLang="en-US" sz="1400" b="1" i="0" u="none" strike="noStrike" cap="none" normalizeH="0" baseline="0" dirty="0" err="1" smtClean="0">
+              <a:rPr kumimoji="0" lang="en-US" altLang="en-US" sz="1400" b="1" i="0" u="none" strike="noStrike" cap="none" normalizeH="0" baseline="0" dirty="0" err="1">
                 <a:ln>
                   <a:noFill/>
                 </a:ln>
@@ -5992,7 +5918,7 @@
               <a:t>eval</a:t>
             </a:r>
             <a:r>
-              <a:rPr kumimoji="0" lang="en-US" altLang="en-US" sz="1400" b="0" i="0" u="none" strike="noStrike" cap="none" normalizeH="0" baseline="0" dirty="0" err="1" smtClean="0">
+              <a:rPr kumimoji="0" lang="en-US" altLang="en-US" sz="1400" b="0" i="0" u="none" strike="noStrike" cap="none" normalizeH="0" baseline="0" dirty="0" err="1">
                 <a:ln>
                   <a:noFill/>
                 </a:ln>
@@ -6006,7 +5932,7 @@
               <a:t>.pointsDiff</a:t>
             </a:r>
             <a:r>
-              <a:rPr kumimoji="0" lang="en-US" altLang="en-US" sz="1400" b="0" i="0" u="none" strike="noStrike" cap="none" normalizeH="0" baseline="0" dirty="0" smtClean="0">
+              <a:rPr kumimoji="0" lang="en-US" altLang="en-US" sz="1400" b="0" i="0" u="none" strike="noStrike" cap="none" normalizeH="0" baseline="0" dirty="0">
                 <a:ln>
                   <a:noFill/>
                 </a:ln>
@@ -6020,7 +5946,7 @@
               <a:t>(</a:t>
             </a:r>
             <a:r>
-              <a:rPr kumimoji="0" lang="en-US" altLang="en-US" sz="1400" b="1" i="0" u="none" strike="noStrike" cap="none" normalizeH="0" baseline="0" dirty="0" err="1" smtClean="0">
+              <a:rPr kumimoji="0" lang="en-US" altLang="en-US" sz="1400" b="1" i="0" u="none" strike="noStrike" cap="none" normalizeH="0" baseline="0" dirty="0" err="1">
                 <a:ln>
                   <a:noFill/>
                 </a:ln>
@@ -6034,7 +5960,7 @@
               <a:t>bestYet</a:t>
             </a:r>
             <a:r>
-              <a:rPr kumimoji="0" lang="en-US" altLang="en-US" sz="1400" b="0" i="0" u="none" strike="noStrike" cap="none" normalizeH="0" baseline="0" dirty="0" smtClean="0">
+              <a:rPr kumimoji="0" lang="en-US" altLang="en-US" sz="1400" b="0" i="0" u="none" strike="noStrike" cap="none" normalizeH="0" baseline="0" dirty="0">
                 <a:ln>
                   <a:noFill/>
                 </a:ln>
@@ -6048,7 +5974,7 @@
               <a:t>, </a:t>
             </a:r>
             <a:r>
-              <a:rPr kumimoji="0" lang="en-US" altLang="en-US" sz="1400" b="0" i="0" u="none" strike="noStrike" cap="none" normalizeH="0" baseline="0" dirty="0" err="1" smtClean="0">
+              <a:rPr kumimoji="0" lang="en-US" altLang="en-US" sz="1400" b="0" i="0" u="none" strike="noStrike" cap="none" normalizeH="0" baseline="0" dirty="0" err="1">
                 <a:ln>
                   <a:noFill/>
                 </a:ln>
@@ -6062,7 +5988,7 @@
               <a:t>mut</a:t>
             </a:r>
             <a:r>
-              <a:rPr kumimoji="0" lang="en-US" altLang="en-US" sz="1400" b="0" i="0" u="none" strike="noStrike" cap="none" normalizeH="0" baseline="0" dirty="0" smtClean="0">
+              <a:rPr kumimoji="0" lang="en-US" altLang="en-US" sz="1400" b="0" i="0" u="none" strike="noStrike" cap="none" normalizeH="0" baseline="0" dirty="0">
                 <a:ln>
                   <a:noFill/>
                 </a:ln>
@@ -6076,7 +6002,7 @@
               <a:t>);</a:t>
             </a:r>
             <a:br>
-              <a:rPr kumimoji="0" lang="en-US" altLang="en-US" sz="1400" b="0" i="0" u="none" strike="noStrike" cap="none" normalizeH="0" baseline="0" dirty="0" smtClean="0">
+              <a:rPr kumimoji="0" lang="en-US" altLang="en-US" sz="1400" b="0" i="0" u="none" strike="noStrike" cap="none" normalizeH="0" baseline="0" dirty="0">
                 <a:ln>
                   <a:noFill/>
                 </a:ln>
@@ -6088,22 +6014,8 @@
                 <a:cs typeface="Courier New" panose="02070309020205020404" pitchFamily="49" charset="0"/>
               </a:rPr>
             </a:br>
-            <a:r>
-              <a:rPr kumimoji="0" lang="en-US" altLang="en-US" sz="1400" b="0" i="0" u="none" strike="noStrike" cap="none" normalizeH="0" baseline="0" dirty="0" smtClean="0">
-                <a:ln>
-                  <a:noFill/>
-                </a:ln>
-                <a:solidFill>
-                  <a:srgbClr val="000000"/>
-                </a:solidFill>
-                <a:effectLst/>
-                <a:latin typeface="Courier New" panose="02070309020205020404" pitchFamily="49" charset="0"/>
-                <a:cs typeface="Courier New" panose="02070309020205020404" pitchFamily="49" charset="0"/>
-              </a:rPr>
-              <a:t/>
-            </a:r>
             <a:br>
-              <a:rPr kumimoji="0" lang="en-US" altLang="en-US" sz="1400" b="0" i="0" u="none" strike="noStrike" cap="none" normalizeH="0" baseline="0" dirty="0" smtClean="0">
+              <a:rPr kumimoji="0" lang="en-US" altLang="en-US" sz="1400" b="0" i="0" u="none" strike="noStrike" cap="none" normalizeH="0" baseline="0" dirty="0">
                 <a:ln>
                   <a:noFill/>
                 </a:ln>
@@ -6116,7 +6028,7 @@
               </a:rPr>
             </a:br>
             <a:r>
-              <a:rPr kumimoji="0" lang="en-US" altLang="en-US" sz="1400" b="0" i="0" u="none" strike="noStrike" cap="none" normalizeH="0" baseline="0" dirty="0" smtClean="0">
+              <a:rPr kumimoji="0" lang="en-US" altLang="en-US" sz="1400" b="0" i="0" u="none" strike="noStrike" cap="none" normalizeH="0" baseline="0" dirty="0">
                 <a:ln>
                   <a:noFill/>
                 </a:ln>
@@ -6130,7 +6042,7 @@
               <a:t>        </a:t>
             </a:r>
             <a:r>
-              <a:rPr kumimoji="0" lang="en-US" altLang="en-US" sz="1400" b="0" i="1" u="none" strike="noStrike" cap="none" normalizeH="0" baseline="0" dirty="0" smtClean="0">
+              <a:rPr kumimoji="0" lang="en-US" altLang="en-US" sz="1400" b="0" i="1" u="none" strike="noStrike" cap="none" normalizeH="0" baseline="0" dirty="0">
                 <a:ln>
                   <a:noFill/>
                 </a:ln>
@@ -6144,7 +6056,7 @@
               <a:t>// if it's better then adopt the mutation as the new best</a:t>
             </a:r>
             <a:br>
-              <a:rPr kumimoji="0" lang="en-US" altLang="en-US" sz="1400" b="0" i="1" u="none" strike="noStrike" cap="none" normalizeH="0" baseline="0" dirty="0" smtClean="0">
+              <a:rPr kumimoji="0" lang="en-US" altLang="en-US" sz="1400" b="0" i="1" u="none" strike="noStrike" cap="none" normalizeH="0" baseline="0" dirty="0">
                 <a:ln>
                   <a:noFill/>
                 </a:ln>
@@ -6157,7 +6069,7 @@
               </a:rPr>
             </a:br>
             <a:r>
-              <a:rPr kumimoji="0" lang="en-US" altLang="en-US" sz="1400" b="0" i="1" u="none" strike="noStrike" cap="none" normalizeH="0" baseline="0" dirty="0" smtClean="0">
+              <a:rPr kumimoji="0" lang="en-US" altLang="en-US" sz="1400" b="0" i="1" u="none" strike="noStrike" cap="none" normalizeH="0" baseline="0" dirty="0">
                 <a:ln>
                   <a:noFill/>
                 </a:ln>
@@ -6171,7 +6083,7 @@
               <a:t>        </a:t>
             </a:r>
             <a:r>
-              <a:rPr kumimoji="0" lang="en-US" altLang="en-US" sz="1400" b="1" i="0" u="none" strike="noStrike" cap="none" normalizeH="0" baseline="0" dirty="0" smtClean="0">
+              <a:rPr kumimoji="0" lang="en-US" altLang="en-US" sz="1400" b="1" i="0" u="none" strike="noStrike" cap="none" normalizeH="0" baseline="0" dirty="0">
                 <a:ln>
                   <a:noFill/>
                 </a:ln>
@@ -6185,7 +6097,7 @@
               <a:t>if </a:t>
             </a:r>
             <a:r>
-              <a:rPr kumimoji="0" lang="en-US" altLang="en-US" sz="1400" b="0" i="0" u="none" strike="noStrike" cap="none" normalizeH="0" baseline="0" dirty="0" smtClean="0">
+              <a:rPr kumimoji="0" lang="en-US" altLang="en-US" sz="1400" b="0" i="0" u="none" strike="noStrike" cap="none" normalizeH="0" baseline="0" dirty="0">
                 <a:ln>
                   <a:noFill/>
                 </a:ln>
@@ -6199,7 +6111,7 @@
               <a:t>(diff &gt;= </a:t>
             </a:r>
             <a:r>
-              <a:rPr kumimoji="0" lang="en-US" altLang="en-US" sz="1400" b="0" i="0" u="none" strike="noStrike" cap="none" normalizeH="0" baseline="0" dirty="0" smtClean="0">
+              <a:rPr kumimoji="0" lang="en-US" altLang="en-US" sz="1400" b="0" i="0" u="none" strike="noStrike" cap="none" normalizeH="0" baseline="0" dirty="0">
                 <a:ln>
                   <a:noFill/>
                 </a:ln>
@@ -6213,7 +6125,7 @@
               <a:t>0</a:t>
             </a:r>
             <a:r>
-              <a:rPr kumimoji="0" lang="en-US" altLang="en-US" sz="1400" b="0" i="0" u="none" strike="noStrike" cap="none" normalizeH="0" baseline="0" dirty="0" smtClean="0">
+              <a:rPr kumimoji="0" lang="en-US" altLang="en-US" sz="1400" b="0" i="0" u="none" strike="noStrike" cap="none" normalizeH="0" baseline="0" dirty="0">
                 <a:ln>
                   <a:noFill/>
                 </a:ln>
@@ -6227,7 +6139,7 @@
               <a:t>) {</a:t>
             </a:r>
             <a:br>
-              <a:rPr kumimoji="0" lang="en-US" altLang="en-US" sz="1400" b="0" i="0" u="none" strike="noStrike" cap="none" normalizeH="0" baseline="0" dirty="0" smtClean="0">
+              <a:rPr kumimoji="0" lang="en-US" altLang="en-US" sz="1400" b="0" i="0" u="none" strike="noStrike" cap="none" normalizeH="0" baseline="0" dirty="0">
                 <a:ln>
                   <a:noFill/>
                 </a:ln>
@@ -6240,7 +6152,7 @@
               </a:rPr>
             </a:br>
             <a:r>
-              <a:rPr kumimoji="0" lang="en-US" altLang="en-US" sz="1400" b="0" i="0" u="none" strike="noStrike" cap="none" normalizeH="0" baseline="0" dirty="0" smtClean="0">
+              <a:rPr kumimoji="0" lang="en-US" altLang="en-US" sz="1400" b="0" i="0" u="none" strike="noStrike" cap="none" normalizeH="0" baseline="0" dirty="0">
                 <a:ln>
                   <a:noFill/>
                 </a:ln>
@@ -6254,7 +6166,7 @@
               <a:t>            </a:t>
             </a:r>
             <a:r>
-              <a:rPr kumimoji="0" lang="en-US" altLang="en-US" sz="1400" b="1" i="0" u="none" strike="noStrike" cap="none" normalizeH="0" baseline="0" dirty="0" err="1" smtClean="0">
+              <a:rPr kumimoji="0" lang="en-US" altLang="en-US" sz="1400" b="1" i="0" u="none" strike="noStrike" cap="none" normalizeH="0" baseline="0" dirty="0" err="1">
                 <a:ln>
                   <a:noFill/>
                 </a:ln>
@@ -6268,7 +6180,7 @@
               <a:t>bestYet</a:t>
             </a:r>
             <a:r>
-              <a:rPr kumimoji="0" lang="en-US" altLang="en-US" sz="1400" b="1" i="0" u="none" strike="noStrike" cap="none" normalizeH="0" baseline="0" dirty="0" smtClean="0">
+              <a:rPr kumimoji="0" lang="en-US" altLang="en-US" sz="1400" b="1" i="0" u="none" strike="noStrike" cap="none" normalizeH="0" baseline="0" dirty="0">
                 <a:ln>
                   <a:noFill/>
                 </a:ln>
@@ -6282,7 +6194,7 @@
               <a:t> </a:t>
             </a:r>
             <a:r>
-              <a:rPr kumimoji="0" lang="en-US" altLang="en-US" sz="1400" b="0" i="0" u="none" strike="noStrike" cap="none" normalizeH="0" baseline="0" dirty="0" smtClean="0">
+              <a:rPr kumimoji="0" lang="en-US" altLang="en-US" sz="1400" b="0" i="0" u="none" strike="noStrike" cap="none" normalizeH="0" baseline="0" dirty="0">
                 <a:ln>
                   <a:noFill/>
                 </a:ln>
@@ -6296,7 +6208,7 @@
               <a:t>= </a:t>
             </a:r>
             <a:r>
-              <a:rPr kumimoji="0" lang="en-US" altLang="en-US" sz="1400" b="0" i="0" u="none" strike="noStrike" cap="none" normalizeH="0" baseline="0" dirty="0" err="1" smtClean="0">
+              <a:rPr kumimoji="0" lang="en-US" altLang="en-US" sz="1400" b="0" i="0" u="none" strike="noStrike" cap="none" normalizeH="0" baseline="0" dirty="0" err="1">
                 <a:ln>
                   <a:noFill/>
                 </a:ln>
@@ -6310,7 +6222,7 @@
               <a:t>mut</a:t>
             </a:r>
             <a:r>
-              <a:rPr kumimoji="0" lang="en-US" altLang="en-US" sz="1400" b="0" i="0" u="none" strike="noStrike" cap="none" normalizeH="0" baseline="0" dirty="0" smtClean="0">
+              <a:rPr kumimoji="0" lang="en-US" altLang="en-US" sz="1400" b="0" i="0" u="none" strike="noStrike" cap="none" normalizeH="0" baseline="0" dirty="0">
                 <a:ln>
                   <a:noFill/>
                 </a:ln>
@@ -6324,7 +6236,7 @@
               <a:t>;</a:t>
             </a:r>
             <a:br>
-              <a:rPr kumimoji="0" lang="en-US" altLang="en-US" sz="1400" b="0" i="0" u="none" strike="noStrike" cap="none" normalizeH="0" baseline="0" dirty="0" smtClean="0">
+              <a:rPr kumimoji="0" lang="en-US" altLang="en-US" sz="1400" b="0" i="0" u="none" strike="noStrike" cap="none" normalizeH="0" baseline="0" dirty="0">
                 <a:ln>
                   <a:noFill/>
                 </a:ln>
@@ -6337,7 +6249,7 @@
               </a:rPr>
             </a:br>
             <a:r>
-              <a:rPr kumimoji="0" lang="en-US" altLang="en-US" sz="1400" b="0" i="0" u="none" strike="noStrike" cap="none" normalizeH="0" baseline="0" dirty="0" smtClean="0">
+              <a:rPr kumimoji="0" lang="en-US" altLang="en-US" sz="1400" b="0" i="0" u="none" strike="noStrike" cap="none" normalizeH="0" baseline="0" dirty="0">
                 <a:ln>
                   <a:noFill/>
                 </a:ln>
@@ -6351,7 +6263,7 @@
               <a:t>            </a:t>
             </a:r>
             <a:r>
-              <a:rPr kumimoji="0" lang="en-US" altLang="en-US" sz="1400" b="0" i="1" u="none" strike="noStrike" cap="none" normalizeH="0" baseline="0" dirty="0" smtClean="0">
+              <a:rPr kumimoji="0" lang="en-US" altLang="en-US" sz="1400" b="0" i="1" u="none" strike="noStrike" cap="none" normalizeH="0" baseline="0" dirty="0">
                 <a:ln>
                   <a:noFill/>
                 </a:ln>
@@ -6363,16 +6275,6 @@
                 <a:cs typeface="Courier New" panose="02070309020205020404" pitchFamily="49" charset="0"/>
               </a:rPr>
               <a:t>// try making it bigger - make even faster progress</a:t>
-            </a:r>
-            <a:r>
-              <a:rPr lang="en-US" altLang="en-US" sz="1400" i="1" dirty="0">
-                <a:solidFill>
-                  <a:srgbClr val="808080"/>
-                </a:solidFill>
-                <a:latin typeface="Courier New" panose="02070309020205020404" pitchFamily="49" charset="0"/>
-                <a:cs typeface="Courier New" panose="02070309020205020404" pitchFamily="49" charset="0"/>
-              </a:rPr>
-              <a:t/>
             </a:r>
             <a:br>
               <a:rPr lang="en-US" altLang="en-US" sz="1400" i="1" dirty="0">
@@ -6384,7 +6286,7 @@
               </a:rPr>
             </a:br>
             <a:r>
-              <a:rPr lang="en-US" altLang="en-US" sz="1400" i="1" dirty="0" smtClean="0">
+              <a:rPr lang="en-US" altLang="en-US" sz="1400" i="1" dirty="0">
                 <a:solidFill>
                   <a:srgbClr val="808080"/>
                 </a:solidFill>
@@ -6414,7 +6316,7 @@
               <a:t> </a:t>
             </a:r>
             <a:r>
-              <a:rPr lang="en-US" altLang="en-US" sz="1400" dirty="0" smtClean="0">
+              <a:rPr lang="en-US" altLang="en-US" sz="1400" dirty="0">
                 <a:solidFill>
                   <a:srgbClr val="000000"/>
                 </a:solidFill>
@@ -6453,7 +6355,7 @@
               </a:rPr>
             </a:br>
             <a:r>
-              <a:rPr kumimoji="0" lang="en-US" altLang="en-US" sz="1400" b="0" i="1" u="none" strike="noStrike" cap="none" normalizeH="0" baseline="0" dirty="0" smtClean="0">
+              <a:rPr kumimoji="0" lang="en-US" altLang="en-US" sz="1400" b="0" i="1" u="none" strike="noStrike" cap="none" normalizeH="0" baseline="0" dirty="0">
                 <a:ln>
                   <a:noFill/>
                 </a:ln>
@@ -6467,7 +6369,7 @@
               <a:t>        </a:t>
             </a:r>
             <a:r>
-              <a:rPr kumimoji="0" lang="en-US" altLang="en-US" sz="1400" b="0" i="0" u="none" strike="noStrike" cap="none" normalizeH="0" baseline="0" dirty="0" smtClean="0">
+              <a:rPr kumimoji="0" lang="en-US" altLang="en-US" sz="1400" b="0" i="0" u="none" strike="noStrike" cap="none" normalizeH="0" baseline="0" dirty="0">
                 <a:ln>
                   <a:noFill/>
                 </a:ln>
@@ -6481,7 +6383,7 @@
               <a:t>} </a:t>
             </a:r>
             <a:r>
-              <a:rPr kumimoji="0" lang="en-US" altLang="en-US" sz="1400" b="1" i="0" u="none" strike="noStrike" cap="none" normalizeH="0" baseline="0" dirty="0" smtClean="0">
+              <a:rPr kumimoji="0" lang="en-US" altLang="en-US" sz="1400" b="1" i="0" u="none" strike="noStrike" cap="none" normalizeH="0" baseline="0" dirty="0">
                 <a:ln>
                   <a:noFill/>
                 </a:ln>
@@ -6495,7 +6397,7 @@
               <a:t>else </a:t>
             </a:r>
             <a:r>
-              <a:rPr kumimoji="0" lang="en-US" altLang="en-US" sz="1400" b="0" i="0" u="none" strike="noStrike" cap="none" normalizeH="0" baseline="0" dirty="0" smtClean="0">
+              <a:rPr kumimoji="0" lang="en-US" altLang="en-US" sz="1400" b="0" i="0" u="none" strike="noStrike" cap="none" normalizeH="0" baseline="0" dirty="0">
                 <a:ln>
                   <a:noFill/>
                 </a:ln>
@@ -6509,7 +6411,7 @@
               <a:t>{</a:t>
             </a:r>
             <a:br>
-              <a:rPr kumimoji="0" lang="en-US" altLang="en-US" sz="1400" b="0" i="0" u="none" strike="noStrike" cap="none" normalizeH="0" baseline="0" dirty="0" smtClean="0">
+              <a:rPr kumimoji="0" lang="en-US" altLang="en-US" sz="1400" b="0" i="0" u="none" strike="noStrike" cap="none" normalizeH="0" baseline="0" dirty="0">
                 <a:ln>
                   <a:noFill/>
                 </a:ln>
@@ -6522,7 +6424,7 @@
               </a:rPr>
             </a:br>
             <a:r>
-              <a:rPr kumimoji="0" lang="en-US" altLang="en-US" sz="1400" b="0" i="0" u="none" strike="noStrike" cap="none" normalizeH="0" baseline="0" dirty="0" smtClean="0">
+              <a:rPr kumimoji="0" lang="en-US" altLang="en-US" sz="1400" b="0" i="0" u="none" strike="noStrike" cap="none" normalizeH="0" baseline="0" dirty="0">
                 <a:ln>
                   <a:noFill/>
                 </a:ln>
@@ -6536,7 +6438,7 @@
               <a:t>            </a:t>
             </a:r>
             <a:r>
-              <a:rPr kumimoji="0" lang="en-US" altLang="en-US" sz="1400" b="0" i="1" u="none" strike="noStrike" cap="none" normalizeH="0" baseline="0" dirty="0" smtClean="0">
+              <a:rPr kumimoji="0" lang="en-US" altLang="en-US" sz="1400" b="0" i="1" u="none" strike="noStrike" cap="none" normalizeH="0" baseline="0" dirty="0">
                 <a:ln>
                   <a:noFill/>
                 </a:ln>
@@ -6550,7 +6452,7 @@
               <a:t>// try making the step size smaller</a:t>
             </a:r>
             <a:br>
-              <a:rPr kumimoji="0" lang="en-US" altLang="en-US" sz="1400" b="0" i="1" u="none" strike="noStrike" cap="none" normalizeH="0" baseline="0" dirty="0" smtClean="0">
+              <a:rPr kumimoji="0" lang="en-US" altLang="en-US" sz="1400" b="0" i="1" u="none" strike="noStrike" cap="none" normalizeH="0" baseline="0" dirty="0">
                 <a:ln>
                   <a:noFill/>
                 </a:ln>
@@ -6563,7 +6465,7 @@
               </a:rPr>
             </a:br>
             <a:r>
-              <a:rPr kumimoji="0" lang="en-US" altLang="en-US" sz="1400" b="0" i="1" u="none" strike="noStrike" cap="none" normalizeH="0" baseline="0" dirty="0" smtClean="0">
+              <a:rPr kumimoji="0" lang="en-US" altLang="en-US" sz="1400" b="0" i="1" u="none" strike="noStrike" cap="none" normalizeH="0" baseline="0" dirty="0">
                 <a:ln>
                   <a:noFill/>
                 </a:ln>
@@ -6577,7 +6479,7 @@
               <a:t>            </a:t>
             </a:r>
             <a:r>
-              <a:rPr kumimoji="0" lang="en-US" altLang="en-US" sz="1400" b="1" i="0" u="none" strike="noStrike" cap="none" normalizeH="0" baseline="0" dirty="0" err="1" smtClean="0">
+              <a:rPr kumimoji="0" lang="en-US" altLang="en-US" sz="1400" b="1" i="0" u="none" strike="noStrike" cap="none" normalizeH="0" baseline="0" dirty="0" err="1">
                 <a:ln>
                   <a:noFill/>
                 </a:ln>
@@ -6591,7 +6493,7 @@
               <a:t>stepFac</a:t>
             </a:r>
             <a:r>
-              <a:rPr kumimoji="0" lang="en-US" altLang="en-US" sz="1400" b="1" i="0" u="none" strike="noStrike" cap="none" normalizeH="0" baseline="0" dirty="0" smtClean="0">
+              <a:rPr kumimoji="0" lang="en-US" altLang="en-US" sz="1400" b="1" i="0" u="none" strike="noStrike" cap="none" normalizeH="0" baseline="0" dirty="0">
                 <a:ln>
                   <a:noFill/>
                 </a:ln>
@@ -6605,7 +6507,7 @@
               <a:t> </a:t>
             </a:r>
             <a:r>
-              <a:rPr kumimoji="0" lang="en-US" altLang="en-US" sz="1400" b="0" i="0" u="none" strike="noStrike" cap="none" normalizeH="0" baseline="0" dirty="0" smtClean="0">
+              <a:rPr kumimoji="0" lang="en-US" altLang="en-US" sz="1400" b="0" i="0" u="none" strike="noStrike" cap="none" normalizeH="0" baseline="0" dirty="0">
                 <a:ln>
                   <a:noFill/>
                 </a:ln>
@@ -6619,7 +6521,7 @@
               <a:t>/= </a:t>
             </a:r>
             <a:r>
-              <a:rPr kumimoji="0" lang="en-US" altLang="en-US" sz="1400" b="1" i="0" u="none" strike="noStrike" cap="none" normalizeH="0" baseline="0" dirty="0" err="1" smtClean="0">
+              <a:rPr kumimoji="0" lang="en-US" altLang="en-US" sz="1400" b="1" i="0" u="none" strike="noStrike" cap="none" normalizeH="0" baseline="0" dirty="0" err="1">
                 <a:ln>
                   <a:noFill/>
                 </a:ln>
@@ -6633,7 +6535,7 @@
               <a:t>stepAdjust</a:t>
             </a:r>
             <a:r>
-              <a:rPr kumimoji="0" lang="en-US" altLang="en-US" sz="1400" b="0" i="0" u="none" strike="noStrike" cap="none" normalizeH="0" baseline="0" dirty="0" smtClean="0">
+              <a:rPr kumimoji="0" lang="en-US" altLang="en-US" sz="1400" b="0" i="0" u="none" strike="noStrike" cap="none" normalizeH="0" baseline="0" dirty="0">
                 <a:ln>
                   <a:noFill/>
                 </a:ln>
@@ -6647,7 +6549,7 @@
               <a:t>;</a:t>
             </a:r>
             <a:br>
-              <a:rPr kumimoji="0" lang="en-US" altLang="en-US" sz="1400" b="0" i="0" u="none" strike="noStrike" cap="none" normalizeH="0" baseline="0" dirty="0" smtClean="0">
+              <a:rPr kumimoji="0" lang="en-US" altLang="en-US" sz="1400" b="0" i="0" u="none" strike="noStrike" cap="none" normalizeH="0" baseline="0" dirty="0">
                 <a:ln>
                   <a:noFill/>
                 </a:ln>
@@ -6660,7 +6562,7 @@
               </a:rPr>
             </a:br>
             <a:r>
-              <a:rPr kumimoji="0" lang="en-US" altLang="en-US" sz="1400" b="0" i="0" u="none" strike="noStrike" cap="none" normalizeH="0" baseline="0" dirty="0" smtClean="0">
+              <a:rPr kumimoji="0" lang="en-US" altLang="en-US" sz="1400" b="0" i="0" u="none" strike="noStrike" cap="none" normalizeH="0" baseline="0" dirty="0">
                 <a:ln>
                   <a:noFill/>
                 </a:ln>
@@ -6674,7 +6576,7 @@
               <a:t>        }</a:t>
             </a:r>
             <a:br>
-              <a:rPr kumimoji="0" lang="en-US" altLang="en-US" sz="1400" b="0" i="0" u="none" strike="noStrike" cap="none" normalizeH="0" baseline="0" dirty="0" smtClean="0">
+              <a:rPr kumimoji="0" lang="en-US" altLang="en-US" sz="1400" b="0" i="0" u="none" strike="noStrike" cap="none" normalizeH="0" baseline="0" dirty="0">
                 <a:ln>
                   <a:noFill/>
                 </a:ln>
@@ -6687,7 +6589,7 @@
               </a:rPr>
             </a:br>
             <a:r>
-              <a:rPr kumimoji="0" lang="en-US" altLang="en-US" sz="1400" b="0" i="0" u="none" strike="noStrike" cap="none" normalizeH="0" baseline="0" dirty="0" smtClean="0">
+              <a:rPr kumimoji="0" lang="en-US" altLang="en-US" sz="1400" b="0" i="0" u="none" strike="noStrike" cap="none" normalizeH="0" baseline="0" dirty="0">
                 <a:ln>
                   <a:noFill/>
                 </a:ln>
@@ -6701,7 +6603,7 @@
               <a:t>        </a:t>
             </a:r>
             <a:r>
-              <a:rPr kumimoji="0" lang="en-US" altLang="en-US" sz="1400" b="0" i="0" u="none" strike="noStrike" cap="none" normalizeH="0" baseline="0" dirty="0" err="1" smtClean="0">
+              <a:rPr kumimoji="0" lang="en-US" altLang="en-US" sz="1400" b="0" i="0" u="none" strike="noStrike" cap="none" normalizeH="0" baseline="0" dirty="0" err="1">
                 <a:ln>
                   <a:noFill/>
                 </a:ln>
@@ -6715,7 +6617,7 @@
               <a:t>System.</a:t>
             </a:r>
             <a:r>
-              <a:rPr kumimoji="0" lang="en-US" altLang="en-US" sz="1400" b="1" i="1" u="none" strike="noStrike" cap="none" normalizeH="0" baseline="0" dirty="0" err="1" smtClean="0">
+              <a:rPr kumimoji="0" lang="en-US" altLang="en-US" sz="1400" b="1" i="1" u="none" strike="noStrike" cap="none" normalizeH="0" baseline="0" dirty="0" err="1">
                 <a:ln>
                   <a:noFill/>
                 </a:ln>
@@ -6729,7 +6631,7 @@
               <a:t>out</a:t>
             </a:r>
             <a:r>
-              <a:rPr kumimoji="0" lang="en-US" altLang="en-US" sz="1400" b="0" i="0" u="none" strike="noStrike" cap="none" normalizeH="0" baseline="0" dirty="0" err="1" smtClean="0">
+              <a:rPr kumimoji="0" lang="en-US" altLang="en-US" sz="1400" b="0" i="0" u="none" strike="noStrike" cap="none" normalizeH="0" baseline="0" dirty="0" err="1">
                 <a:ln>
                   <a:noFill/>
                 </a:ln>
@@ -6743,7 +6645,7 @@
               <a:t>.println</a:t>
             </a:r>
             <a:r>
-              <a:rPr kumimoji="0" lang="en-US" altLang="en-US" sz="1400" b="0" i="0" u="none" strike="noStrike" cap="none" normalizeH="0" baseline="0" dirty="0" smtClean="0">
+              <a:rPr kumimoji="0" lang="en-US" altLang="en-US" sz="1400" b="0" i="0" u="none" strike="noStrike" cap="none" normalizeH="0" baseline="0" dirty="0">
                 <a:ln>
                   <a:noFill/>
                 </a:ln>
@@ -6757,7 +6659,7 @@
               <a:t>(i + </a:t>
             </a:r>
             <a:r>
-              <a:rPr kumimoji="0" lang="en-US" altLang="en-US" sz="1400" b="1" i="0" u="none" strike="noStrike" cap="none" normalizeH="0" baseline="0" dirty="0" smtClean="0">
+              <a:rPr kumimoji="0" lang="en-US" altLang="en-US" sz="1400" b="1" i="0" u="none" strike="noStrike" cap="none" normalizeH="0" baseline="0" dirty="0">
                 <a:ln>
                   <a:noFill/>
                 </a:ln>
@@ -6771,7 +6673,7 @@
               <a:t>"</a:t>
             </a:r>
             <a:r>
-              <a:rPr kumimoji="0" lang="en-US" altLang="en-US" sz="1400" b="1" i="0" u="none" strike="noStrike" cap="none" normalizeH="0" baseline="0" dirty="0" smtClean="0">
+              <a:rPr kumimoji="0" lang="en-US" altLang="en-US" sz="1400" b="1" i="0" u="none" strike="noStrike" cap="none" normalizeH="0" baseline="0" dirty="0">
                 <a:ln>
                   <a:noFill/>
                 </a:ln>
@@ -6785,7 +6687,7 @@
               <a:t>\t</a:t>
             </a:r>
             <a:r>
-              <a:rPr kumimoji="0" lang="en-US" altLang="en-US" sz="1400" b="1" i="0" u="none" strike="noStrike" cap="none" normalizeH="0" baseline="0" dirty="0" smtClean="0">
+              <a:rPr kumimoji="0" lang="en-US" altLang="en-US" sz="1400" b="1" i="0" u="none" strike="noStrike" cap="none" normalizeH="0" baseline="0" dirty="0">
                 <a:ln>
                   <a:noFill/>
                 </a:ln>
@@ -6799,7 +6701,7 @@
               <a:t> " </a:t>
             </a:r>
             <a:r>
-              <a:rPr kumimoji="0" lang="en-US" altLang="en-US" sz="1400" b="0" i="0" u="none" strike="noStrike" cap="none" normalizeH="0" baseline="0" dirty="0" smtClean="0">
+              <a:rPr kumimoji="0" lang="en-US" altLang="en-US" sz="1400" b="0" i="0" u="none" strike="noStrike" cap="none" normalizeH="0" baseline="0" dirty="0">
                 <a:ln>
                   <a:noFill/>
                 </a:ln>
@@ -6813,7 +6715,7 @@
               <a:t>+ </a:t>
             </a:r>
             <a:r>
-              <a:rPr kumimoji="0" lang="en-US" altLang="en-US" sz="1400" b="0" i="1" u="none" strike="noStrike" cap="none" normalizeH="0" baseline="0" dirty="0" smtClean="0">
+              <a:rPr kumimoji="0" lang="en-US" altLang="en-US" sz="1400" b="0" i="1" u="none" strike="noStrike" cap="none" normalizeH="0" baseline="0" dirty="0">
                 <a:ln>
                   <a:noFill/>
                 </a:ln>
@@ -6827,7 +6729,7 @@
               <a:t>mag2</a:t>
             </a:r>
             <a:r>
-              <a:rPr kumimoji="0" lang="en-US" altLang="en-US" sz="1400" b="0" i="0" u="none" strike="noStrike" cap="none" normalizeH="0" baseline="0" dirty="0" smtClean="0">
+              <a:rPr kumimoji="0" lang="en-US" altLang="en-US" sz="1400" b="0" i="0" u="none" strike="noStrike" cap="none" normalizeH="0" baseline="0" dirty="0">
                 <a:ln>
                   <a:noFill/>
                 </a:ln>
@@ -6841,7 +6743,7 @@
               <a:t>(</a:t>
             </a:r>
             <a:r>
-              <a:rPr kumimoji="0" lang="en-US" altLang="en-US" sz="1400" b="1" i="0" u="none" strike="noStrike" cap="none" normalizeH="0" baseline="0" dirty="0" err="1" smtClean="0">
+              <a:rPr kumimoji="0" lang="en-US" altLang="en-US" sz="1400" b="1" i="0" u="none" strike="noStrike" cap="none" normalizeH="0" baseline="0" dirty="0" err="1">
                 <a:ln>
                   <a:noFill/>
                 </a:ln>
@@ -6855,7 +6757,7 @@
               <a:t>bestYet</a:t>
             </a:r>
             <a:r>
-              <a:rPr kumimoji="0" lang="en-US" altLang="en-US" sz="1400" b="0" i="0" u="none" strike="noStrike" cap="none" normalizeH="0" baseline="0" dirty="0" smtClean="0">
+              <a:rPr kumimoji="0" lang="en-US" altLang="en-US" sz="1400" b="0" i="0" u="none" strike="noStrike" cap="none" normalizeH="0" baseline="0" dirty="0">
                 <a:ln>
                   <a:noFill/>
                 </a:ln>
@@ -6869,7 +6771,7 @@
               <a:t>));</a:t>
             </a:r>
             <a:br>
-              <a:rPr kumimoji="0" lang="en-US" altLang="en-US" sz="1400" b="0" i="0" u="none" strike="noStrike" cap="none" normalizeH="0" baseline="0" dirty="0" smtClean="0">
+              <a:rPr kumimoji="0" lang="en-US" altLang="en-US" sz="1400" b="0" i="0" u="none" strike="noStrike" cap="none" normalizeH="0" baseline="0" dirty="0">
                 <a:ln>
                   <a:noFill/>
                 </a:ln>
@@ -6882,7 +6784,7 @@
               </a:rPr>
             </a:br>
             <a:r>
-              <a:rPr kumimoji="0" lang="en-US" altLang="en-US" sz="1400" b="0" i="0" u="none" strike="noStrike" cap="none" normalizeH="0" baseline="0" dirty="0" smtClean="0">
+              <a:rPr kumimoji="0" lang="en-US" altLang="en-US" sz="1400" b="0" i="0" u="none" strike="noStrike" cap="none" normalizeH="0" baseline="0" dirty="0">
                 <a:ln>
                   <a:noFill/>
                 </a:ln>
@@ -6896,7 +6798,7 @@
               <a:t>    }</a:t>
             </a:r>
             <a:br>
-              <a:rPr kumimoji="0" lang="en-US" altLang="en-US" sz="1400" b="0" i="0" u="none" strike="noStrike" cap="none" normalizeH="0" baseline="0" dirty="0" smtClean="0">
+              <a:rPr kumimoji="0" lang="en-US" altLang="en-US" sz="1400" b="0" i="0" u="none" strike="noStrike" cap="none" normalizeH="0" baseline="0" dirty="0">
                 <a:ln>
                   <a:noFill/>
                 </a:ln>
@@ -6908,22 +6810,8 @@
                 <a:cs typeface="Courier New" panose="02070309020205020404" pitchFamily="49" charset="0"/>
               </a:rPr>
             </a:br>
-            <a:r>
-              <a:rPr kumimoji="0" lang="en-US" altLang="en-US" sz="1400" b="0" i="0" u="none" strike="noStrike" cap="none" normalizeH="0" baseline="0" dirty="0" smtClean="0">
-                <a:ln>
-                  <a:noFill/>
-                </a:ln>
-                <a:solidFill>
-                  <a:srgbClr val="000000"/>
-                </a:solidFill>
-                <a:effectLst/>
-                <a:latin typeface="Courier New" panose="02070309020205020404" pitchFamily="49" charset="0"/>
-                <a:cs typeface="Courier New" panose="02070309020205020404" pitchFamily="49" charset="0"/>
-              </a:rPr>
-              <a:t/>
-            </a:r>
             <a:br>
-              <a:rPr kumimoji="0" lang="en-US" altLang="en-US" sz="1400" b="0" i="0" u="none" strike="noStrike" cap="none" normalizeH="0" baseline="0" dirty="0" smtClean="0">
+              <a:rPr kumimoji="0" lang="en-US" altLang="en-US" sz="1400" b="0" i="0" u="none" strike="noStrike" cap="none" normalizeH="0" baseline="0" dirty="0">
                 <a:ln>
                   <a:noFill/>
                 </a:ln>
@@ -6936,7 +6824,7 @@
               </a:rPr>
             </a:br>
             <a:r>
-              <a:rPr kumimoji="0" lang="en-US" altLang="en-US" sz="1400" b="0" i="0" u="none" strike="noStrike" cap="none" normalizeH="0" baseline="0" dirty="0" smtClean="0">
+              <a:rPr kumimoji="0" lang="en-US" altLang="en-US" sz="1400" b="0" i="0" u="none" strike="noStrike" cap="none" normalizeH="0" baseline="0" dirty="0">
                 <a:ln>
                   <a:noFill/>
                 </a:ln>
@@ -6950,7 +6838,7 @@
               <a:t>    </a:t>
             </a:r>
             <a:r>
-              <a:rPr kumimoji="0" lang="en-US" altLang="en-US" sz="1400" b="1" i="0" u="none" strike="noStrike" cap="none" normalizeH="0" baseline="0" dirty="0" smtClean="0">
+              <a:rPr kumimoji="0" lang="en-US" altLang="en-US" sz="1400" b="1" i="0" u="none" strike="noStrike" cap="none" normalizeH="0" baseline="0" dirty="0">
                 <a:ln>
                   <a:noFill/>
                 </a:ln>
@@ -6964,7 +6852,7 @@
               <a:t>return </a:t>
             </a:r>
             <a:r>
-              <a:rPr kumimoji="0" lang="en-US" altLang="en-US" sz="1400" b="1" i="0" u="none" strike="noStrike" cap="none" normalizeH="0" baseline="0" dirty="0" err="1" smtClean="0">
+              <a:rPr kumimoji="0" lang="en-US" altLang="en-US" sz="1400" b="1" i="0" u="none" strike="noStrike" cap="none" normalizeH="0" baseline="0" dirty="0" err="1">
                 <a:ln>
                   <a:noFill/>
                 </a:ln>
@@ -6978,7 +6866,7 @@
               <a:t>bestYet</a:t>
             </a:r>
             <a:r>
-              <a:rPr kumimoji="0" lang="en-US" altLang="en-US" sz="1400" b="0" i="0" u="none" strike="noStrike" cap="none" normalizeH="0" baseline="0" dirty="0" smtClean="0">
+              <a:rPr kumimoji="0" lang="en-US" altLang="en-US" sz="1400" b="0" i="0" u="none" strike="noStrike" cap="none" normalizeH="0" baseline="0" dirty="0">
                 <a:ln>
                   <a:noFill/>
                 </a:ln>
@@ -6992,7 +6880,7 @@
               <a:t>;</a:t>
             </a:r>
             <a:br>
-              <a:rPr kumimoji="0" lang="en-US" altLang="en-US" sz="1400" b="0" i="0" u="none" strike="noStrike" cap="none" normalizeH="0" baseline="0" dirty="0" smtClean="0">
+              <a:rPr kumimoji="0" lang="en-US" altLang="en-US" sz="1400" b="0" i="0" u="none" strike="noStrike" cap="none" normalizeH="0" baseline="0" dirty="0">
                 <a:ln>
                   <a:noFill/>
                 </a:ln>
@@ -7005,7 +6893,7 @@
               </a:rPr>
             </a:br>
             <a:r>
-              <a:rPr kumimoji="0" lang="en-US" altLang="en-US" sz="1400" b="0" i="0" u="none" strike="noStrike" cap="none" normalizeH="0" baseline="0" dirty="0" smtClean="0">
+              <a:rPr kumimoji="0" lang="en-US" altLang="en-US" sz="1400" b="0" i="0" u="none" strike="noStrike" cap="none" normalizeH="0" baseline="0" dirty="0">
                 <a:ln>
                   <a:noFill/>
                 </a:ln>
@@ -7019,7 +6907,7 @@
               <a:t>}</a:t>
             </a:r>
             <a:br>
-              <a:rPr kumimoji="0" lang="en-US" altLang="en-US" sz="1400" b="0" i="0" u="none" strike="noStrike" cap="none" normalizeH="0" baseline="0" dirty="0" smtClean="0">
+              <a:rPr kumimoji="0" lang="en-US" altLang="en-US" sz="1400" b="0" i="0" u="none" strike="noStrike" cap="none" normalizeH="0" baseline="0" dirty="0">
                 <a:ln>
                   <a:noFill/>
                 </a:ln>
@@ -7031,7 +6919,7 @@
                 <a:cs typeface="Courier New" panose="02070309020205020404" pitchFamily="49" charset="0"/>
               </a:rPr>
             </a:br>
-            <a:endParaRPr kumimoji="0" lang="en-US" altLang="en-US" sz="3600" b="0" i="0" u="none" strike="noStrike" cap="none" normalizeH="0" baseline="0" dirty="0" smtClean="0">
+            <a:endParaRPr kumimoji="0" lang="en-US" altLang="en-US" sz="3600" b="0" i="0" u="none" strike="noStrike" cap="none" normalizeH="0" baseline="0" dirty="0">
               <a:ln>
                 <a:noFill/>
               </a:ln>
@@ -7054,13 +6942,6 @@
   <p:clrMapOvr>
     <a:masterClrMapping/>
   </p:clrMapOvr>
-  <p:timing>
-    <p:tnLst>
-      <p:par>
-        <p:cTn id="1" dur="indefinite" restart="never" nodeType="tmRoot"/>
-      </p:par>
-    </p:tnLst>
-  </p:timing>
 </p:sld>
 </file>
 
@@ -7099,10 +6980,9 @@
           <a:lstStyle/>
           <a:p>
             <a:r>
-              <a:rPr lang="en-GB" dirty="0" smtClean="0"/>
+              <a:rPr lang="en-GB" dirty="0"/>
               <a:t>Test RHMC on the one max problem</a:t>
             </a:r>
-            <a:endParaRPr lang="en-GB" dirty="0"/>
           </a:p>
         </p:txBody>
       </p:sp>
@@ -7129,73 +7009,72 @@
           <a:lstStyle/>
           <a:p>
             <a:r>
-              <a:rPr lang="en-GB" dirty="0" smtClean="0"/>
+              <a:rPr lang="en-GB" dirty="0"/>
               <a:t>Aims to evolve a binary vector of all ones</a:t>
             </a:r>
           </a:p>
           <a:p>
             <a:r>
-              <a:rPr lang="en-GB" dirty="0" smtClean="0"/>
+              <a:rPr lang="en-GB" dirty="0"/>
               <a:t>Useful test problem</a:t>
             </a:r>
           </a:p>
           <a:p>
             <a:r>
-              <a:rPr lang="en-GB" dirty="0" smtClean="0"/>
+              <a:rPr lang="en-GB" dirty="0"/>
               <a:t>Easy: </a:t>
             </a:r>
             <a:r>
-              <a:rPr lang="en-GB" b="1" dirty="0" smtClean="0"/>
+              <a:rPr lang="en-GB" b="1" dirty="0"/>
               <a:t>no local optima</a:t>
             </a:r>
           </a:p>
           <a:p>
             <a:r>
-              <a:rPr lang="en-GB" dirty="0" smtClean="0"/>
+              <a:rPr lang="en-GB" dirty="0"/>
               <a:t>Gives a </a:t>
             </a:r>
             <a:r>
-              <a:rPr lang="en-GB" b="1" dirty="0" smtClean="0"/>
+              <a:rPr lang="en-GB" b="1" dirty="0"/>
               <a:t>rough idea</a:t>
             </a:r>
             <a:r>
-              <a:rPr lang="en-GB" dirty="0" smtClean="0"/>
+              <a:rPr lang="en-GB" dirty="0"/>
               <a:t> of how long the algorithm may take to learn a given number of bits for a similarly easy problem</a:t>
             </a:r>
           </a:p>
           <a:p>
             <a:r>
-              <a:rPr lang="en-GB" dirty="0" smtClean="0"/>
+              <a:rPr lang="en-GB" dirty="0"/>
               <a:t>But many real-world problems are tougher and have local optima</a:t>
             </a:r>
           </a:p>
           <a:p>
             <a:r>
-              <a:rPr lang="en-GB" dirty="0" smtClean="0"/>
+              <a:rPr lang="en-GB" dirty="0"/>
               <a:t>And </a:t>
             </a:r>
             <a:r>
-              <a:rPr lang="en-GB" b="1" dirty="0" err="1" smtClean="0"/>
+              <a:rPr lang="en-GB" b="1" dirty="0" err="1"/>
               <a:t>epistatis</a:t>
             </a:r>
             <a:r>
-              <a:rPr lang="en-GB" dirty="0" smtClean="0"/>
+              <a:rPr lang="en-GB" dirty="0"/>
               <a:t> – where the meaning of a symbol in one part of the solution depends on one or more other parts</a:t>
             </a:r>
           </a:p>
           <a:p>
             <a:r>
-              <a:rPr lang="en-GB" dirty="0" smtClean="0"/>
+              <a:rPr lang="en-GB" dirty="0"/>
               <a:t>Asteroids example of epistasis:</a:t>
             </a:r>
           </a:p>
           <a:p>
             <a:pPr lvl="1"/>
             <a:r>
-              <a:rPr lang="en-GB" dirty="0" smtClean="0"/>
+              <a:rPr lang="en-GB" dirty="0"/>
               <a:t>For a particular level of challenge, the optimal number and speed of Asteroids will depend on the missile firing rate of the ship (a rapid fire gun will enable the player to handle more fast moving Asteroids)</a:t>
             </a:r>
-            <a:endParaRPr lang="en-GB" dirty="0"/>
           </a:p>
         </p:txBody>
       </p:sp>
@@ -7209,13 +7088,6 @@
   <p:clrMapOvr>
     <a:masterClrMapping/>
   </p:clrMapOvr>
-  <p:timing>
-    <p:tnLst>
-      <p:par>
-        <p:cTn id="1" dur="indefinite" restart="never" nodeType="tmRoot"/>
-      </p:par>
-    </p:tnLst>
-  </p:timing>
 </p:sld>
 </file>
 
@@ -7348,7 +7220,7 @@
               <a:tabLst/>
             </a:pPr>
             <a:r>
-              <a:rPr kumimoji="0" lang="en-US" altLang="en-US" sz="1600" b="1" i="0" u="none" strike="noStrike" cap="none" normalizeH="0" baseline="0" smtClean="0">
+              <a:rPr kumimoji="0" lang="en-US" altLang="en-US" sz="1600" b="1" i="0" u="none" strike="noStrike" cap="none" normalizeH="0" baseline="0">
                 <a:ln>
                   <a:noFill/>
                 </a:ln>
@@ -7362,7 +7234,7 @@
               <a:t>public </a:t>
             </a:r>
             <a:r>
-              <a:rPr kumimoji="0" lang="en-US" altLang="en-US" sz="1600" b="0" i="0" u="none" strike="noStrike" cap="none" normalizeH="0" baseline="0" smtClean="0">
+              <a:rPr kumimoji="0" lang="en-US" altLang="en-US" sz="1600" b="0" i="0" u="none" strike="noStrike" cap="none" normalizeH="0" baseline="0">
                 <a:ln>
                   <a:noFill/>
                 </a:ln>
@@ -7376,7 +7248,7 @@
               <a:t>Integer run(</a:t>
             </a:r>
             <a:r>
-              <a:rPr kumimoji="0" lang="en-US" altLang="en-US" sz="1600" b="1" i="0" u="none" strike="noStrike" cap="none" normalizeH="0" baseline="0" smtClean="0">
+              <a:rPr kumimoji="0" lang="en-US" altLang="en-US" sz="1600" b="1" i="0" u="none" strike="noStrike" cap="none" normalizeH="0" baseline="0">
                 <a:ln>
                   <a:noFill/>
                 </a:ln>
@@ -7390,7 +7262,7 @@
               <a:t>int </a:t>
             </a:r>
             <a:r>
-              <a:rPr kumimoji="0" lang="en-US" altLang="en-US" sz="1600" b="0" i="0" u="none" strike="noStrike" cap="none" normalizeH="0" baseline="0" smtClean="0">
+              <a:rPr kumimoji="0" lang="en-US" altLang="en-US" sz="1600" b="0" i="0" u="none" strike="noStrike" cap="none" normalizeH="0" baseline="0">
                 <a:ln>
                   <a:noFill/>
                 </a:ln>
@@ -7404,7 +7276,7 @@
               <a:t>nEvals) {</a:t>
             </a:r>
             <a:br>
-              <a:rPr kumimoji="0" lang="en-US" altLang="en-US" sz="1600" b="0" i="0" u="none" strike="noStrike" cap="none" normalizeH="0" baseline="0" smtClean="0">
+              <a:rPr kumimoji="0" lang="en-US" altLang="en-US" sz="1600" b="0" i="0" u="none" strike="noStrike" cap="none" normalizeH="0" baseline="0">
                 <a:ln>
                   <a:noFill/>
                 </a:ln>
@@ -7417,7 +7289,7 @@
               </a:rPr>
             </a:br>
             <a:r>
-              <a:rPr kumimoji="0" lang="en-US" altLang="en-US" sz="1600" b="0" i="0" u="none" strike="noStrike" cap="none" normalizeH="0" baseline="0" smtClean="0">
+              <a:rPr kumimoji="0" lang="en-US" altLang="en-US" sz="1600" b="0" i="0" u="none" strike="noStrike" cap="none" normalizeH="0" baseline="0">
                 <a:ln>
                   <a:noFill/>
                 </a:ln>
@@ -7431,7 +7303,7 @@
               <a:t>    </a:t>
             </a:r>
             <a:r>
-              <a:rPr kumimoji="0" lang="en-US" altLang="en-US" sz="1600" b="1" i="0" u="none" strike="noStrike" cap="none" normalizeH="0" baseline="0" smtClean="0">
+              <a:rPr kumimoji="0" lang="en-US" altLang="en-US" sz="1600" b="1" i="0" u="none" strike="noStrike" cap="none" normalizeH="0" baseline="0">
                 <a:ln>
                   <a:noFill/>
                 </a:ln>
@@ -7445,7 +7317,7 @@
               <a:t>for </a:t>
             </a:r>
             <a:r>
-              <a:rPr kumimoji="0" lang="en-US" altLang="en-US" sz="1600" b="0" i="0" u="none" strike="noStrike" cap="none" normalizeH="0" baseline="0" smtClean="0">
+              <a:rPr kumimoji="0" lang="en-US" altLang="en-US" sz="1600" b="0" i="0" u="none" strike="noStrike" cap="none" normalizeH="0" baseline="0">
                 <a:ln>
                   <a:noFill/>
                 </a:ln>
@@ -7459,7 +7331,7 @@
               <a:t>(</a:t>
             </a:r>
             <a:r>
-              <a:rPr kumimoji="0" lang="en-US" altLang="en-US" sz="1600" b="1" i="0" u="none" strike="noStrike" cap="none" normalizeH="0" baseline="0" smtClean="0">
+              <a:rPr kumimoji="0" lang="en-US" altLang="en-US" sz="1600" b="1" i="0" u="none" strike="noStrike" cap="none" normalizeH="0" baseline="0">
                 <a:ln>
                   <a:noFill/>
                 </a:ln>
@@ -7473,7 +7345,7 @@
               <a:t>int </a:t>
             </a:r>
             <a:r>
-              <a:rPr kumimoji="0" lang="en-US" altLang="en-US" sz="1600" b="0" i="0" u="none" strike="noStrike" cap="none" normalizeH="0" baseline="0" smtClean="0">
+              <a:rPr kumimoji="0" lang="en-US" altLang="en-US" sz="1600" b="0" i="0" u="none" strike="noStrike" cap="none" normalizeH="0" baseline="0">
                 <a:ln>
                   <a:noFill/>
                 </a:ln>
@@ -7487,7 +7359,7 @@
               <a:t>i=</a:t>
             </a:r>
             <a:r>
-              <a:rPr kumimoji="0" lang="en-US" altLang="en-US" sz="1600" b="0" i="0" u="none" strike="noStrike" cap="none" normalizeH="0" baseline="0" smtClean="0">
+              <a:rPr kumimoji="0" lang="en-US" altLang="en-US" sz="1600" b="0" i="0" u="none" strike="noStrike" cap="none" normalizeH="0" baseline="0">
                 <a:ln>
                   <a:noFill/>
                 </a:ln>
@@ -7501,7 +7373,7 @@
               <a:t>1</a:t>
             </a:r>
             <a:r>
-              <a:rPr kumimoji="0" lang="en-US" altLang="en-US" sz="1600" b="0" i="0" u="none" strike="noStrike" cap="none" normalizeH="0" baseline="0" smtClean="0">
+              <a:rPr kumimoji="0" lang="en-US" altLang="en-US" sz="1600" b="0" i="0" u="none" strike="noStrike" cap="none" normalizeH="0" baseline="0">
                 <a:ln>
                   <a:noFill/>
                 </a:ln>
@@ -7515,7 +7387,7 @@
               <a:t>; i&lt;=nEvals; i++) {</a:t>
             </a:r>
             <a:br>
-              <a:rPr kumimoji="0" lang="en-US" altLang="en-US" sz="1600" b="0" i="0" u="none" strike="noStrike" cap="none" normalizeH="0" baseline="0" smtClean="0">
+              <a:rPr kumimoji="0" lang="en-US" altLang="en-US" sz="1600" b="0" i="0" u="none" strike="noStrike" cap="none" normalizeH="0" baseline="0">
                 <a:ln>
                   <a:noFill/>
                 </a:ln>
@@ -7528,7 +7400,7 @@
               </a:rPr>
             </a:br>
             <a:r>
-              <a:rPr kumimoji="0" lang="en-US" altLang="en-US" sz="1600" b="0" i="0" u="none" strike="noStrike" cap="none" normalizeH="0" baseline="0" smtClean="0">
+              <a:rPr kumimoji="0" lang="en-US" altLang="en-US" sz="1600" b="0" i="0" u="none" strike="noStrike" cap="none" normalizeH="0" baseline="0">
                 <a:ln>
                   <a:noFill/>
                 </a:ln>
@@ -7542,7 +7414,7 @@
               <a:t>        </a:t>
             </a:r>
             <a:r>
-              <a:rPr kumimoji="0" lang="en-US" altLang="en-US" sz="1600" b="0" i="1" u="none" strike="noStrike" cap="none" normalizeH="0" baseline="0" smtClean="0">
+              <a:rPr kumimoji="0" lang="en-US" altLang="en-US" sz="1600" b="0" i="1" u="none" strike="noStrike" cap="none" normalizeH="0" baseline="0">
                 <a:ln>
                   <a:noFill/>
                 </a:ln>
@@ -7556,7 +7428,7 @@
               <a:t>// randomly mutate the best yet</a:t>
             </a:r>
             <a:br>
-              <a:rPr kumimoji="0" lang="en-US" altLang="en-US" sz="1600" b="0" i="1" u="none" strike="noStrike" cap="none" normalizeH="0" baseline="0" smtClean="0">
+              <a:rPr kumimoji="0" lang="en-US" altLang="en-US" sz="1600" b="0" i="1" u="none" strike="noStrike" cap="none" normalizeH="0" baseline="0">
                 <a:ln>
                   <a:noFill/>
                 </a:ln>
@@ -7569,7 +7441,7 @@
               </a:rPr>
             </a:br>
             <a:r>
-              <a:rPr kumimoji="0" lang="en-US" altLang="en-US" sz="1600" b="0" i="1" u="none" strike="noStrike" cap="none" normalizeH="0" baseline="0" smtClean="0">
+              <a:rPr kumimoji="0" lang="en-US" altLang="en-US" sz="1600" b="0" i="1" u="none" strike="noStrike" cap="none" normalizeH="0" baseline="0">
                 <a:ln>
                   <a:noFill/>
                 </a:ln>
@@ -7583,7 +7455,7 @@
               <a:t>        </a:t>
             </a:r>
             <a:r>
-              <a:rPr kumimoji="0" lang="en-US" altLang="en-US" sz="1600" b="1" i="0" u="none" strike="noStrike" cap="none" normalizeH="0" baseline="0" smtClean="0">
+              <a:rPr kumimoji="0" lang="en-US" altLang="en-US" sz="1600" b="1" i="0" u="none" strike="noStrike" cap="none" normalizeH="0" baseline="0">
                 <a:ln>
                   <a:noFill/>
                 </a:ln>
@@ -7597,7 +7469,7 @@
               <a:t>int</a:t>
             </a:r>
             <a:r>
-              <a:rPr kumimoji="0" lang="en-US" altLang="en-US" sz="1600" b="0" i="0" u="none" strike="noStrike" cap="none" normalizeH="0" baseline="0" smtClean="0">
+              <a:rPr kumimoji="0" lang="en-US" altLang="en-US" sz="1600" b="0" i="0" u="none" strike="noStrike" cap="none" normalizeH="0" baseline="0">
                 <a:ln>
                   <a:noFill/>
                 </a:ln>
@@ -7611,7 +7483,7 @@
               <a:t>[] mut = </a:t>
             </a:r>
             <a:r>
-              <a:rPr kumimoji="0" lang="en-US" altLang="en-US" sz="1600" b="0" i="1" u="none" strike="noStrike" cap="none" normalizeH="0" baseline="0" smtClean="0">
+              <a:rPr kumimoji="0" lang="en-US" altLang="en-US" sz="1600" b="0" i="1" u="none" strike="noStrike" cap="none" normalizeH="0" baseline="0">
                 <a:ln>
                   <a:noFill/>
                 </a:ln>
@@ -7625,7 +7497,7 @@
               <a:t>randMut</a:t>
             </a:r>
             <a:r>
-              <a:rPr kumimoji="0" lang="en-US" altLang="en-US" sz="1600" b="0" i="0" u="none" strike="noStrike" cap="none" normalizeH="0" baseline="0" smtClean="0">
+              <a:rPr kumimoji="0" lang="en-US" altLang="en-US" sz="1600" b="0" i="0" u="none" strike="noStrike" cap="none" normalizeH="0" baseline="0">
                 <a:ln>
                   <a:noFill/>
                 </a:ln>
@@ -7639,7 +7511,7 @@
               <a:t>(</a:t>
             </a:r>
             <a:r>
-              <a:rPr kumimoji="0" lang="en-US" altLang="en-US" sz="1600" b="1" i="0" u="none" strike="noStrike" cap="none" normalizeH="0" baseline="0" smtClean="0">
+              <a:rPr kumimoji="0" lang="en-US" altLang="en-US" sz="1600" b="1" i="0" u="none" strike="noStrike" cap="none" normalizeH="0" baseline="0">
                 <a:ln>
                   <a:noFill/>
                 </a:ln>
@@ -7653,7 +7525,7 @@
               <a:t>bestYet</a:t>
             </a:r>
             <a:r>
-              <a:rPr kumimoji="0" lang="en-US" altLang="en-US" sz="1600" b="0" i="0" u="none" strike="noStrike" cap="none" normalizeH="0" baseline="0" smtClean="0">
+              <a:rPr kumimoji="0" lang="en-US" altLang="en-US" sz="1600" b="0" i="0" u="none" strike="noStrike" cap="none" normalizeH="0" baseline="0">
                 <a:ln>
                   <a:noFill/>
                 </a:ln>
@@ -7667,7 +7539,7 @@
               <a:t>);</a:t>
             </a:r>
             <a:br>
-              <a:rPr kumimoji="0" lang="en-US" altLang="en-US" sz="1600" b="0" i="0" u="none" strike="noStrike" cap="none" normalizeH="0" baseline="0" smtClean="0">
+              <a:rPr kumimoji="0" lang="en-US" altLang="en-US" sz="1600" b="0" i="0" u="none" strike="noStrike" cap="none" normalizeH="0" baseline="0">
                 <a:ln>
                   <a:noFill/>
                 </a:ln>
@@ -7680,7 +7552,7 @@
               </a:rPr>
             </a:br>
             <a:r>
-              <a:rPr kumimoji="0" lang="en-US" altLang="en-US" sz="1600" b="0" i="0" u="none" strike="noStrike" cap="none" normalizeH="0" baseline="0" smtClean="0">
+              <a:rPr kumimoji="0" lang="en-US" altLang="en-US" sz="1600" b="0" i="0" u="none" strike="noStrike" cap="none" normalizeH="0" baseline="0">
                 <a:ln>
                   <a:noFill/>
                 </a:ln>
@@ -7694,7 +7566,7 @@
               <a:t>        </a:t>
             </a:r>
             <a:r>
-              <a:rPr kumimoji="0" lang="en-US" altLang="en-US" sz="1600" b="0" i="1" u="none" strike="noStrike" cap="none" normalizeH="0" baseline="0" smtClean="0">
+              <a:rPr kumimoji="0" lang="en-US" altLang="en-US" sz="1600" b="0" i="1" u="none" strike="noStrike" cap="none" normalizeH="0" baseline="0">
                 <a:ln>
                   <a:noFill/>
                 </a:ln>
@@ -7708,7 +7580,7 @@
               <a:t>// if it's better then adopt the mutation as the new best</a:t>
             </a:r>
             <a:br>
-              <a:rPr kumimoji="0" lang="en-US" altLang="en-US" sz="1600" b="0" i="1" u="none" strike="noStrike" cap="none" normalizeH="0" baseline="0" smtClean="0">
+              <a:rPr kumimoji="0" lang="en-US" altLang="en-US" sz="1600" b="0" i="1" u="none" strike="noStrike" cap="none" normalizeH="0" baseline="0">
                 <a:ln>
                   <a:noFill/>
                 </a:ln>
@@ -7721,7 +7593,7 @@
               </a:rPr>
             </a:br>
             <a:r>
-              <a:rPr kumimoji="0" lang="en-US" altLang="en-US" sz="1600" b="0" i="1" u="none" strike="noStrike" cap="none" normalizeH="0" baseline="0" smtClean="0">
+              <a:rPr kumimoji="0" lang="en-US" altLang="en-US" sz="1600" b="0" i="1" u="none" strike="noStrike" cap="none" normalizeH="0" baseline="0">
                 <a:ln>
                   <a:noFill/>
                 </a:ln>
@@ -7735,7 +7607,7 @@
               <a:t>        </a:t>
             </a:r>
             <a:r>
-              <a:rPr kumimoji="0" lang="en-US" altLang="en-US" sz="1600" b="1" i="0" u="none" strike="noStrike" cap="none" normalizeH="0" baseline="0" smtClean="0">
+              <a:rPr kumimoji="0" lang="en-US" altLang="en-US" sz="1600" b="1" i="0" u="none" strike="noStrike" cap="none" normalizeH="0" baseline="0">
                 <a:ln>
                   <a:noFill/>
                 </a:ln>
@@ -7749,7 +7621,7 @@
               <a:t>if </a:t>
             </a:r>
             <a:r>
-              <a:rPr kumimoji="0" lang="en-US" altLang="en-US" sz="1600" b="0" i="0" u="none" strike="noStrike" cap="none" normalizeH="0" baseline="0" smtClean="0">
+              <a:rPr kumimoji="0" lang="en-US" altLang="en-US" sz="1600" b="0" i="0" u="none" strike="noStrike" cap="none" normalizeH="0" baseline="0">
                 <a:ln>
                   <a:noFill/>
                 </a:ln>
@@ -7763,7 +7635,7 @@
               <a:t>(countOnes(mut) &gt;= countOnes(</a:t>
             </a:r>
             <a:r>
-              <a:rPr kumimoji="0" lang="en-US" altLang="en-US" sz="1600" b="1" i="0" u="none" strike="noStrike" cap="none" normalizeH="0" baseline="0" smtClean="0">
+              <a:rPr kumimoji="0" lang="en-US" altLang="en-US" sz="1600" b="1" i="0" u="none" strike="noStrike" cap="none" normalizeH="0" baseline="0">
                 <a:ln>
                   <a:noFill/>
                 </a:ln>
@@ -7777,7 +7649,7 @@
               <a:t>bestYet</a:t>
             </a:r>
             <a:r>
-              <a:rPr kumimoji="0" lang="en-US" altLang="en-US" sz="1600" b="0" i="0" u="none" strike="noStrike" cap="none" normalizeH="0" baseline="0" smtClean="0">
+              <a:rPr kumimoji="0" lang="en-US" altLang="en-US" sz="1600" b="0" i="0" u="none" strike="noStrike" cap="none" normalizeH="0" baseline="0">
                 <a:ln>
                   <a:noFill/>
                 </a:ln>
@@ -7791,7 +7663,7 @@
               <a:t>)) {</a:t>
             </a:r>
             <a:br>
-              <a:rPr kumimoji="0" lang="en-US" altLang="en-US" sz="1600" b="0" i="0" u="none" strike="noStrike" cap="none" normalizeH="0" baseline="0" smtClean="0">
+              <a:rPr kumimoji="0" lang="en-US" altLang="en-US" sz="1600" b="0" i="0" u="none" strike="noStrike" cap="none" normalizeH="0" baseline="0">
                 <a:ln>
                   <a:noFill/>
                 </a:ln>
@@ -7804,7 +7676,7 @@
               </a:rPr>
             </a:br>
             <a:r>
-              <a:rPr kumimoji="0" lang="en-US" altLang="en-US" sz="1600" b="0" i="0" u="none" strike="noStrike" cap="none" normalizeH="0" baseline="0" smtClean="0">
+              <a:rPr kumimoji="0" lang="en-US" altLang="en-US" sz="1600" b="0" i="0" u="none" strike="noStrike" cap="none" normalizeH="0" baseline="0">
                 <a:ln>
                   <a:noFill/>
                 </a:ln>
@@ -7818,7 +7690,7 @@
               <a:t>            </a:t>
             </a:r>
             <a:r>
-              <a:rPr kumimoji="0" lang="en-US" altLang="en-US" sz="1600" b="1" i="0" u="none" strike="noStrike" cap="none" normalizeH="0" baseline="0" smtClean="0">
+              <a:rPr kumimoji="0" lang="en-US" altLang="en-US" sz="1600" b="1" i="0" u="none" strike="noStrike" cap="none" normalizeH="0" baseline="0">
                 <a:ln>
                   <a:noFill/>
                 </a:ln>
@@ -7832,7 +7704,7 @@
               <a:t>bestYet </a:t>
             </a:r>
             <a:r>
-              <a:rPr kumimoji="0" lang="en-US" altLang="en-US" sz="1600" b="0" i="0" u="none" strike="noStrike" cap="none" normalizeH="0" baseline="0" smtClean="0">
+              <a:rPr kumimoji="0" lang="en-US" altLang="en-US" sz="1600" b="0" i="0" u="none" strike="noStrike" cap="none" normalizeH="0" baseline="0">
                 <a:ln>
                   <a:noFill/>
                 </a:ln>
@@ -7846,7 +7718,7 @@
               <a:t>= mut;</a:t>
             </a:r>
             <a:br>
-              <a:rPr kumimoji="0" lang="en-US" altLang="en-US" sz="1600" b="0" i="0" u="none" strike="noStrike" cap="none" normalizeH="0" baseline="0" smtClean="0">
+              <a:rPr kumimoji="0" lang="en-US" altLang="en-US" sz="1600" b="0" i="0" u="none" strike="noStrike" cap="none" normalizeH="0" baseline="0">
                 <a:ln>
                   <a:noFill/>
                 </a:ln>
@@ -7859,7 +7731,7 @@
               </a:rPr>
             </a:br>
             <a:r>
-              <a:rPr kumimoji="0" lang="en-US" altLang="en-US" sz="1600" b="0" i="0" u="none" strike="noStrike" cap="none" normalizeH="0" baseline="0" smtClean="0">
+              <a:rPr kumimoji="0" lang="en-US" altLang="en-US" sz="1600" b="0" i="0" u="none" strike="noStrike" cap="none" normalizeH="0" baseline="0">
                 <a:ln>
                   <a:noFill/>
                 </a:ln>
@@ -7873,7 +7745,7 @@
               <a:t>        }</a:t>
             </a:r>
             <a:br>
-              <a:rPr kumimoji="0" lang="en-US" altLang="en-US" sz="1600" b="0" i="0" u="none" strike="noStrike" cap="none" normalizeH="0" baseline="0" smtClean="0">
+              <a:rPr kumimoji="0" lang="en-US" altLang="en-US" sz="1600" b="0" i="0" u="none" strike="noStrike" cap="none" normalizeH="0" baseline="0">
                 <a:ln>
                   <a:noFill/>
                 </a:ln>
@@ -7886,7 +7758,7 @@
               </a:rPr>
             </a:br>
             <a:r>
-              <a:rPr kumimoji="0" lang="en-US" altLang="en-US" sz="1600" b="0" i="0" u="none" strike="noStrike" cap="none" normalizeH="0" baseline="0" smtClean="0">
+              <a:rPr kumimoji="0" lang="en-US" altLang="en-US" sz="1600" b="0" i="0" u="none" strike="noStrike" cap="none" normalizeH="0" baseline="0">
                 <a:ln>
                   <a:noFill/>
                 </a:ln>
@@ -7900,7 +7772,7 @@
               <a:t>        </a:t>
             </a:r>
             <a:r>
-              <a:rPr kumimoji="0" lang="en-US" altLang="en-US" sz="1600" b="0" i="1" u="none" strike="noStrike" cap="none" normalizeH="0" baseline="0" smtClean="0">
+              <a:rPr kumimoji="0" lang="en-US" altLang="en-US" sz="1600" b="0" i="1" u="none" strike="noStrike" cap="none" normalizeH="0" baseline="0">
                 <a:ln>
                   <a:noFill/>
                 </a:ln>
@@ -7914,7 +7786,7 @@
               <a:t>// System.out.println(Arrays.toString(bestYet));</a:t>
             </a:r>
             <a:br>
-              <a:rPr kumimoji="0" lang="en-US" altLang="en-US" sz="1600" b="0" i="1" u="none" strike="noStrike" cap="none" normalizeH="0" baseline="0" smtClean="0">
+              <a:rPr kumimoji="0" lang="en-US" altLang="en-US" sz="1600" b="0" i="1" u="none" strike="noStrike" cap="none" normalizeH="0" baseline="0">
                 <a:ln>
                   <a:noFill/>
                 </a:ln>
@@ -7927,7 +7799,7 @@
               </a:rPr>
             </a:br>
             <a:r>
-              <a:rPr kumimoji="0" lang="en-US" altLang="en-US" sz="1600" b="0" i="1" u="none" strike="noStrike" cap="none" normalizeH="0" baseline="0" smtClean="0">
+              <a:rPr kumimoji="0" lang="en-US" altLang="en-US" sz="1600" b="0" i="1" u="none" strike="noStrike" cap="none" normalizeH="0" baseline="0">
                 <a:ln>
                   <a:noFill/>
                 </a:ln>
@@ -7941,7 +7813,7 @@
               <a:t>        </a:t>
             </a:r>
             <a:r>
-              <a:rPr kumimoji="0" lang="en-US" altLang="en-US" sz="1600" b="1" i="0" u="none" strike="noStrike" cap="none" normalizeH="0" baseline="0" smtClean="0">
+              <a:rPr kumimoji="0" lang="en-US" altLang="en-US" sz="1600" b="1" i="0" u="none" strike="noStrike" cap="none" normalizeH="0" baseline="0">
                 <a:ln>
                   <a:noFill/>
                 </a:ln>
@@ -7955,7 +7827,7 @@
               <a:t>if </a:t>
             </a:r>
             <a:r>
-              <a:rPr kumimoji="0" lang="en-US" altLang="en-US" sz="1600" b="0" i="0" u="none" strike="noStrike" cap="none" normalizeH="0" baseline="0" smtClean="0">
+              <a:rPr kumimoji="0" lang="en-US" altLang="en-US" sz="1600" b="0" i="0" u="none" strike="noStrike" cap="none" normalizeH="0" baseline="0">
                 <a:ln>
                   <a:noFill/>
                 </a:ln>
@@ -7969,7 +7841,7 @@
               <a:t>(countOnes(</a:t>
             </a:r>
             <a:r>
-              <a:rPr kumimoji="0" lang="en-US" altLang="en-US" sz="1600" b="1" i="0" u="none" strike="noStrike" cap="none" normalizeH="0" baseline="0" smtClean="0">
+              <a:rPr kumimoji="0" lang="en-US" altLang="en-US" sz="1600" b="1" i="0" u="none" strike="noStrike" cap="none" normalizeH="0" baseline="0">
                 <a:ln>
                   <a:noFill/>
                 </a:ln>
@@ -7983,7 +7855,7 @@
               <a:t>bestYet</a:t>
             </a:r>
             <a:r>
-              <a:rPr kumimoji="0" lang="en-US" altLang="en-US" sz="1600" b="0" i="0" u="none" strike="noStrike" cap="none" normalizeH="0" baseline="0" smtClean="0">
+              <a:rPr kumimoji="0" lang="en-US" altLang="en-US" sz="1600" b="0" i="0" u="none" strike="noStrike" cap="none" normalizeH="0" baseline="0">
                 <a:ln>
                   <a:noFill/>
                 </a:ln>
@@ -7997,7 +7869,7 @@
               <a:t>) == </a:t>
             </a:r>
             <a:r>
-              <a:rPr kumimoji="0" lang="en-US" altLang="en-US" sz="1600" b="1" i="0" u="none" strike="noStrike" cap="none" normalizeH="0" baseline="0" smtClean="0">
+              <a:rPr kumimoji="0" lang="en-US" altLang="en-US" sz="1600" b="1" i="0" u="none" strike="noStrike" cap="none" normalizeH="0" baseline="0">
                 <a:ln>
                   <a:noFill/>
                 </a:ln>
@@ -8011,7 +7883,7 @@
               <a:t>bestYet</a:t>
             </a:r>
             <a:r>
-              <a:rPr kumimoji="0" lang="en-US" altLang="en-US" sz="1600" b="0" i="0" u="none" strike="noStrike" cap="none" normalizeH="0" baseline="0" smtClean="0">
+              <a:rPr kumimoji="0" lang="en-US" altLang="en-US" sz="1600" b="0" i="0" u="none" strike="noStrike" cap="none" normalizeH="0" baseline="0">
                 <a:ln>
                   <a:noFill/>
                 </a:ln>
@@ -8025,7 +7897,7 @@
               <a:t>.</a:t>
             </a:r>
             <a:r>
-              <a:rPr kumimoji="0" lang="en-US" altLang="en-US" sz="1600" b="1" i="0" u="none" strike="noStrike" cap="none" normalizeH="0" baseline="0" smtClean="0">
+              <a:rPr kumimoji="0" lang="en-US" altLang="en-US" sz="1600" b="1" i="0" u="none" strike="noStrike" cap="none" normalizeH="0" baseline="0">
                 <a:ln>
                   <a:noFill/>
                 </a:ln>
@@ -8039,7 +7911,7 @@
               <a:t>length</a:t>
             </a:r>
             <a:r>
-              <a:rPr kumimoji="0" lang="en-US" altLang="en-US" sz="1600" b="0" i="0" u="none" strike="noStrike" cap="none" normalizeH="0" baseline="0" smtClean="0">
+              <a:rPr kumimoji="0" lang="en-US" altLang="en-US" sz="1600" b="0" i="0" u="none" strike="noStrike" cap="none" normalizeH="0" baseline="0">
                 <a:ln>
                   <a:noFill/>
                 </a:ln>
@@ -8053,7 +7925,7 @@
               <a:t>) {</a:t>
             </a:r>
             <a:br>
-              <a:rPr kumimoji="0" lang="en-US" altLang="en-US" sz="1600" b="0" i="0" u="none" strike="noStrike" cap="none" normalizeH="0" baseline="0" smtClean="0">
+              <a:rPr kumimoji="0" lang="en-US" altLang="en-US" sz="1600" b="0" i="0" u="none" strike="noStrike" cap="none" normalizeH="0" baseline="0">
                 <a:ln>
                   <a:noFill/>
                 </a:ln>
@@ -8066,7 +7938,7 @@
               </a:rPr>
             </a:br>
             <a:r>
-              <a:rPr kumimoji="0" lang="en-US" altLang="en-US" sz="1600" b="0" i="0" u="none" strike="noStrike" cap="none" normalizeH="0" baseline="0" smtClean="0">
+              <a:rPr kumimoji="0" lang="en-US" altLang="en-US" sz="1600" b="0" i="0" u="none" strike="noStrike" cap="none" normalizeH="0" baseline="0">
                 <a:ln>
                   <a:noFill/>
                 </a:ln>
@@ -8080,7 +7952,7 @@
               <a:t>            </a:t>
             </a:r>
             <a:r>
-              <a:rPr kumimoji="0" lang="en-US" altLang="en-US" sz="1600" b="0" i="1" u="none" strike="noStrike" cap="none" normalizeH="0" baseline="0" smtClean="0">
+              <a:rPr kumimoji="0" lang="en-US" altLang="en-US" sz="1600" b="0" i="1" u="none" strike="noStrike" cap="none" normalizeH="0" baseline="0">
                 <a:ln>
                   <a:noFill/>
                 </a:ln>
@@ -8094,7 +7966,7 @@
               <a:t>// return how many evals it took to reach perfection</a:t>
             </a:r>
             <a:br>
-              <a:rPr kumimoji="0" lang="en-US" altLang="en-US" sz="1600" b="0" i="1" u="none" strike="noStrike" cap="none" normalizeH="0" baseline="0" smtClean="0">
+              <a:rPr kumimoji="0" lang="en-US" altLang="en-US" sz="1600" b="0" i="1" u="none" strike="noStrike" cap="none" normalizeH="0" baseline="0">
                 <a:ln>
                   <a:noFill/>
                 </a:ln>
@@ -8107,7 +7979,7 @@
               </a:rPr>
             </a:br>
             <a:r>
-              <a:rPr kumimoji="0" lang="en-US" altLang="en-US" sz="1600" b="0" i="1" u="none" strike="noStrike" cap="none" normalizeH="0" baseline="0" smtClean="0">
+              <a:rPr kumimoji="0" lang="en-US" altLang="en-US" sz="1600" b="0" i="1" u="none" strike="noStrike" cap="none" normalizeH="0" baseline="0">
                 <a:ln>
                   <a:noFill/>
                 </a:ln>
@@ -8121,7 +7993,7 @@
               <a:t>            </a:t>
             </a:r>
             <a:r>
-              <a:rPr kumimoji="0" lang="en-US" altLang="en-US" sz="1600" b="1" i="0" u="none" strike="noStrike" cap="none" normalizeH="0" baseline="0" smtClean="0">
+              <a:rPr kumimoji="0" lang="en-US" altLang="en-US" sz="1600" b="1" i="0" u="none" strike="noStrike" cap="none" normalizeH="0" baseline="0">
                 <a:ln>
                   <a:noFill/>
                 </a:ln>
@@ -8135,7 +8007,7 @@
               <a:t>return </a:t>
             </a:r>
             <a:r>
-              <a:rPr kumimoji="0" lang="en-US" altLang="en-US" sz="1600" b="0" i="0" u="none" strike="noStrike" cap="none" normalizeH="0" baseline="0" smtClean="0">
+              <a:rPr kumimoji="0" lang="en-US" altLang="en-US" sz="1600" b="0" i="0" u="none" strike="noStrike" cap="none" normalizeH="0" baseline="0">
                 <a:ln>
                   <a:noFill/>
                 </a:ln>
@@ -8149,7 +8021,7 @@
               <a:t>i;</a:t>
             </a:r>
             <a:br>
-              <a:rPr kumimoji="0" lang="en-US" altLang="en-US" sz="1600" b="0" i="0" u="none" strike="noStrike" cap="none" normalizeH="0" baseline="0" smtClean="0">
+              <a:rPr kumimoji="0" lang="en-US" altLang="en-US" sz="1600" b="0" i="0" u="none" strike="noStrike" cap="none" normalizeH="0" baseline="0">
                 <a:ln>
                   <a:noFill/>
                 </a:ln>
@@ -8162,7 +8034,7 @@
               </a:rPr>
             </a:br>
             <a:r>
-              <a:rPr kumimoji="0" lang="en-US" altLang="en-US" sz="1600" b="0" i="0" u="none" strike="noStrike" cap="none" normalizeH="0" baseline="0" smtClean="0">
+              <a:rPr kumimoji="0" lang="en-US" altLang="en-US" sz="1600" b="0" i="0" u="none" strike="noStrike" cap="none" normalizeH="0" baseline="0">
                 <a:ln>
                   <a:noFill/>
                 </a:ln>
@@ -8176,7 +8048,7 @@
               <a:t>        }</a:t>
             </a:r>
             <a:br>
-              <a:rPr kumimoji="0" lang="en-US" altLang="en-US" sz="1600" b="0" i="0" u="none" strike="noStrike" cap="none" normalizeH="0" baseline="0" smtClean="0">
+              <a:rPr kumimoji="0" lang="en-US" altLang="en-US" sz="1600" b="0" i="0" u="none" strike="noStrike" cap="none" normalizeH="0" baseline="0">
                 <a:ln>
                   <a:noFill/>
                 </a:ln>
@@ -8189,7 +8061,7 @@
               </a:rPr>
             </a:br>
             <a:r>
-              <a:rPr kumimoji="0" lang="en-US" altLang="en-US" sz="1600" b="0" i="0" u="none" strike="noStrike" cap="none" normalizeH="0" baseline="0" smtClean="0">
+              <a:rPr kumimoji="0" lang="en-US" altLang="en-US" sz="1600" b="0" i="0" u="none" strike="noStrike" cap="none" normalizeH="0" baseline="0">
                 <a:ln>
                   <a:noFill/>
                 </a:ln>
@@ -8203,7 +8075,7 @@
               <a:t>    }</a:t>
             </a:r>
             <a:br>
-              <a:rPr kumimoji="0" lang="en-US" altLang="en-US" sz="1600" b="0" i="0" u="none" strike="noStrike" cap="none" normalizeH="0" baseline="0" smtClean="0">
+              <a:rPr kumimoji="0" lang="en-US" altLang="en-US" sz="1600" b="0" i="0" u="none" strike="noStrike" cap="none" normalizeH="0" baseline="0">
                 <a:ln>
                   <a:noFill/>
                 </a:ln>
@@ -8216,7 +8088,7 @@
               </a:rPr>
             </a:br>
             <a:r>
-              <a:rPr kumimoji="0" lang="en-US" altLang="en-US" sz="1600" b="0" i="0" u="none" strike="noStrike" cap="none" normalizeH="0" baseline="0" smtClean="0">
+              <a:rPr kumimoji="0" lang="en-US" altLang="en-US" sz="1600" b="0" i="0" u="none" strike="noStrike" cap="none" normalizeH="0" baseline="0">
                 <a:ln>
                   <a:noFill/>
                 </a:ln>
@@ -8230,7 +8102,7 @@
               <a:t>    </a:t>
             </a:r>
             <a:r>
-              <a:rPr kumimoji="0" lang="en-US" altLang="en-US" sz="1600" b="0" i="1" u="none" strike="noStrike" cap="none" normalizeH="0" baseline="0" smtClean="0">
+              <a:rPr kumimoji="0" lang="en-US" altLang="en-US" sz="1600" b="0" i="1" u="none" strike="noStrike" cap="none" normalizeH="0" baseline="0">
                 <a:ln>
                   <a:noFill/>
                 </a:ln>
@@ -8244,7 +8116,7 @@
               <a:t>// failed to find a solution</a:t>
             </a:r>
             <a:br>
-              <a:rPr kumimoji="0" lang="en-US" altLang="en-US" sz="1600" b="0" i="1" u="none" strike="noStrike" cap="none" normalizeH="0" baseline="0" smtClean="0">
+              <a:rPr kumimoji="0" lang="en-US" altLang="en-US" sz="1600" b="0" i="1" u="none" strike="noStrike" cap="none" normalizeH="0" baseline="0">
                 <a:ln>
                   <a:noFill/>
                 </a:ln>
@@ -8257,7 +8129,7 @@
               </a:rPr>
             </a:br>
             <a:r>
-              <a:rPr kumimoji="0" lang="en-US" altLang="en-US" sz="1600" b="0" i="1" u="none" strike="noStrike" cap="none" normalizeH="0" baseline="0" smtClean="0">
+              <a:rPr kumimoji="0" lang="en-US" altLang="en-US" sz="1600" b="0" i="1" u="none" strike="noStrike" cap="none" normalizeH="0" baseline="0">
                 <a:ln>
                   <a:noFill/>
                 </a:ln>
@@ -8271,7 +8143,7 @@
               <a:t>    </a:t>
             </a:r>
             <a:r>
-              <a:rPr kumimoji="0" lang="en-US" altLang="en-US" sz="1600" b="1" i="0" u="none" strike="noStrike" cap="none" normalizeH="0" baseline="0" smtClean="0">
+              <a:rPr kumimoji="0" lang="en-US" altLang="en-US" sz="1600" b="1" i="0" u="none" strike="noStrike" cap="none" normalizeH="0" baseline="0">
                 <a:ln>
                   <a:noFill/>
                 </a:ln>
@@ -8285,7 +8157,7 @@
               <a:t>return null</a:t>
             </a:r>
             <a:r>
-              <a:rPr kumimoji="0" lang="en-US" altLang="en-US" sz="1600" b="0" i="0" u="none" strike="noStrike" cap="none" normalizeH="0" baseline="0" smtClean="0">
+              <a:rPr kumimoji="0" lang="en-US" altLang="en-US" sz="1600" b="0" i="0" u="none" strike="noStrike" cap="none" normalizeH="0" baseline="0">
                 <a:ln>
                   <a:noFill/>
                 </a:ln>
@@ -8299,7 +8171,7 @@
               <a:t>;</a:t>
             </a:r>
             <a:br>
-              <a:rPr kumimoji="0" lang="en-US" altLang="en-US" sz="1600" b="0" i="0" u="none" strike="noStrike" cap="none" normalizeH="0" baseline="0" smtClean="0">
+              <a:rPr kumimoji="0" lang="en-US" altLang="en-US" sz="1600" b="0" i="0" u="none" strike="noStrike" cap="none" normalizeH="0" baseline="0">
                 <a:ln>
                   <a:noFill/>
                 </a:ln>
@@ -8312,7 +8184,7 @@
               </a:rPr>
             </a:br>
             <a:r>
-              <a:rPr kumimoji="0" lang="en-US" altLang="en-US" sz="1600" b="0" i="0" u="none" strike="noStrike" cap="none" normalizeH="0" baseline="0" smtClean="0">
+              <a:rPr kumimoji="0" lang="en-US" altLang="en-US" sz="1600" b="0" i="0" u="none" strike="noStrike" cap="none" normalizeH="0" baseline="0">
                 <a:ln>
                   <a:noFill/>
                 </a:ln>
@@ -8326,7 +8198,7 @@
               <a:t>}</a:t>
             </a:r>
             <a:br>
-              <a:rPr kumimoji="0" lang="en-US" altLang="en-US" sz="1600" b="0" i="0" u="none" strike="noStrike" cap="none" normalizeH="0" baseline="0" smtClean="0">
+              <a:rPr kumimoji="0" lang="en-US" altLang="en-US" sz="1600" b="0" i="0" u="none" strike="noStrike" cap="none" normalizeH="0" baseline="0">
                 <a:ln>
                   <a:noFill/>
                 </a:ln>
@@ -8338,7 +8210,7 @@
                 <a:cs typeface="Courier New" panose="02070309020205020404" pitchFamily="49" charset="0"/>
               </a:rPr>
             </a:br>
-            <a:endParaRPr kumimoji="0" lang="en-US" altLang="en-US" sz="4000" b="0" i="0" u="none" strike="noStrike" cap="none" normalizeH="0" baseline="0" smtClean="0">
+            <a:endParaRPr kumimoji="0" lang="en-US" altLang="en-US" sz="4000" b="0" i="0" u="none" strike="noStrike" cap="none" normalizeH="0" baseline="0">
               <a:ln>
                 <a:noFill/>
               </a:ln>
@@ -8361,13 +8233,6 @@
   <p:clrMapOvr>
     <a:masterClrMapping/>
   </p:clrMapOvr>
-  <p:timing>
-    <p:tnLst>
-      <p:par>
-        <p:cTn id="1" dur="indefinite" restart="never" nodeType="tmRoot"/>
-      </p:par>
-    </p:tnLst>
-  </p:timing>
 </p:sld>
 </file>
 
@@ -8404,10 +8269,9 @@
           <a:lstStyle/>
           <a:p>
             <a:r>
-              <a:rPr lang="en-GB" dirty="0" smtClean="0"/>
+              <a:rPr lang="en-GB" dirty="0"/>
               <a:t>Lab Exercise - RHMC</a:t>
             </a:r>
-            <a:endParaRPr lang="en-GB" dirty="0"/>
           </a:p>
         </p:txBody>
       </p:sp>
@@ -8434,36 +8298,36 @@
           <a:lstStyle/>
           <a:p>
             <a:r>
-              <a:rPr lang="en-GB" dirty="0" smtClean="0"/>
+              <a:rPr lang="en-GB" dirty="0"/>
               <a:t>Work out how to predict the “expected hitting time” of the algorithm on one max</a:t>
             </a:r>
           </a:p>
           <a:p>
             <a:r>
-              <a:rPr lang="en-GB" dirty="0" smtClean="0"/>
+              <a:rPr lang="en-GB" dirty="0"/>
               <a:t>This means, starting from a random bit vector, how many fitness evaluations are expected in order to reach the optimum (all ones)</a:t>
             </a:r>
           </a:p>
           <a:p>
             <a:r>
-              <a:rPr lang="en-GB" dirty="0" smtClean="0"/>
+              <a:rPr lang="en-GB" dirty="0"/>
               <a:t>Experiment with the code:</a:t>
             </a:r>
           </a:p>
           <a:p>
             <a:pPr lvl="1"/>
             <a:r>
-              <a:rPr lang="en-GB" dirty="0" smtClean="0"/>
+              <a:rPr lang="en-GB" dirty="0"/>
               <a:t>See </a:t>
             </a:r>
             <a:r>
-              <a:rPr lang="en-GB" b="1" dirty="0" err="1" smtClean="0">
+              <a:rPr lang="en-GB" b="1" dirty="0" err="1">
                 <a:latin typeface="Courier New" panose="02070309020205020404" pitchFamily="49" charset="0"/>
                 <a:cs typeface="Courier New" panose="02070309020205020404" pitchFamily="49" charset="0"/>
               </a:rPr>
               <a:t>ga.OneMaxTest</a:t>
             </a:r>
-            <a:endParaRPr lang="en-GB" b="1" dirty="0" smtClean="0">
+            <a:endParaRPr lang="en-GB" b="1" dirty="0">
               <a:latin typeface="Courier New" panose="02070309020205020404" pitchFamily="49" charset="0"/>
               <a:cs typeface="Courier New" panose="02070309020205020404" pitchFamily="49" charset="0"/>
             </a:endParaRPr>
@@ -8471,61 +8335,33 @@
           <a:p>
             <a:pPr lvl="1"/>
             <a:r>
-              <a:rPr lang="en-GB" dirty="0" smtClean="0"/>
+              <a:rPr lang="en-GB" dirty="0"/>
               <a:t>Observe how the expected hitting time varies with N</a:t>
             </a:r>
           </a:p>
           <a:p>
             <a:pPr lvl="1"/>
             <a:r>
-              <a:rPr lang="en-GB" dirty="0" smtClean="0"/>
-              <a:t>Develop a sum of series expression for </a:t>
-            </a:r>
-            <a:r>
-              <a:rPr lang="en-GB" dirty="0" smtClean="0"/>
-              <a:t>this</a:t>
+              <a:rPr lang="en-GB" dirty="0"/>
+              <a:t>Develop a sum of series expression for this</a:t>
             </a:r>
           </a:p>
           <a:p>
             <a:pPr lvl="1"/>
             <a:r>
-              <a:rPr lang="en-GB" dirty="0" smtClean="0"/>
+              <a:rPr lang="en-GB" dirty="0"/>
               <a:t>Implement it in the method: 								</a:t>
             </a:r>
           </a:p>
           <a:p>
             <a:pPr lvl="2"/>
             <a:r>
-              <a:rPr lang="en-GB" sz="3300" b="1" dirty="0" err="1" smtClean="0">
+              <a:rPr lang="en-GB" sz="3300" b="1" dirty="0" err="1">
                 <a:latin typeface="Courier" charset="0"/>
                 <a:ea typeface="Courier" charset="0"/>
                 <a:cs typeface="Courier" charset="0"/>
               </a:rPr>
               <a:t>predictNEvals</a:t>
-            </a:r>
-            <a:r>
-              <a:rPr lang="en-GB" sz="3300" b="1" dirty="0" smtClean="0">
-                <a:latin typeface="Courier" charset="0"/>
-                <a:ea typeface="Courier" charset="0"/>
-                <a:cs typeface="Courier" charset="0"/>
-              </a:rPr>
-              <a:t>(</a:t>
-            </a:r>
-            <a:r>
-              <a:rPr lang="en-GB" sz="3300" b="1" dirty="0" err="1" smtClean="0">
-                <a:latin typeface="Courier" charset="0"/>
-                <a:ea typeface="Courier" charset="0"/>
-                <a:cs typeface="Courier" charset="0"/>
-              </a:rPr>
-              <a:t>int</a:t>
-            </a:r>
-            <a:r>
-              <a:rPr lang="en-GB" sz="3300" b="1" dirty="0" smtClean="0">
-                <a:latin typeface="Courier" charset="0"/>
-                <a:ea typeface="Courier" charset="0"/>
-                <a:cs typeface="Courier" charset="0"/>
-              </a:rPr>
-              <a:t> </a:t>
             </a:r>
             <a:r>
               <a:rPr lang="en-GB" sz="3300" b="1" dirty="0">
@@ -8533,20 +8369,30 @@
                 <a:ea typeface="Courier" charset="0"/>
                 <a:cs typeface="Courier" charset="0"/>
               </a:rPr>
-              <a:t>n)</a:t>
-            </a:r>
-            <a:endParaRPr lang="en-GB" sz="3300" b="1" dirty="0" smtClean="0">
-              <a:latin typeface="Courier" charset="0"/>
-              <a:ea typeface="Courier" charset="0"/>
-              <a:cs typeface="Courier" charset="0"/>
-            </a:endParaRPr>
-          </a:p>
-          <a:p>
-            <a:r>
-              <a:rPr lang="en-GB" dirty="0" smtClean="0"/>
+              <a:t>(</a:t>
+            </a:r>
+            <a:r>
+              <a:rPr lang="en-GB" sz="3300" b="1" dirty="0" err="1">
+                <a:latin typeface="Courier" charset="0"/>
+                <a:ea typeface="Courier" charset="0"/>
+                <a:cs typeface="Courier" charset="0"/>
+              </a:rPr>
+              <a:t>int</a:t>
+            </a:r>
+            <a:r>
+              <a:rPr lang="en-GB" sz="3300" b="1" dirty="0">
+                <a:latin typeface="Courier" charset="0"/>
+                <a:ea typeface="Courier" charset="0"/>
+                <a:cs typeface="Courier" charset="0"/>
+              </a:rPr>
+              <a:t> n)</a:t>
+            </a:r>
+          </a:p>
+          <a:p>
+            <a:r>
+              <a:rPr lang="en-GB" dirty="0"/>
               <a:t>How does it scale (e.g. is it O(N) ?)</a:t>
             </a:r>
-            <a:endParaRPr lang="en-GB" dirty="0"/>
           </a:p>
         </p:txBody>
       </p:sp>
@@ -8560,13 +8406,6 @@
   <p:clrMapOvr>
     <a:masterClrMapping/>
   </p:clrMapOvr>
-  <p:timing>
-    <p:tnLst>
-      <p:par>
-        <p:cTn id="1" dur="indefinite" restart="never" nodeType="tmRoot"/>
-      </p:par>
-    </p:tnLst>
-  </p:timing>
 </p:sld>
 </file>
 
